--- a/document/発表用資料.pptx
+++ b/document/発表用資料.pptx
@@ -3,16 +3,16 @@
 <p:presentation xmlns:a="http://schemas.openxmlformats.org/drawingml/2006/main" xmlns:p="http://schemas.openxmlformats.org/presentationml/2006/main" xmlns:r="http://schemas.openxmlformats.org/officeDocument/2006/relationships" xmlns:p14="http://schemas.microsoft.com/office/powerpoint/2010/main" xmlns:p15="http://schemas.microsoft.com/office/powerpoint/2012/main" xmlns:mc="http://schemas.openxmlformats.org/markup-compatibility/2006">
   <p:sldMasterIdLst>
     <p:sldMasterId id="2147483648" r:id="rId2"/>
+    <p:sldMasterId id="2147483661" r:id="rId3"/>
   </p:sldMasterIdLst>
   <p:sldIdLst>
-    <p:sldId id="256" r:id="rId3"/>
-    <p:sldId id="257" r:id="rId4"/>
-    <p:sldId id="258" r:id="rId5"/>
-    <p:sldId id="259" r:id="rId6"/>
-    <p:sldId id="260" r:id="rId7"/>
-    <p:sldId id="261" r:id="rId8"/>
-    <p:sldId id="262" r:id="rId9"/>
-    <p:sldId id="263" r:id="rId10"/>
+    <p:sldId id="256" r:id="rId4"/>
+    <p:sldId id="257" r:id="rId5"/>
+    <p:sldId id="258" r:id="rId6"/>
+    <p:sldId id="259" r:id="rId7"/>
+    <p:sldId id="260" r:id="rId8"/>
+    <p:sldId id="261" r:id="rId9"/>
+    <p:sldId id="262" r:id="rId10"/>
   </p:sldIdLst>
   <p:sldSz cx="10080625" cy="5670550"/>
   <p:notesSz cx="7559675" cy="10691813"/>
@@ -43,7 +43,7 @@
             <a:spLocks noGrp="1"/>
           </p:cNvSpPr>
           <p:nvPr>
-            <p:ph type="ftr" idx="2"/>
+            <p:ph type="ftr" idx="1"/>
           </p:nvPr>
         </p:nvSpPr>
         <p:spPr/>
@@ -63,14 +63,14 @@
             <a:spLocks noGrp="1"/>
           </p:cNvSpPr>
           <p:nvPr>
-            <p:ph type="sldNum" idx="3"/>
+            <p:ph type="sldNum" idx="2"/>
           </p:nvPr>
         </p:nvSpPr>
         <p:spPr/>
         <p:txBody>
           <a:bodyPr/>
           <a:p>
-            <a:fld id="{C438B869-7A35-40FD-AFD7-4A22283100CE}" type="slidenum">
+            <a:fld id="{62755308-C000-4C86-95E6-EA665F2A700D}" type="slidenum">
               <a:t>&lt;#&gt;</a:t>
             </a:fld>
           </a:p>
@@ -83,7 +83,7 @@
             <a:spLocks noGrp="1"/>
           </p:cNvSpPr>
           <p:nvPr>
-            <p:ph type="dt" idx="1"/>
+            <p:ph type="dt" idx="3"/>
           </p:nvPr>
         </p:nvSpPr>
         <p:spPr/>
@@ -132,18 +132,14 @@
         <p:spPr>
           <a:xfrm>
             <a:off x="504000" y="226080"/>
-            <a:ext cx="9071640" cy="946440"/>
-          </a:xfrm>
-          <a:prstGeom prst="rect">
-            <a:avLst/>
-          </a:prstGeom>
-          <a:solidFill>
-            <a:srgbClr val="dee6ef"/>
-          </a:solidFill>
-          <a:ln w="0">
-            <a:solidFill>
-              <a:srgbClr val="3465a4"/>
-            </a:solidFill>
+            <a:ext cx="9070920" cy="945720"/>
+          </a:xfrm>
+          <a:prstGeom prst="rect">
+            <a:avLst/>
+          </a:prstGeom>
+          <a:noFill/>
+          <a:ln w="0">
+            <a:noFill/>
           </a:ln>
         </p:spPr>
         <p:txBody>
@@ -176,7 +172,7 @@
         <p:spPr>
           <a:xfrm>
             <a:off x="504000" y="1326600"/>
-            <a:ext cx="9071640" cy="1568160"/>
+            <a:ext cx="9070920" cy="356400"/>
           </a:xfrm>
           <a:prstGeom prst="rect">
             <a:avLst/>
@@ -188,7 +184,7 @@
         </p:spPr>
         <p:txBody>
           <a:bodyPr lIns="0" rIns="0" tIns="0" bIns="0" anchor="t">
-            <a:normAutofit/>
+            <a:normAutofit fontScale="81000"/>
           </a:bodyPr>
           <a:p>
             <a:pPr indent="0">
@@ -218,8 +214,8 @@
         </p:nvSpPr>
         <p:spPr>
           <a:xfrm>
-            <a:off x="504000" y="3044160"/>
-            <a:ext cx="9071640" cy="1568160"/>
+            <a:off x="504000" y="1717200"/>
+            <a:ext cx="9070920" cy="356400"/>
           </a:xfrm>
           <a:prstGeom prst="rect">
             <a:avLst/>
@@ -231,7 +227,7 @@
         </p:spPr>
         <p:txBody>
           <a:bodyPr lIns="0" rIns="0" tIns="0" bIns="0" anchor="t">
-            <a:normAutofit/>
+            <a:normAutofit fontScale="81000"/>
           </a:bodyPr>
           <a:p>
             <a:pPr indent="0">
@@ -256,7 +252,7 @@
             <a:spLocks noGrp="1"/>
           </p:cNvSpPr>
           <p:nvPr>
-            <p:ph type="ftr" idx="2"/>
+            <p:ph type="ftr" idx="1"/>
           </p:nvPr>
         </p:nvSpPr>
         <p:spPr/>
@@ -276,14 +272,14 @@
             <a:spLocks noGrp="1"/>
           </p:cNvSpPr>
           <p:nvPr>
-            <p:ph type="sldNum" idx="3"/>
+            <p:ph type="sldNum" idx="2"/>
           </p:nvPr>
         </p:nvSpPr>
         <p:spPr/>
         <p:txBody>
           <a:bodyPr/>
           <a:p>
-            <a:fld id="{78CE1D07-1CC8-4ACA-9492-CF4D699C6A6E}" type="slidenum">
+            <a:fld id="{879285F8-25A7-4FA8-A3CC-A1FCF0AD5D22}" type="slidenum">
               <a:t>&lt;#&gt;</a:t>
             </a:fld>
           </a:p>
@@ -296,7 +292,7 @@
             <a:spLocks noGrp="1"/>
           </p:cNvSpPr>
           <p:nvPr>
-            <p:ph type="dt" idx="1"/>
+            <p:ph type="dt" idx="3"/>
           </p:nvPr>
         </p:nvSpPr>
         <p:spPr/>
@@ -345,18 +341,14 @@
         <p:spPr>
           <a:xfrm>
             <a:off x="504000" y="226080"/>
-            <a:ext cx="9071640" cy="946440"/>
-          </a:xfrm>
-          <a:prstGeom prst="rect">
-            <a:avLst/>
-          </a:prstGeom>
-          <a:solidFill>
-            <a:srgbClr val="dee6ef"/>
-          </a:solidFill>
-          <a:ln w="0">
-            <a:solidFill>
-              <a:srgbClr val="3465a4"/>
-            </a:solidFill>
+            <a:ext cx="9070920" cy="945720"/>
+          </a:xfrm>
+          <a:prstGeom prst="rect">
+            <a:avLst/>
+          </a:prstGeom>
+          <a:noFill/>
+          <a:ln w="0">
+            <a:noFill/>
           </a:ln>
         </p:spPr>
         <p:txBody>
@@ -389,7 +381,7 @@
         <p:spPr>
           <a:xfrm>
             <a:off x="504000" y="1326600"/>
-            <a:ext cx="4426920" cy="1568160"/>
+            <a:ext cx="4426560" cy="356400"/>
           </a:xfrm>
           <a:prstGeom prst="rect">
             <a:avLst/>
@@ -401,7 +393,7 @@
         </p:spPr>
         <p:txBody>
           <a:bodyPr lIns="0" rIns="0" tIns="0" bIns="0" anchor="t">
-            <a:normAutofit/>
+            <a:normAutofit fontScale="77000"/>
           </a:bodyPr>
           <a:p>
             <a:pPr indent="0">
@@ -431,8 +423,8 @@
         </p:nvSpPr>
         <p:spPr>
           <a:xfrm>
-            <a:off x="5152680" y="1326600"/>
-            <a:ext cx="4426920" cy="1568160"/>
+            <a:off x="5152320" y="1326600"/>
+            <a:ext cx="4426560" cy="356400"/>
           </a:xfrm>
           <a:prstGeom prst="rect">
             <a:avLst/>
@@ -444,7 +436,7 @@
         </p:spPr>
         <p:txBody>
           <a:bodyPr lIns="0" rIns="0" tIns="0" bIns="0" anchor="t">
-            <a:normAutofit/>
+            <a:normAutofit fontScale="77000"/>
           </a:bodyPr>
           <a:p>
             <a:pPr indent="0">
@@ -474,8 +466,8 @@
         </p:nvSpPr>
         <p:spPr>
           <a:xfrm>
-            <a:off x="504000" y="3044160"/>
-            <a:ext cx="4426920" cy="1568160"/>
+            <a:off x="504000" y="1717200"/>
+            <a:ext cx="4426560" cy="356400"/>
           </a:xfrm>
           <a:prstGeom prst="rect">
             <a:avLst/>
@@ -487,7 +479,7 @@
         </p:spPr>
         <p:txBody>
           <a:bodyPr lIns="0" rIns="0" tIns="0" bIns="0" anchor="t">
-            <a:normAutofit/>
+            <a:normAutofit fontScale="77000"/>
           </a:bodyPr>
           <a:p>
             <a:pPr indent="0">
@@ -517,8 +509,8 @@
         </p:nvSpPr>
         <p:spPr>
           <a:xfrm>
-            <a:off x="5152680" y="3044160"/>
-            <a:ext cx="4426920" cy="1568160"/>
+            <a:off x="5152320" y="1717200"/>
+            <a:ext cx="4426560" cy="356400"/>
           </a:xfrm>
           <a:prstGeom prst="rect">
             <a:avLst/>
@@ -530,7 +522,7 @@
         </p:spPr>
         <p:txBody>
           <a:bodyPr lIns="0" rIns="0" tIns="0" bIns="0" anchor="t">
-            <a:normAutofit/>
+            <a:normAutofit fontScale="77000"/>
           </a:bodyPr>
           <a:p>
             <a:pPr indent="0">
@@ -555,7 +547,7 @@
             <a:spLocks noGrp="1"/>
           </p:cNvSpPr>
           <p:nvPr>
-            <p:ph type="ftr" idx="2"/>
+            <p:ph type="ftr" idx="1"/>
           </p:nvPr>
         </p:nvSpPr>
         <p:spPr/>
@@ -575,14 +567,14 @@
             <a:spLocks noGrp="1"/>
           </p:cNvSpPr>
           <p:nvPr>
-            <p:ph type="sldNum" idx="3"/>
+            <p:ph type="sldNum" idx="2"/>
           </p:nvPr>
         </p:nvSpPr>
         <p:spPr/>
         <p:txBody>
           <a:bodyPr/>
           <a:p>
-            <a:fld id="{8F441EB1-AA27-4AB8-AEB5-9ADB292C23CA}" type="slidenum">
+            <a:fld id="{87E47D4F-BF00-4CC8-B94C-1017A31A8F2F}" type="slidenum">
               <a:t>&lt;#&gt;</a:t>
             </a:fld>
           </a:p>
@@ -595,7 +587,7 @@
             <a:spLocks noGrp="1"/>
           </p:cNvSpPr>
           <p:nvPr>
-            <p:ph type="dt" idx="1"/>
+            <p:ph type="dt" idx="3"/>
           </p:nvPr>
         </p:nvSpPr>
         <p:spPr/>
@@ -644,18 +636,14 @@
         <p:spPr>
           <a:xfrm>
             <a:off x="504000" y="226080"/>
-            <a:ext cx="9071640" cy="946440"/>
-          </a:xfrm>
-          <a:prstGeom prst="rect">
-            <a:avLst/>
-          </a:prstGeom>
-          <a:solidFill>
-            <a:srgbClr val="dee6ef"/>
-          </a:solidFill>
-          <a:ln w="0">
-            <a:solidFill>
-              <a:srgbClr val="3465a4"/>
-            </a:solidFill>
+            <a:ext cx="9070920" cy="945720"/>
+          </a:xfrm>
+          <a:prstGeom prst="rect">
+            <a:avLst/>
+          </a:prstGeom>
+          <a:noFill/>
+          <a:ln w="0">
+            <a:noFill/>
           </a:ln>
         </p:spPr>
         <p:txBody>
@@ -688,7 +676,7 @@
         <p:spPr>
           <a:xfrm>
             <a:off x="504000" y="1326600"/>
-            <a:ext cx="2920680" cy="1568160"/>
+            <a:ext cx="2920680" cy="356400"/>
           </a:xfrm>
           <a:prstGeom prst="rect">
             <a:avLst/>
@@ -700,7 +688,7 @@
         </p:spPr>
         <p:txBody>
           <a:bodyPr lIns="0" rIns="0" tIns="0" bIns="0" anchor="t">
-            <a:normAutofit/>
+            <a:normAutofit fontScale="51000"/>
           </a:bodyPr>
           <a:p>
             <a:pPr indent="0">
@@ -731,7 +719,7 @@
         <p:spPr>
           <a:xfrm>
             <a:off x="3571200" y="1326600"/>
-            <a:ext cx="2920680" cy="1568160"/>
+            <a:ext cx="2920680" cy="356400"/>
           </a:xfrm>
           <a:prstGeom prst="rect">
             <a:avLst/>
@@ -743,7 +731,7 @@
         </p:spPr>
         <p:txBody>
           <a:bodyPr lIns="0" rIns="0" tIns="0" bIns="0" anchor="t">
-            <a:normAutofit/>
+            <a:normAutofit fontScale="51000"/>
           </a:bodyPr>
           <a:p>
             <a:pPr indent="0">
@@ -774,7 +762,7 @@
         <p:spPr>
           <a:xfrm>
             <a:off x="6638040" y="1326600"/>
-            <a:ext cx="2920680" cy="1568160"/>
+            <a:ext cx="2920680" cy="356400"/>
           </a:xfrm>
           <a:prstGeom prst="rect">
             <a:avLst/>
@@ -786,7 +774,7 @@
         </p:spPr>
         <p:txBody>
           <a:bodyPr lIns="0" rIns="0" tIns="0" bIns="0" anchor="t">
-            <a:normAutofit/>
+            <a:normAutofit fontScale="51000"/>
           </a:bodyPr>
           <a:p>
             <a:pPr indent="0">
@@ -816,8 +804,8 @@
         </p:nvSpPr>
         <p:spPr>
           <a:xfrm>
-            <a:off x="504000" y="3044160"/>
-            <a:ext cx="2920680" cy="1568160"/>
+            <a:off x="504000" y="1717200"/>
+            <a:ext cx="2920680" cy="356400"/>
           </a:xfrm>
           <a:prstGeom prst="rect">
             <a:avLst/>
@@ -829,7 +817,7 @@
         </p:spPr>
         <p:txBody>
           <a:bodyPr lIns="0" rIns="0" tIns="0" bIns="0" anchor="t">
-            <a:normAutofit/>
+            <a:normAutofit fontScale="51000"/>
           </a:bodyPr>
           <a:p>
             <a:pPr indent="0">
@@ -859,8 +847,8 @@
         </p:nvSpPr>
         <p:spPr>
           <a:xfrm>
-            <a:off x="3571200" y="3044160"/>
-            <a:ext cx="2920680" cy="1568160"/>
+            <a:off x="3571200" y="1717200"/>
+            <a:ext cx="2920680" cy="356400"/>
           </a:xfrm>
           <a:prstGeom prst="rect">
             <a:avLst/>
@@ -872,7 +860,7 @@
         </p:spPr>
         <p:txBody>
           <a:bodyPr lIns="0" rIns="0" tIns="0" bIns="0" anchor="t">
-            <a:normAutofit/>
+            <a:normAutofit fontScale="51000"/>
           </a:bodyPr>
           <a:p>
             <a:pPr indent="0">
@@ -902,8 +890,8 @@
         </p:nvSpPr>
         <p:spPr>
           <a:xfrm>
-            <a:off x="6638040" y="3044160"/>
-            <a:ext cx="2920680" cy="1568160"/>
+            <a:off x="6638040" y="1717200"/>
+            <a:ext cx="2920680" cy="356400"/>
           </a:xfrm>
           <a:prstGeom prst="rect">
             <a:avLst/>
@@ -915,7 +903,7 @@
         </p:spPr>
         <p:txBody>
           <a:bodyPr lIns="0" rIns="0" tIns="0" bIns="0" anchor="t">
-            <a:normAutofit/>
+            <a:normAutofit fontScale="51000"/>
           </a:bodyPr>
           <a:p>
             <a:pPr indent="0">
@@ -940,7 +928,7 @@
             <a:spLocks noGrp="1"/>
           </p:cNvSpPr>
           <p:nvPr>
-            <p:ph type="ftr" idx="2"/>
+            <p:ph type="ftr" idx="1"/>
           </p:nvPr>
         </p:nvSpPr>
         <p:spPr/>
@@ -960,14 +948,14 @@
             <a:spLocks noGrp="1"/>
           </p:cNvSpPr>
           <p:nvPr>
-            <p:ph type="sldNum" idx="3"/>
+            <p:ph type="sldNum" idx="2"/>
           </p:nvPr>
         </p:nvSpPr>
         <p:spPr/>
         <p:txBody>
           <a:bodyPr/>
           <a:p>
-            <a:fld id="{18A06B19-357E-485C-BC5E-52AB7EF83EEC}" type="slidenum">
+            <a:fld id="{E847603F-5BC1-4914-B285-6DDD4C18670D}" type="slidenum">
               <a:t>&lt;#&gt;</a:t>
             </a:fld>
           </a:p>
@@ -980,7 +968,1124 @@
             <a:spLocks noGrp="1"/>
           </p:cNvSpPr>
           <p:nvPr>
-            <p:ph type="dt" idx="1"/>
+            <p:ph type="dt" idx="3"/>
+          </p:nvPr>
+        </p:nvSpPr>
+        <p:spPr/>
+        <p:txBody>
+          <a:bodyPr/>
+          <a:p>
+            <a:r>
+              <a:rPr lang="ja-JP"/>
+              <a:t/>
+            </a:r>
+          </a:p>
+        </p:txBody>
+      </p:sp>
+    </p:spTree>
+  </p:cSld>
+</p:sldLayout>
+</file>
+
+<file path=ppt/slideLayouts/slideLayout13.xml><?xml version="1.0" encoding="utf-8"?>
+<p:sldLayout xmlns:a="http://schemas.openxmlformats.org/drawingml/2006/main" xmlns:p="http://schemas.openxmlformats.org/presentationml/2006/main" xmlns:r="http://schemas.openxmlformats.org/officeDocument/2006/relationships" xmlns:p14="http://schemas.microsoft.com/office/powerpoint/2010/main" xmlns:p15="http://schemas.microsoft.com/office/powerpoint/2012/main" xmlns:mc="http://schemas.openxmlformats.org/markup-compatibility/2006" type="blank" preserve="1">
+  <p:cSld name="Blank Slide">
+    <p:spTree>
+      <p:nvGrpSpPr>
+        <p:cNvPr id="1" name=""/>
+        <p:cNvGrpSpPr/>
+        <p:nvPr/>
+      </p:nvGrpSpPr>
+      <p:grpSpPr>
+        <a:xfrm>
+          <a:off x="0" y="0"/>
+          <a:ext cx="0" cy="0"/>
+          <a:chOff x="0" y="0"/>
+          <a:chExt cx="0" cy="0"/>
+        </a:xfrm>
+      </p:grpSpPr>
+      <p:sp>
+        <p:nvSpPr>
+          <p:cNvPr id="2" name="PlaceHolder 1"/>
+          <p:cNvSpPr>
+            <a:spLocks noGrp="1"/>
+          </p:cNvSpPr>
+          <p:nvPr>
+            <p:ph type="ftr" idx="4"/>
+          </p:nvPr>
+        </p:nvSpPr>
+        <p:spPr/>
+        <p:txBody>
+          <a:bodyPr/>
+          <a:p>
+            <a:r>
+              <a:t>Footer</a:t>
+            </a:r>
+          </a:p>
+        </p:txBody>
+      </p:sp>
+      <p:sp>
+        <p:nvSpPr>
+          <p:cNvPr id="3" name="PlaceHolder 2"/>
+          <p:cNvSpPr>
+            <a:spLocks noGrp="1"/>
+          </p:cNvSpPr>
+          <p:nvPr>
+            <p:ph type="sldNum" idx="5"/>
+          </p:nvPr>
+        </p:nvSpPr>
+        <p:spPr/>
+        <p:txBody>
+          <a:bodyPr/>
+          <a:p>
+            <a:fld id="{C2042C8C-4425-43F0-9A04-A5125BD5E96F}" type="slidenum">
+              <a:t>&lt;#&gt;</a:t>
+            </a:fld>
+          </a:p>
+        </p:txBody>
+      </p:sp>
+      <p:sp>
+        <p:nvSpPr>
+          <p:cNvPr id="4" name="PlaceHolder 3"/>
+          <p:cNvSpPr>
+            <a:spLocks noGrp="1"/>
+          </p:cNvSpPr>
+          <p:nvPr>
+            <p:ph type="dt" idx="6"/>
+          </p:nvPr>
+        </p:nvSpPr>
+        <p:spPr/>
+        <p:txBody>
+          <a:bodyPr/>
+          <a:p>
+            <a:r>
+              <a:rPr lang="ja-JP"/>
+              <a:t/>
+            </a:r>
+          </a:p>
+        </p:txBody>
+      </p:sp>
+    </p:spTree>
+  </p:cSld>
+</p:sldLayout>
+</file>
+
+<file path=ppt/slideLayouts/slideLayout14.xml><?xml version="1.0" encoding="utf-8"?>
+<p:sldLayout xmlns:a="http://schemas.openxmlformats.org/drawingml/2006/main" xmlns:p="http://schemas.openxmlformats.org/presentationml/2006/main" xmlns:r="http://schemas.openxmlformats.org/officeDocument/2006/relationships" xmlns:p14="http://schemas.microsoft.com/office/powerpoint/2010/main" xmlns:p15="http://schemas.microsoft.com/office/powerpoint/2012/main" xmlns:mc="http://schemas.openxmlformats.org/markup-compatibility/2006" type="tx" preserve="1">
+  <p:cSld name="Title Slide">
+    <p:spTree>
+      <p:nvGrpSpPr>
+        <p:cNvPr id="1" name=""/>
+        <p:cNvGrpSpPr/>
+        <p:nvPr/>
+      </p:nvGrpSpPr>
+      <p:grpSpPr>
+        <a:xfrm>
+          <a:off x="0" y="0"/>
+          <a:ext cx="0" cy="0"/>
+          <a:chOff x="0" y="0"/>
+          <a:chExt cx="0" cy="0"/>
+        </a:xfrm>
+      </p:grpSpPr>
+      <p:sp>
+        <p:nvSpPr>
+          <p:cNvPr id="47" name="PlaceHolder 1"/>
+          <p:cNvSpPr>
+            <a:spLocks noGrp="1"/>
+          </p:cNvSpPr>
+          <p:nvPr>
+            <p:ph type="title"/>
+          </p:nvPr>
+        </p:nvSpPr>
+        <p:spPr>
+          <a:xfrm>
+            <a:off x="504000" y="226080"/>
+            <a:ext cx="9070920" cy="945720"/>
+          </a:xfrm>
+          <a:prstGeom prst="rect">
+            <a:avLst/>
+          </a:prstGeom>
+          <a:noFill/>
+          <a:ln w="0">
+            <a:noFill/>
+          </a:ln>
+        </p:spPr>
+        <p:txBody>
+          <a:bodyPr lIns="0" rIns="0" tIns="0" bIns="0" anchor="ctr">
+            <a:noAutofit/>
+          </a:bodyPr>
+          <a:p>
+            <a:pPr indent="0" algn="ctr">
+              <a:buNone/>
+            </a:pPr>
+            <a:endParaRPr b="0" lang="en-US" sz="4400" spc="-1" strike="noStrike">
+              <a:solidFill>
+                <a:srgbClr val="000000"/>
+              </a:solidFill>
+              <a:latin typeface="Arial"/>
+            </a:endParaRPr>
+          </a:p>
+        </p:txBody>
+      </p:sp>
+      <p:sp>
+        <p:nvSpPr>
+          <p:cNvPr id="48" name="PlaceHolder 2"/>
+          <p:cNvSpPr>
+            <a:spLocks noGrp="1"/>
+          </p:cNvSpPr>
+          <p:nvPr>
+            <p:ph type="subTitle"/>
+          </p:nvPr>
+        </p:nvSpPr>
+        <p:spPr>
+          <a:xfrm>
+            <a:off x="504000" y="1326600"/>
+            <a:ext cx="9070920" cy="747360"/>
+          </a:xfrm>
+          <a:prstGeom prst="rect">
+            <a:avLst/>
+          </a:prstGeom>
+          <a:noFill/>
+          <a:ln w="0">
+            <a:noFill/>
+          </a:ln>
+        </p:spPr>
+        <p:txBody>
+          <a:bodyPr lIns="0" rIns="0" tIns="0" bIns="0" anchor="ctr">
+            <a:noAutofit/>
+          </a:bodyPr>
+          <a:p>
+            <a:pPr indent="0" algn="ctr">
+              <a:buNone/>
+            </a:pPr>
+            <a:endParaRPr b="0" lang="en-US" sz="3200" spc="-1" strike="noStrike">
+              <a:solidFill>
+                <a:srgbClr val="000000"/>
+              </a:solidFill>
+              <a:latin typeface="Arial"/>
+            </a:endParaRPr>
+          </a:p>
+        </p:txBody>
+      </p:sp>
+      <p:sp>
+        <p:nvSpPr>
+          <p:cNvPr id="4" name="PlaceHolder 3"/>
+          <p:cNvSpPr>
+            <a:spLocks noGrp="1"/>
+          </p:cNvSpPr>
+          <p:nvPr>
+            <p:ph type="ftr" idx="4"/>
+          </p:nvPr>
+        </p:nvSpPr>
+        <p:spPr/>
+        <p:txBody>
+          <a:bodyPr/>
+          <a:p>
+            <a:r>
+              <a:t>Footer</a:t>
+            </a:r>
+          </a:p>
+        </p:txBody>
+      </p:sp>
+      <p:sp>
+        <p:nvSpPr>
+          <p:cNvPr id="5" name="PlaceHolder 4"/>
+          <p:cNvSpPr>
+            <a:spLocks noGrp="1"/>
+          </p:cNvSpPr>
+          <p:nvPr>
+            <p:ph type="sldNum" idx="5"/>
+          </p:nvPr>
+        </p:nvSpPr>
+        <p:spPr/>
+        <p:txBody>
+          <a:bodyPr/>
+          <a:p>
+            <a:fld id="{0BC66A7C-DD97-4A21-9C69-6B3EFA2C20B1}" type="slidenum">
+              <a:t>&lt;#&gt;</a:t>
+            </a:fld>
+          </a:p>
+        </p:txBody>
+      </p:sp>
+      <p:sp>
+        <p:nvSpPr>
+          <p:cNvPr id="6" name="PlaceHolder 5"/>
+          <p:cNvSpPr>
+            <a:spLocks noGrp="1"/>
+          </p:cNvSpPr>
+          <p:nvPr>
+            <p:ph type="dt" idx="6"/>
+          </p:nvPr>
+        </p:nvSpPr>
+        <p:spPr/>
+        <p:txBody>
+          <a:bodyPr/>
+          <a:p>
+            <a:r>
+              <a:rPr lang="ja-JP"/>
+              <a:t/>
+            </a:r>
+          </a:p>
+        </p:txBody>
+      </p:sp>
+    </p:spTree>
+  </p:cSld>
+</p:sldLayout>
+</file>
+
+<file path=ppt/slideLayouts/slideLayout15.xml><?xml version="1.0" encoding="utf-8"?>
+<p:sldLayout xmlns:a="http://schemas.openxmlformats.org/drawingml/2006/main" xmlns:p="http://schemas.openxmlformats.org/presentationml/2006/main" xmlns:r="http://schemas.openxmlformats.org/officeDocument/2006/relationships" xmlns:p14="http://schemas.microsoft.com/office/powerpoint/2010/main" xmlns:p15="http://schemas.microsoft.com/office/powerpoint/2012/main" xmlns:mc="http://schemas.openxmlformats.org/markup-compatibility/2006" type="obj" preserve="1">
+  <p:cSld name="Title, Content">
+    <p:spTree>
+      <p:nvGrpSpPr>
+        <p:cNvPr id="1" name=""/>
+        <p:cNvGrpSpPr/>
+        <p:nvPr/>
+      </p:nvGrpSpPr>
+      <p:grpSpPr>
+        <a:xfrm>
+          <a:off x="0" y="0"/>
+          <a:ext cx="0" cy="0"/>
+          <a:chOff x="0" y="0"/>
+          <a:chExt cx="0" cy="0"/>
+        </a:xfrm>
+      </p:grpSpPr>
+      <p:sp>
+        <p:nvSpPr>
+          <p:cNvPr id="49" name="PlaceHolder 1"/>
+          <p:cNvSpPr>
+            <a:spLocks noGrp="1"/>
+          </p:cNvSpPr>
+          <p:nvPr>
+            <p:ph type="title"/>
+          </p:nvPr>
+        </p:nvSpPr>
+        <p:spPr>
+          <a:xfrm>
+            <a:off x="504000" y="226080"/>
+            <a:ext cx="9070920" cy="945720"/>
+          </a:xfrm>
+          <a:prstGeom prst="rect">
+            <a:avLst/>
+          </a:prstGeom>
+          <a:noFill/>
+          <a:ln w="0">
+            <a:noFill/>
+          </a:ln>
+        </p:spPr>
+        <p:txBody>
+          <a:bodyPr lIns="0" rIns="0" tIns="0" bIns="0" anchor="ctr">
+            <a:noAutofit/>
+          </a:bodyPr>
+          <a:p>
+            <a:pPr indent="0" algn="ctr">
+              <a:buNone/>
+            </a:pPr>
+            <a:endParaRPr b="0" lang="en-US" sz="4400" spc="-1" strike="noStrike">
+              <a:solidFill>
+                <a:srgbClr val="000000"/>
+              </a:solidFill>
+              <a:latin typeface="Arial"/>
+            </a:endParaRPr>
+          </a:p>
+        </p:txBody>
+      </p:sp>
+      <p:sp>
+        <p:nvSpPr>
+          <p:cNvPr id="50" name="PlaceHolder 2"/>
+          <p:cNvSpPr>
+            <a:spLocks noGrp="1"/>
+          </p:cNvSpPr>
+          <p:nvPr>
+            <p:ph/>
+          </p:nvPr>
+        </p:nvSpPr>
+        <p:spPr>
+          <a:xfrm>
+            <a:off x="504000" y="1326600"/>
+            <a:ext cx="9070920" cy="747360"/>
+          </a:xfrm>
+          <a:prstGeom prst="rect">
+            <a:avLst/>
+          </a:prstGeom>
+          <a:noFill/>
+          <a:ln w="0">
+            <a:noFill/>
+          </a:ln>
+        </p:spPr>
+        <p:txBody>
+          <a:bodyPr lIns="0" rIns="0" tIns="0" bIns="0" anchor="t">
+            <a:normAutofit/>
+          </a:bodyPr>
+          <a:p>
+            <a:pPr indent="0">
+              <a:spcBef>
+                <a:spcPts val="1417"/>
+              </a:spcBef>
+              <a:buNone/>
+            </a:pPr>
+            <a:endParaRPr b="0" lang="en-US" sz="3200" spc="-1" strike="noStrike">
+              <a:solidFill>
+                <a:srgbClr val="000000"/>
+              </a:solidFill>
+              <a:latin typeface="Arial"/>
+            </a:endParaRPr>
+          </a:p>
+        </p:txBody>
+      </p:sp>
+      <p:sp>
+        <p:nvSpPr>
+          <p:cNvPr id="4" name="PlaceHolder 3"/>
+          <p:cNvSpPr>
+            <a:spLocks noGrp="1"/>
+          </p:cNvSpPr>
+          <p:nvPr>
+            <p:ph type="ftr" idx="4"/>
+          </p:nvPr>
+        </p:nvSpPr>
+        <p:spPr/>
+        <p:txBody>
+          <a:bodyPr/>
+          <a:p>
+            <a:r>
+              <a:t>Footer</a:t>
+            </a:r>
+          </a:p>
+        </p:txBody>
+      </p:sp>
+      <p:sp>
+        <p:nvSpPr>
+          <p:cNvPr id="5" name="PlaceHolder 4"/>
+          <p:cNvSpPr>
+            <a:spLocks noGrp="1"/>
+          </p:cNvSpPr>
+          <p:nvPr>
+            <p:ph type="sldNum" idx="5"/>
+          </p:nvPr>
+        </p:nvSpPr>
+        <p:spPr/>
+        <p:txBody>
+          <a:bodyPr/>
+          <a:p>
+            <a:fld id="{33CEE8FB-93AE-42C1-BB07-B07129964063}" type="slidenum">
+              <a:t>&lt;#&gt;</a:t>
+            </a:fld>
+          </a:p>
+        </p:txBody>
+      </p:sp>
+      <p:sp>
+        <p:nvSpPr>
+          <p:cNvPr id="6" name="PlaceHolder 5"/>
+          <p:cNvSpPr>
+            <a:spLocks noGrp="1"/>
+          </p:cNvSpPr>
+          <p:nvPr>
+            <p:ph type="dt" idx="6"/>
+          </p:nvPr>
+        </p:nvSpPr>
+        <p:spPr/>
+        <p:txBody>
+          <a:bodyPr/>
+          <a:p>
+            <a:r>
+              <a:rPr lang="ja-JP"/>
+              <a:t/>
+            </a:r>
+          </a:p>
+        </p:txBody>
+      </p:sp>
+    </p:spTree>
+  </p:cSld>
+</p:sldLayout>
+</file>
+
+<file path=ppt/slideLayouts/slideLayout16.xml><?xml version="1.0" encoding="utf-8"?>
+<p:sldLayout xmlns:a="http://schemas.openxmlformats.org/drawingml/2006/main" xmlns:p="http://schemas.openxmlformats.org/presentationml/2006/main" xmlns:r="http://schemas.openxmlformats.org/officeDocument/2006/relationships" xmlns:p14="http://schemas.microsoft.com/office/powerpoint/2010/main" xmlns:p15="http://schemas.microsoft.com/office/powerpoint/2012/main" xmlns:mc="http://schemas.openxmlformats.org/markup-compatibility/2006" type="twoObj" preserve="1">
+  <p:cSld name="Title, 2 Content">
+    <p:spTree>
+      <p:nvGrpSpPr>
+        <p:cNvPr id="1" name=""/>
+        <p:cNvGrpSpPr/>
+        <p:nvPr/>
+      </p:nvGrpSpPr>
+      <p:grpSpPr>
+        <a:xfrm>
+          <a:off x="0" y="0"/>
+          <a:ext cx="0" cy="0"/>
+          <a:chOff x="0" y="0"/>
+          <a:chExt cx="0" cy="0"/>
+        </a:xfrm>
+      </p:grpSpPr>
+      <p:sp>
+        <p:nvSpPr>
+          <p:cNvPr id="51" name="PlaceHolder 1"/>
+          <p:cNvSpPr>
+            <a:spLocks noGrp="1"/>
+          </p:cNvSpPr>
+          <p:nvPr>
+            <p:ph type="title"/>
+          </p:nvPr>
+        </p:nvSpPr>
+        <p:spPr>
+          <a:xfrm>
+            <a:off x="504000" y="226080"/>
+            <a:ext cx="9070920" cy="945720"/>
+          </a:xfrm>
+          <a:prstGeom prst="rect">
+            <a:avLst/>
+          </a:prstGeom>
+          <a:noFill/>
+          <a:ln w="0">
+            <a:noFill/>
+          </a:ln>
+        </p:spPr>
+        <p:txBody>
+          <a:bodyPr lIns="0" rIns="0" tIns="0" bIns="0" anchor="ctr">
+            <a:noAutofit/>
+          </a:bodyPr>
+          <a:p>
+            <a:pPr indent="0" algn="ctr">
+              <a:buNone/>
+            </a:pPr>
+            <a:endParaRPr b="0" lang="en-US" sz="4400" spc="-1" strike="noStrike">
+              <a:solidFill>
+                <a:srgbClr val="000000"/>
+              </a:solidFill>
+              <a:latin typeface="Arial"/>
+            </a:endParaRPr>
+          </a:p>
+        </p:txBody>
+      </p:sp>
+      <p:sp>
+        <p:nvSpPr>
+          <p:cNvPr id="52" name="PlaceHolder 2"/>
+          <p:cNvSpPr>
+            <a:spLocks noGrp="1"/>
+          </p:cNvSpPr>
+          <p:nvPr>
+            <p:ph/>
+          </p:nvPr>
+        </p:nvSpPr>
+        <p:spPr>
+          <a:xfrm>
+            <a:off x="504000" y="1326600"/>
+            <a:ext cx="4426560" cy="747360"/>
+          </a:xfrm>
+          <a:prstGeom prst="rect">
+            <a:avLst/>
+          </a:prstGeom>
+          <a:noFill/>
+          <a:ln w="0">
+            <a:noFill/>
+          </a:ln>
+        </p:spPr>
+        <p:txBody>
+          <a:bodyPr lIns="0" rIns="0" tIns="0" bIns="0" anchor="t">
+            <a:normAutofit fontScale="85000"/>
+          </a:bodyPr>
+          <a:p>
+            <a:pPr indent="0">
+              <a:spcBef>
+                <a:spcPts val="1417"/>
+              </a:spcBef>
+              <a:buNone/>
+            </a:pPr>
+            <a:endParaRPr b="0" lang="en-US" sz="3200" spc="-1" strike="noStrike">
+              <a:solidFill>
+                <a:srgbClr val="000000"/>
+              </a:solidFill>
+              <a:latin typeface="Arial"/>
+            </a:endParaRPr>
+          </a:p>
+        </p:txBody>
+      </p:sp>
+      <p:sp>
+        <p:nvSpPr>
+          <p:cNvPr id="53" name="PlaceHolder 3"/>
+          <p:cNvSpPr>
+            <a:spLocks noGrp="1"/>
+          </p:cNvSpPr>
+          <p:nvPr>
+            <p:ph/>
+          </p:nvPr>
+        </p:nvSpPr>
+        <p:spPr>
+          <a:xfrm>
+            <a:off x="5152320" y="1326600"/>
+            <a:ext cx="4426560" cy="747360"/>
+          </a:xfrm>
+          <a:prstGeom prst="rect">
+            <a:avLst/>
+          </a:prstGeom>
+          <a:noFill/>
+          <a:ln w="0">
+            <a:noFill/>
+          </a:ln>
+        </p:spPr>
+        <p:txBody>
+          <a:bodyPr lIns="0" rIns="0" tIns="0" bIns="0" anchor="t">
+            <a:normAutofit fontScale="85000"/>
+          </a:bodyPr>
+          <a:p>
+            <a:pPr indent="0">
+              <a:spcBef>
+                <a:spcPts val="1417"/>
+              </a:spcBef>
+              <a:buNone/>
+            </a:pPr>
+            <a:endParaRPr b="0" lang="en-US" sz="3200" spc="-1" strike="noStrike">
+              <a:solidFill>
+                <a:srgbClr val="000000"/>
+              </a:solidFill>
+              <a:latin typeface="Arial"/>
+            </a:endParaRPr>
+          </a:p>
+        </p:txBody>
+      </p:sp>
+      <p:sp>
+        <p:nvSpPr>
+          <p:cNvPr id="5" name="PlaceHolder 4"/>
+          <p:cNvSpPr>
+            <a:spLocks noGrp="1"/>
+          </p:cNvSpPr>
+          <p:nvPr>
+            <p:ph type="ftr" idx="4"/>
+          </p:nvPr>
+        </p:nvSpPr>
+        <p:spPr/>
+        <p:txBody>
+          <a:bodyPr/>
+          <a:p>
+            <a:r>
+              <a:t>Footer</a:t>
+            </a:r>
+          </a:p>
+        </p:txBody>
+      </p:sp>
+      <p:sp>
+        <p:nvSpPr>
+          <p:cNvPr id="6" name="PlaceHolder 5"/>
+          <p:cNvSpPr>
+            <a:spLocks noGrp="1"/>
+          </p:cNvSpPr>
+          <p:nvPr>
+            <p:ph type="sldNum" idx="5"/>
+          </p:nvPr>
+        </p:nvSpPr>
+        <p:spPr/>
+        <p:txBody>
+          <a:bodyPr/>
+          <a:p>
+            <a:fld id="{03BB2EBB-7037-4476-A840-A180D1D89E41}" type="slidenum">
+              <a:t>&lt;#&gt;</a:t>
+            </a:fld>
+          </a:p>
+        </p:txBody>
+      </p:sp>
+      <p:sp>
+        <p:nvSpPr>
+          <p:cNvPr id="7" name="PlaceHolder 6"/>
+          <p:cNvSpPr>
+            <a:spLocks noGrp="1"/>
+          </p:cNvSpPr>
+          <p:nvPr>
+            <p:ph type="dt" idx="6"/>
+          </p:nvPr>
+        </p:nvSpPr>
+        <p:spPr/>
+        <p:txBody>
+          <a:bodyPr/>
+          <a:p>
+            <a:r>
+              <a:rPr lang="ja-JP"/>
+              <a:t/>
+            </a:r>
+          </a:p>
+        </p:txBody>
+      </p:sp>
+    </p:spTree>
+  </p:cSld>
+</p:sldLayout>
+</file>
+
+<file path=ppt/slideLayouts/slideLayout17.xml><?xml version="1.0" encoding="utf-8"?>
+<p:sldLayout xmlns:a="http://schemas.openxmlformats.org/drawingml/2006/main" xmlns:p="http://schemas.openxmlformats.org/presentationml/2006/main" xmlns:r="http://schemas.openxmlformats.org/officeDocument/2006/relationships" xmlns:p14="http://schemas.microsoft.com/office/powerpoint/2010/main" xmlns:p15="http://schemas.microsoft.com/office/powerpoint/2012/main" xmlns:mc="http://schemas.openxmlformats.org/markup-compatibility/2006" type="titleOnly" preserve="1">
+  <p:cSld name="Title Only">
+    <p:spTree>
+      <p:nvGrpSpPr>
+        <p:cNvPr id="1" name=""/>
+        <p:cNvGrpSpPr/>
+        <p:nvPr/>
+      </p:nvGrpSpPr>
+      <p:grpSpPr>
+        <a:xfrm>
+          <a:off x="0" y="0"/>
+          <a:ext cx="0" cy="0"/>
+          <a:chOff x="0" y="0"/>
+          <a:chExt cx="0" cy="0"/>
+        </a:xfrm>
+      </p:grpSpPr>
+      <p:sp>
+        <p:nvSpPr>
+          <p:cNvPr id="54" name="PlaceHolder 1"/>
+          <p:cNvSpPr>
+            <a:spLocks noGrp="1"/>
+          </p:cNvSpPr>
+          <p:nvPr>
+            <p:ph type="title"/>
+          </p:nvPr>
+        </p:nvSpPr>
+        <p:spPr>
+          <a:xfrm>
+            <a:off x="504000" y="226080"/>
+            <a:ext cx="9070920" cy="945720"/>
+          </a:xfrm>
+          <a:prstGeom prst="rect">
+            <a:avLst/>
+          </a:prstGeom>
+          <a:noFill/>
+          <a:ln w="0">
+            <a:noFill/>
+          </a:ln>
+        </p:spPr>
+        <p:txBody>
+          <a:bodyPr lIns="0" rIns="0" tIns="0" bIns="0" anchor="ctr">
+            <a:noAutofit/>
+          </a:bodyPr>
+          <a:p>
+            <a:pPr indent="0" algn="ctr">
+              <a:buNone/>
+            </a:pPr>
+            <a:endParaRPr b="0" lang="en-US" sz="4400" spc="-1" strike="noStrike">
+              <a:solidFill>
+                <a:srgbClr val="000000"/>
+              </a:solidFill>
+              <a:latin typeface="Arial"/>
+            </a:endParaRPr>
+          </a:p>
+        </p:txBody>
+      </p:sp>
+      <p:sp>
+        <p:nvSpPr>
+          <p:cNvPr id="3" name="PlaceHolder 2"/>
+          <p:cNvSpPr>
+            <a:spLocks noGrp="1"/>
+          </p:cNvSpPr>
+          <p:nvPr>
+            <p:ph type="ftr" idx="4"/>
+          </p:nvPr>
+        </p:nvSpPr>
+        <p:spPr/>
+        <p:txBody>
+          <a:bodyPr/>
+          <a:p>
+            <a:r>
+              <a:t>Footer</a:t>
+            </a:r>
+          </a:p>
+        </p:txBody>
+      </p:sp>
+      <p:sp>
+        <p:nvSpPr>
+          <p:cNvPr id="4" name="PlaceHolder 3"/>
+          <p:cNvSpPr>
+            <a:spLocks noGrp="1"/>
+          </p:cNvSpPr>
+          <p:nvPr>
+            <p:ph type="sldNum" idx="5"/>
+          </p:nvPr>
+        </p:nvSpPr>
+        <p:spPr/>
+        <p:txBody>
+          <a:bodyPr/>
+          <a:p>
+            <a:fld id="{6AEAD169-8096-4541-84F9-5BA50BC40A38}" type="slidenum">
+              <a:t>&lt;#&gt;</a:t>
+            </a:fld>
+          </a:p>
+        </p:txBody>
+      </p:sp>
+      <p:sp>
+        <p:nvSpPr>
+          <p:cNvPr id="5" name="PlaceHolder 4"/>
+          <p:cNvSpPr>
+            <a:spLocks noGrp="1"/>
+          </p:cNvSpPr>
+          <p:nvPr>
+            <p:ph type="dt" idx="6"/>
+          </p:nvPr>
+        </p:nvSpPr>
+        <p:spPr/>
+        <p:txBody>
+          <a:bodyPr/>
+          <a:p>
+            <a:r>
+              <a:rPr lang="ja-JP"/>
+              <a:t/>
+            </a:r>
+          </a:p>
+        </p:txBody>
+      </p:sp>
+    </p:spTree>
+  </p:cSld>
+</p:sldLayout>
+</file>
+
+<file path=ppt/slideLayouts/slideLayout18.xml><?xml version="1.0" encoding="utf-8"?>
+<p:sldLayout xmlns:a="http://schemas.openxmlformats.org/drawingml/2006/main" xmlns:p="http://schemas.openxmlformats.org/presentationml/2006/main" xmlns:r="http://schemas.openxmlformats.org/officeDocument/2006/relationships" xmlns:p14="http://schemas.microsoft.com/office/powerpoint/2010/main" xmlns:p15="http://schemas.microsoft.com/office/powerpoint/2012/main" xmlns:mc="http://schemas.openxmlformats.org/markup-compatibility/2006" type="objOnly" preserve="1">
+  <p:cSld name="Centered Text">
+    <p:spTree>
+      <p:nvGrpSpPr>
+        <p:cNvPr id="1" name=""/>
+        <p:cNvGrpSpPr/>
+        <p:nvPr/>
+      </p:nvGrpSpPr>
+      <p:grpSpPr>
+        <a:xfrm>
+          <a:off x="0" y="0"/>
+          <a:ext cx="0" cy="0"/>
+          <a:chOff x="0" y="0"/>
+          <a:chExt cx="0" cy="0"/>
+        </a:xfrm>
+      </p:grpSpPr>
+      <p:sp>
+        <p:nvSpPr>
+          <p:cNvPr id="55" name="PlaceHolder 1"/>
+          <p:cNvSpPr>
+            <a:spLocks noGrp="1"/>
+          </p:cNvSpPr>
+          <p:nvPr>
+            <p:ph type="subTitle"/>
+          </p:nvPr>
+        </p:nvSpPr>
+        <p:spPr>
+          <a:xfrm>
+            <a:off x="504000" y="226080"/>
+            <a:ext cx="9070920" cy="4385160"/>
+          </a:xfrm>
+          <a:prstGeom prst="rect">
+            <a:avLst/>
+          </a:prstGeom>
+          <a:noFill/>
+          <a:ln w="0">
+            <a:noFill/>
+          </a:ln>
+        </p:spPr>
+        <p:txBody>
+          <a:bodyPr lIns="0" rIns="0" tIns="0" bIns="0" anchor="ctr">
+            <a:noAutofit/>
+          </a:bodyPr>
+          <a:p>
+            <a:pPr algn="ctr"/>
+            <a:endParaRPr b="0" lang="en-US" sz="3200" spc="-1" strike="noStrike">
+              <a:solidFill>
+                <a:srgbClr val="000000"/>
+              </a:solidFill>
+              <a:latin typeface="Arial"/>
+            </a:endParaRPr>
+          </a:p>
+        </p:txBody>
+      </p:sp>
+      <p:sp>
+        <p:nvSpPr>
+          <p:cNvPr id="3" name="PlaceHolder 2"/>
+          <p:cNvSpPr>
+            <a:spLocks noGrp="1"/>
+          </p:cNvSpPr>
+          <p:nvPr>
+            <p:ph type="ftr" idx="4"/>
+          </p:nvPr>
+        </p:nvSpPr>
+        <p:spPr/>
+        <p:txBody>
+          <a:bodyPr/>
+          <a:p>
+            <a:r>
+              <a:t>Footer</a:t>
+            </a:r>
+          </a:p>
+        </p:txBody>
+      </p:sp>
+      <p:sp>
+        <p:nvSpPr>
+          <p:cNvPr id="4" name="PlaceHolder 3"/>
+          <p:cNvSpPr>
+            <a:spLocks noGrp="1"/>
+          </p:cNvSpPr>
+          <p:nvPr>
+            <p:ph type="sldNum" idx="5"/>
+          </p:nvPr>
+        </p:nvSpPr>
+        <p:spPr/>
+        <p:txBody>
+          <a:bodyPr/>
+          <a:p>
+            <a:fld id="{8B92999B-1E2C-45D5-A5B0-7F76D4961F93}" type="slidenum">
+              <a:t>&lt;#&gt;</a:t>
+            </a:fld>
+          </a:p>
+        </p:txBody>
+      </p:sp>
+      <p:sp>
+        <p:nvSpPr>
+          <p:cNvPr id="5" name="PlaceHolder 4"/>
+          <p:cNvSpPr>
+            <a:spLocks noGrp="1"/>
+          </p:cNvSpPr>
+          <p:nvPr>
+            <p:ph type="dt" idx="6"/>
+          </p:nvPr>
+        </p:nvSpPr>
+        <p:spPr/>
+        <p:txBody>
+          <a:bodyPr/>
+          <a:p>
+            <a:r>
+              <a:rPr lang="ja-JP"/>
+              <a:t/>
+            </a:r>
+          </a:p>
+        </p:txBody>
+      </p:sp>
+    </p:spTree>
+  </p:cSld>
+</p:sldLayout>
+</file>
+
+<file path=ppt/slideLayouts/slideLayout19.xml><?xml version="1.0" encoding="utf-8"?>
+<p:sldLayout xmlns:a="http://schemas.openxmlformats.org/drawingml/2006/main" xmlns:p="http://schemas.openxmlformats.org/presentationml/2006/main" xmlns:r="http://schemas.openxmlformats.org/officeDocument/2006/relationships" xmlns:p14="http://schemas.microsoft.com/office/powerpoint/2010/main" xmlns:p15="http://schemas.microsoft.com/office/powerpoint/2012/main" xmlns:mc="http://schemas.openxmlformats.org/markup-compatibility/2006" type="twoObjAndObj" preserve="1">
+  <p:cSld name="Title, 2 Content and Content">
+    <p:spTree>
+      <p:nvGrpSpPr>
+        <p:cNvPr id="1" name=""/>
+        <p:cNvGrpSpPr/>
+        <p:nvPr/>
+      </p:nvGrpSpPr>
+      <p:grpSpPr>
+        <a:xfrm>
+          <a:off x="0" y="0"/>
+          <a:ext cx="0" cy="0"/>
+          <a:chOff x="0" y="0"/>
+          <a:chExt cx="0" cy="0"/>
+        </a:xfrm>
+      </p:grpSpPr>
+      <p:sp>
+        <p:nvSpPr>
+          <p:cNvPr id="56" name="PlaceHolder 1"/>
+          <p:cNvSpPr>
+            <a:spLocks noGrp="1"/>
+          </p:cNvSpPr>
+          <p:nvPr>
+            <p:ph type="title"/>
+          </p:nvPr>
+        </p:nvSpPr>
+        <p:spPr>
+          <a:xfrm>
+            <a:off x="504000" y="226080"/>
+            <a:ext cx="9070920" cy="945720"/>
+          </a:xfrm>
+          <a:prstGeom prst="rect">
+            <a:avLst/>
+          </a:prstGeom>
+          <a:noFill/>
+          <a:ln w="0">
+            <a:noFill/>
+          </a:ln>
+        </p:spPr>
+        <p:txBody>
+          <a:bodyPr lIns="0" rIns="0" tIns="0" bIns="0" anchor="ctr">
+            <a:noAutofit/>
+          </a:bodyPr>
+          <a:p>
+            <a:pPr indent="0" algn="ctr">
+              <a:buNone/>
+            </a:pPr>
+            <a:endParaRPr b="0" lang="en-US" sz="4400" spc="-1" strike="noStrike">
+              <a:solidFill>
+                <a:srgbClr val="000000"/>
+              </a:solidFill>
+              <a:latin typeface="Arial"/>
+            </a:endParaRPr>
+          </a:p>
+        </p:txBody>
+      </p:sp>
+      <p:sp>
+        <p:nvSpPr>
+          <p:cNvPr id="57" name="PlaceHolder 2"/>
+          <p:cNvSpPr>
+            <a:spLocks noGrp="1"/>
+          </p:cNvSpPr>
+          <p:nvPr>
+            <p:ph/>
+          </p:nvPr>
+        </p:nvSpPr>
+        <p:spPr>
+          <a:xfrm>
+            <a:off x="504000" y="1326600"/>
+            <a:ext cx="4426560" cy="356400"/>
+          </a:xfrm>
+          <a:prstGeom prst="rect">
+            <a:avLst/>
+          </a:prstGeom>
+          <a:noFill/>
+          <a:ln w="0">
+            <a:noFill/>
+          </a:ln>
+        </p:spPr>
+        <p:txBody>
+          <a:bodyPr lIns="0" rIns="0" tIns="0" bIns="0" anchor="t">
+            <a:normAutofit fontScale="77000"/>
+          </a:bodyPr>
+          <a:p>
+            <a:pPr indent="0">
+              <a:spcBef>
+                <a:spcPts val="1417"/>
+              </a:spcBef>
+              <a:buNone/>
+            </a:pPr>
+            <a:endParaRPr b="0" lang="en-US" sz="3200" spc="-1" strike="noStrike">
+              <a:solidFill>
+                <a:srgbClr val="000000"/>
+              </a:solidFill>
+              <a:latin typeface="Arial"/>
+            </a:endParaRPr>
+          </a:p>
+        </p:txBody>
+      </p:sp>
+      <p:sp>
+        <p:nvSpPr>
+          <p:cNvPr id="58" name="PlaceHolder 3"/>
+          <p:cNvSpPr>
+            <a:spLocks noGrp="1"/>
+          </p:cNvSpPr>
+          <p:nvPr>
+            <p:ph/>
+          </p:nvPr>
+        </p:nvSpPr>
+        <p:spPr>
+          <a:xfrm>
+            <a:off x="5152320" y="1326600"/>
+            <a:ext cx="4426560" cy="747360"/>
+          </a:xfrm>
+          <a:prstGeom prst="rect">
+            <a:avLst/>
+          </a:prstGeom>
+          <a:noFill/>
+          <a:ln w="0">
+            <a:noFill/>
+          </a:ln>
+        </p:spPr>
+        <p:txBody>
+          <a:bodyPr lIns="0" rIns="0" tIns="0" bIns="0" anchor="t">
+            <a:normAutofit fontScale="85000"/>
+          </a:bodyPr>
+          <a:p>
+            <a:pPr indent="0">
+              <a:spcBef>
+                <a:spcPts val="1417"/>
+              </a:spcBef>
+              <a:buNone/>
+            </a:pPr>
+            <a:endParaRPr b="0" lang="en-US" sz="3200" spc="-1" strike="noStrike">
+              <a:solidFill>
+                <a:srgbClr val="000000"/>
+              </a:solidFill>
+              <a:latin typeface="Arial"/>
+            </a:endParaRPr>
+          </a:p>
+        </p:txBody>
+      </p:sp>
+      <p:sp>
+        <p:nvSpPr>
+          <p:cNvPr id="59" name="PlaceHolder 4"/>
+          <p:cNvSpPr>
+            <a:spLocks noGrp="1"/>
+          </p:cNvSpPr>
+          <p:nvPr>
+            <p:ph/>
+          </p:nvPr>
+        </p:nvSpPr>
+        <p:spPr>
+          <a:xfrm>
+            <a:off x="504000" y="1717200"/>
+            <a:ext cx="4426560" cy="356400"/>
+          </a:xfrm>
+          <a:prstGeom prst="rect">
+            <a:avLst/>
+          </a:prstGeom>
+          <a:noFill/>
+          <a:ln w="0">
+            <a:noFill/>
+          </a:ln>
+        </p:spPr>
+        <p:txBody>
+          <a:bodyPr lIns="0" rIns="0" tIns="0" bIns="0" anchor="t">
+            <a:normAutofit fontScale="77000"/>
+          </a:bodyPr>
+          <a:p>
+            <a:pPr indent="0">
+              <a:spcBef>
+                <a:spcPts val="1417"/>
+              </a:spcBef>
+              <a:buNone/>
+            </a:pPr>
+            <a:endParaRPr b="0" lang="en-US" sz="3200" spc="-1" strike="noStrike">
+              <a:solidFill>
+                <a:srgbClr val="000000"/>
+              </a:solidFill>
+              <a:latin typeface="Arial"/>
+            </a:endParaRPr>
+          </a:p>
+        </p:txBody>
+      </p:sp>
+      <p:sp>
+        <p:nvSpPr>
+          <p:cNvPr id="6" name="PlaceHolder 5"/>
+          <p:cNvSpPr>
+            <a:spLocks noGrp="1"/>
+          </p:cNvSpPr>
+          <p:nvPr>
+            <p:ph type="ftr" idx="4"/>
+          </p:nvPr>
+        </p:nvSpPr>
+        <p:spPr/>
+        <p:txBody>
+          <a:bodyPr/>
+          <a:p>
+            <a:r>
+              <a:t>Footer</a:t>
+            </a:r>
+          </a:p>
+        </p:txBody>
+      </p:sp>
+      <p:sp>
+        <p:nvSpPr>
+          <p:cNvPr id="7" name="PlaceHolder 6"/>
+          <p:cNvSpPr>
+            <a:spLocks noGrp="1"/>
+          </p:cNvSpPr>
+          <p:nvPr>
+            <p:ph type="sldNum" idx="5"/>
+          </p:nvPr>
+        </p:nvSpPr>
+        <p:spPr/>
+        <p:txBody>
+          <a:bodyPr/>
+          <a:p>
+            <a:fld id="{2985E612-0265-4598-8435-855D320B4171}" type="slidenum">
+              <a:t>&lt;#&gt;</a:t>
+            </a:fld>
+          </a:p>
+        </p:txBody>
+      </p:sp>
+      <p:sp>
+        <p:nvSpPr>
+          <p:cNvPr id="8" name="PlaceHolder 7"/>
+          <p:cNvSpPr>
+            <a:spLocks noGrp="1"/>
+          </p:cNvSpPr>
+          <p:nvPr>
+            <p:ph type="dt" idx="6"/>
           </p:nvPr>
         </p:nvSpPr>
         <p:spPr/>
@@ -1029,18 +2134,14 @@
         <p:spPr>
           <a:xfrm>
             <a:off x="504000" y="226080"/>
-            <a:ext cx="9071640" cy="946440"/>
-          </a:xfrm>
-          <a:prstGeom prst="rect">
-            <a:avLst/>
-          </a:prstGeom>
-          <a:solidFill>
-            <a:srgbClr val="dee6ef"/>
-          </a:solidFill>
-          <a:ln w="0">
-            <a:solidFill>
-              <a:srgbClr val="3465a4"/>
-            </a:solidFill>
+            <a:ext cx="9070920" cy="945720"/>
+          </a:xfrm>
+          <a:prstGeom prst="rect">
+            <a:avLst/>
+          </a:prstGeom>
+          <a:noFill/>
+          <a:ln w="0">
+            <a:noFill/>
           </a:ln>
         </p:spPr>
         <p:txBody>
@@ -1073,7 +2174,7 @@
         <p:spPr>
           <a:xfrm>
             <a:off x="504000" y="1326600"/>
-            <a:ext cx="9071640" cy="3288240"/>
+            <a:ext cx="9070920" cy="747360"/>
           </a:xfrm>
           <a:prstGeom prst="rect">
             <a:avLst/>
@@ -1107,7 +2208,7 @@
             <a:spLocks noGrp="1"/>
           </p:cNvSpPr>
           <p:nvPr>
-            <p:ph type="ftr" idx="2"/>
+            <p:ph type="ftr" idx="1"/>
           </p:nvPr>
         </p:nvSpPr>
         <p:spPr/>
@@ -1127,14 +2228,14 @@
             <a:spLocks noGrp="1"/>
           </p:cNvSpPr>
           <p:nvPr>
-            <p:ph type="sldNum" idx="3"/>
+            <p:ph type="sldNum" idx="2"/>
           </p:nvPr>
         </p:nvSpPr>
         <p:spPr/>
         <p:txBody>
           <a:bodyPr/>
           <a:p>
-            <a:fld id="{018D55D6-B4A5-43E9-A7A7-4706481BCFC7}" type="slidenum">
+            <a:fld id="{0D2ED895-E748-4EFC-81D5-FC77A02D338E}" type="slidenum">
               <a:t>&lt;#&gt;</a:t>
             </a:fld>
           </a:p>
@@ -1147,7 +2248,1396 @@
             <a:spLocks noGrp="1"/>
           </p:cNvSpPr>
           <p:nvPr>
-            <p:ph type="dt" idx="1"/>
+            <p:ph type="dt" idx="3"/>
+          </p:nvPr>
+        </p:nvSpPr>
+        <p:spPr/>
+        <p:txBody>
+          <a:bodyPr/>
+          <a:p>
+            <a:r>
+              <a:rPr lang="ja-JP"/>
+              <a:t/>
+            </a:r>
+          </a:p>
+        </p:txBody>
+      </p:sp>
+    </p:spTree>
+  </p:cSld>
+</p:sldLayout>
+</file>
+
+<file path=ppt/slideLayouts/slideLayout20.xml><?xml version="1.0" encoding="utf-8"?>
+<p:sldLayout xmlns:a="http://schemas.openxmlformats.org/drawingml/2006/main" xmlns:p="http://schemas.openxmlformats.org/presentationml/2006/main" xmlns:r="http://schemas.openxmlformats.org/officeDocument/2006/relationships" xmlns:p14="http://schemas.microsoft.com/office/powerpoint/2010/main" xmlns:p15="http://schemas.microsoft.com/office/powerpoint/2012/main" xmlns:mc="http://schemas.openxmlformats.org/markup-compatibility/2006" type="objAndTwoObj" preserve="1">
+  <p:cSld name="Title Content and 2 Content">
+    <p:spTree>
+      <p:nvGrpSpPr>
+        <p:cNvPr id="1" name=""/>
+        <p:cNvGrpSpPr/>
+        <p:nvPr/>
+      </p:nvGrpSpPr>
+      <p:grpSpPr>
+        <a:xfrm>
+          <a:off x="0" y="0"/>
+          <a:ext cx="0" cy="0"/>
+          <a:chOff x="0" y="0"/>
+          <a:chExt cx="0" cy="0"/>
+        </a:xfrm>
+      </p:grpSpPr>
+      <p:sp>
+        <p:nvSpPr>
+          <p:cNvPr id="60" name="PlaceHolder 1"/>
+          <p:cNvSpPr>
+            <a:spLocks noGrp="1"/>
+          </p:cNvSpPr>
+          <p:nvPr>
+            <p:ph type="title"/>
+          </p:nvPr>
+        </p:nvSpPr>
+        <p:spPr>
+          <a:xfrm>
+            <a:off x="504000" y="226080"/>
+            <a:ext cx="9070920" cy="945720"/>
+          </a:xfrm>
+          <a:prstGeom prst="rect">
+            <a:avLst/>
+          </a:prstGeom>
+          <a:noFill/>
+          <a:ln w="0">
+            <a:noFill/>
+          </a:ln>
+        </p:spPr>
+        <p:txBody>
+          <a:bodyPr lIns="0" rIns="0" tIns="0" bIns="0" anchor="ctr">
+            <a:noAutofit/>
+          </a:bodyPr>
+          <a:p>
+            <a:pPr indent="0" algn="ctr">
+              <a:buNone/>
+            </a:pPr>
+            <a:endParaRPr b="0" lang="en-US" sz="4400" spc="-1" strike="noStrike">
+              <a:solidFill>
+                <a:srgbClr val="000000"/>
+              </a:solidFill>
+              <a:latin typeface="Arial"/>
+            </a:endParaRPr>
+          </a:p>
+        </p:txBody>
+      </p:sp>
+      <p:sp>
+        <p:nvSpPr>
+          <p:cNvPr id="61" name="PlaceHolder 2"/>
+          <p:cNvSpPr>
+            <a:spLocks noGrp="1"/>
+          </p:cNvSpPr>
+          <p:nvPr>
+            <p:ph/>
+          </p:nvPr>
+        </p:nvSpPr>
+        <p:spPr>
+          <a:xfrm>
+            <a:off x="504000" y="1326600"/>
+            <a:ext cx="4426560" cy="747360"/>
+          </a:xfrm>
+          <a:prstGeom prst="rect">
+            <a:avLst/>
+          </a:prstGeom>
+          <a:noFill/>
+          <a:ln w="0">
+            <a:noFill/>
+          </a:ln>
+        </p:spPr>
+        <p:txBody>
+          <a:bodyPr lIns="0" rIns="0" tIns="0" bIns="0" anchor="t">
+            <a:normAutofit fontScale="85000"/>
+          </a:bodyPr>
+          <a:p>
+            <a:pPr indent="0">
+              <a:spcBef>
+                <a:spcPts val="1417"/>
+              </a:spcBef>
+              <a:buNone/>
+            </a:pPr>
+            <a:endParaRPr b="0" lang="en-US" sz="3200" spc="-1" strike="noStrike">
+              <a:solidFill>
+                <a:srgbClr val="000000"/>
+              </a:solidFill>
+              <a:latin typeface="Arial"/>
+            </a:endParaRPr>
+          </a:p>
+        </p:txBody>
+      </p:sp>
+      <p:sp>
+        <p:nvSpPr>
+          <p:cNvPr id="62" name="PlaceHolder 3"/>
+          <p:cNvSpPr>
+            <a:spLocks noGrp="1"/>
+          </p:cNvSpPr>
+          <p:nvPr>
+            <p:ph/>
+          </p:nvPr>
+        </p:nvSpPr>
+        <p:spPr>
+          <a:xfrm>
+            <a:off x="5152320" y="1326600"/>
+            <a:ext cx="4426560" cy="356400"/>
+          </a:xfrm>
+          <a:prstGeom prst="rect">
+            <a:avLst/>
+          </a:prstGeom>
+          <a:noFill/>
+          <a:ln w="0">
+            <a:noFill/>
+          </a:ln>
+        </p:spPr>
+        <p:txBody>
+          <a:bodyPr lIns="0" rIns="0" tIns="0" bIns="0" anchor="t">
+            <a:normAutofit fontScale="77000"/>
+          </a:bodyPr>
+          <a:p>
+            <a:pPr indent="0">
+              <a:spcBef>
+                <a:spcPts val="1417"/>
+              </a:spcBef>
+              <a:buNone/>
+            </a:pPr>
+            <a:endParaRPr b="0" lang="en-US" sz="3200" spc="-1" strike="noStrike">
+              <a:solidFill>
+                <a:srgbClr val="000000"/>
+              </a:solidFill>
+              <a:latin typeface="Arial"/>
+            </a:endParaRPr>
+          </a:p>
+        </p:txBody>
+      </p:sp>
+      <p:sp>
+        <p:nvSpPr>
+          <p:cNvPr id="63" name="PlaceHolder 4"/>
+          <p:cNvSpPr>
+            <a:spLocks noGrp="1"/>
+          </p:cNvSpPr>
+          <p:nvPr>
+            <p:ph/>
+          </p:nvPr>
+        </p:nvSpPr>
+        <p:spPr>
+          <a:xfrm>
+            <a:off x="5152320" y="1717200"/>
+            <a:ext cx="4426560" cy="356400"/>
+          </a:xfrm>
+          <a:prstGeom prst="rect">
+            <a:avLst/>
+          </a:prstGeom>
+          <a:noFill/>
+          <a:ln w="0">
+            <a:noFill/>
+          </a:ln>
+        </p:spPr>
+        <p:txBody>
+          <a:bodyPr lIns="0" rIns="0" tIns="0" bIns="0" anchor="t">
+            <a:normAutofit fontScale="77000"/>
+          </a:bodyPr>
+          <a:p>
+            <a:pPr indent="0">
+              <a:spcBef>
+                <a:spcPts val="1417"/>
+              </a:spcBef>
+              <a:buNone/>
+            </a:pPr>
+            <a:endParaRPr b="0" lang="en-US" sz="3200" spc="-1" strike="noStrike">
+              <a:solidFill>
+                <a:srgbClr val="000000"/>
+              </a:solidFill>
+              <a:latin typeface="Arial"/>
+            </a:endParaRPr>
+          </a:p>
+        </p:txBody>
+      </p:sp>
+      <p:sp>
+        <p:nvSpPr>
+          <p:cNvPr id="6" name="PlaceHolder 5"/>
+          <p:cNvSpPr>
+            <a:spLocks noGrp="1"/>
+          </p:cNvSpPr>
+          <p:nvPr>
+            <p:ph type="ftr" idx="4"/>
+          </p:nvPr>
+        </p:nvSpPr>
+        <p:spPr/>
+        <p:txBody>
+          <a:bodyPr/>
+          <a:p>
+            <a:r>
+              <a:t>Footer</a:t>
+            </a:r>
+          </a:p>
+        </p:txBody>
+      </p:sp>
+      <p:sp>
+        <p:nvSpPr>
+          <p:cNvPr id="7" name="PlaceHolder 6"/>
+          <p:cNvSpPr>
+            <a:spLocks noGrp="1"/>
+          </p:cNvSpPr>
+          <p:nvPr>
+            <p:ph type="sldNum" idx="5"/>
+          </p:nvPr>
+        </p:nvSpPr>
+        <p:spPr/>
+        <p:txBody>
+          <a:bodyPr/>
+          <a:p>
+            <a:fld id="{6902AF38-A14D-43C3-9DD3-BD7A63A72B40}" type="slidenum">
+              <a:t>&lt;#&gt;</a:t>
+            </a:fld>
+          </a:p>
+        </p:txBody>
+      </p:sp>
+      <p:sp>
+        <p:nvSpPr>
+          <p:cNvPr id="8" name="PlaceHolder 7"/>
+          <p:cNvSpPr>
+            <a:spLocks noGrp="1"/>
+          </p:cNvSpPr>
+          <p:nvPr>
+            <p:ph type="dt" idx="6"/>
+          </p:nvPr>
+        </p:nvSpPr>
+        <p:spPr/>
+        <p:txBody>
+          <a:bodyPr/>
+          <a:p>
+            <a:r>
+              <a:rPr lang="ja-JP"/>
+              <a:t/>
+            </a:r>
+          </a:p>
+        </p:txBody>
+      </p:sp>
+    </p:spTree>
+  </p:cSld>
+</p:sldLayout>
+</file>
+
+<file path=ppt/slideLayouts/slideLayout21.xml><?xml version="1.0" encoding="utf-8"?>
+<p:sldLayout xmlns:a="http://schemas.openxmlformats.org/drawingml/2006/main" xmlns:p="http://schemas.openxmlformats.org/presentationml/2006/main" xmlns:r="http://schemas.openxmlformats.org/officeDocument/2006/relationships" xmlns:p14="http://schemas.microsoft.com/office/powerpoint/2010/main" xmlns:p15="http://schemas.microsoft.com/office/powerpoint/2012/main" xmlns:mc="http://schemas.openxmlformats.org/markup-compatibility/2006" type="twoObjOverTx" preserve="1">
+  <p:cSld name="Title, 2 Content over Content">
+    <p:spTree>
+      <p:nvGrpSpPr>
+        <p:cNvPr id="1" name=""/>
+        <p:cNvGrpSpPr/>
+        <p:nvPr/>
+      </p:nvGrpSpPr>
+      <p:grpSpPr>
+        <a:xfrm>
+          <a:off x="0" y="0"/>
+          <a:ext cx="0" cy="0"/>
+          <a:chOff x="0" y="0"/>
+          <a:chExt cx="0" cy="0"/>
+        </a:xfrm>
+      </p:grpSpPr>
+      <p:sp>
+        <p:nvSpPr>
+          <p:cNvPr id="64" name="PlaceHolder 1"/>
+          <p:cNvSpPr>
+            <a:spLocks noGrp="1"/>
+          </p:cNvSpPr>
+          <p:nvPr>
+            <p:ph type="title"/>
+          </p:nvPr>
+        </p:nvSpPr>
+        <p:spPr>
+          <a:xfrm>
+            <a:off x="504000" y="226080"/>
+            <a:ext cx="9070920" cy="945720"/>
+          </a:xfrm>
+          <a:prstGeom prst="rect">
+            <a:avLst/>
+          </a:prstGeom>
+          <a:noFill/>
+          <a:ln w="0">
+            <a:noFill/>
+          </a:ln>
+        </p:spPr>
+        <p:txBody>
+          <a:bodyPr lIns="0" rIns="0" tIns="0" bIns="0" anchor="ctr">
+            <a:noAutofit/>
+          </a:bodyPr>
+          <a:p>
+            <a:pPr indent="0" algn="ctr">
+              <a:buNone/>
+            </a:pPr>
+            <a:endParaRPr b="0" lang="en-US" sz="4400" spc="-1" strike="noStrike">
+              <a:solidFill>
+                <a:srgbClr val="000000"/>
+              </a:solidFill>
+              <a:latin typeface="Arial"/>
+            </a:endParaRPr>
+          </a:p>
+        </p:txBody>
+      </p:sp>
+      <p:sp>
+        <p:nvSpPr>
+          <p:cNvPr id="65" name="PlaceHolder 2"/>
+          <p:cNvSpPr>
+            <a:spLocks noGrp="1"/>
+          </p:cNvSpPr>
+          <p:nvPr>
+            <p:ph/>
+          </p:nvPr>
+        </p:nvSpPr>
+        <p:spPr>
+          <a:xfrm>
+            <a:off x="504000" y="1326600"/>
+            <a:ext cx="4426560" cy="356400"/>
+          </a:xfrm>
+          <a:prstGeom prst="rect">
+            <a:avLst/>
+          </a:prstGeom>
+          <a:noFill/>
+          <a:ln w="0">
+            <a:noFill/>
+          </a:ln>
+        </p:spPr>
+        <p:txBody>
+          <a:bodyPr lIns="0" rIns="0" tIns="0" bIns="0" anchor="t">
+            <a:normAutofit fontScale="77000"/>
+          </a:bodyPr>
+          <a:p>
+            <a:pPr indent="0">
+              <a:spcBef>
+                <a:spcPts val="1417"/>
+              </a:spcBef>
+              <a:buNone/>
+            </a:pPr>
+            <a:endParaRPr b="0" lang="en-US" sz="3200" spc="-1" strike="noStrike">
+              <a:solidFill>
+                <a:srgbClr val="000000"/>
+              </a:solidFill>
+              <a:latin typeface="Arial"/>
+            </a:endParaRPr>
+          </a:p>
+        </p:txBody>
+      </p:sp>
+      <p:sp>
+        <p:nvSpPr>
+          <p:cNvPr id="66" name="PlaceHolder 3"/>
+          <p:cNvSpPr>
+            <a:spLocks noGrp="1"/>
+          </p:cNvSpPr>
+          <p:nvPr>
+            <p:ph/>
+          </p:nvPr>
+        </p:nvSpPr>
+        <p:spPr>
+          <a:xfrm>
+            <a:off x="5152320" y="1326600"/>
+            <a:ext cx="4426560" cy="356400"/>
+          </a:xfrm>
+          <a:prstGeom prst="rect">
+            <a:avLst/>
+          </a:prstGeom>
+          <a:noFill/>
+          <a:ln w="0">
+            <a:noFill/>
+          </a:ln>
+        </p:spPr>
+        <p:txBody>
+          <a:bodyPr lIns="0" rIns="0" tIns="0" bIns="0" anchor="t">
+            <a:normAutofit fontScale="77000"/>
+          </a:bodyPr>
+          <a:p>
+            <a:pPr indent="0">
+              <a:spcBef>
+                <a:spcPts val="1417"/>
+              </a:spcBef>
+              <a:buNone/>
+            </a:pPr>
+            <a:endParaRPr b="0" lang="en-US" sz="3200" spc="-1" strike="noStrike">
+              <a:solidFill>
+                <a:srgbClr val="000000"/>
+              </a:solidFill>
+              <a:latin typeface="Arial"/>
+            </a:endParaRPr>
+          </a:p>
+        </p:txBody>
+      </p:sp>
+      <p:sp>
+        <p:nvSpPr>
+          <p:cNvPr id="67" name="PlaceHolder 4"/>
+          <p:cNvSpPr>
+            <a:spLocks noGrp="1"/>
+          </p:cNvSpPr>
+          <p:nvPr>
+            <p:ph/>
+          </p:nvPr>
+        </p:nvSpPr>
+        <p:spPr>
+          <a:xfrm>
+            <a:off x="504000" y="1717200"/>
+            <a:ext cx="9070920" cy="356400"/>
+          </a:xfrm>
+          <a:prstGeom prst="rect">
+            <a:avLst/>
+          </a:prstGeom>
+          <a:noFill/>
+          <a:ln w="0">
+            <a:noFill/>
+          </a:ln>
+        </p:spPr>
+        <p:txBody>
+          <a:bodyPr lIns="0" rIns="0" tIns="0" bIns="0" anchor="t">
+            <a:normAutofit fontScale="81000"/>
+          </a:bodyPr>
+          <a:p>
+            <a:pPr indent="0">
+              <a:spcBef>
+                <a:spcPts val="1417"/>
+              </a:spcBef>
+              <a:buNone/>
+            </a:pPr>
+            <a:endParaRPr b="0" lang="en-US" sz="3200" spc="-1" strike="noStrike">
+              <a:solidFill>
+                <a:srgbClr val="000000"/>
+              </a:solidFill>
+              <a:latin typeface="Arial"/>
+            </a:endParaRPr>
+          </a:p>
+        </p:txBody>
+      </p:sp>
+      <p:sp>
+        <p:nvSpPr>
+          <p:cNvPr id="6" name="PlaceHolder 5"/>
+          <p:cNvSpPr>
+            <a:spLocks noGrp="1"/>
+          </p:cNvSpPr>
+          <p:nvPr>
+            <p:ph type="ftr" idx="4"/>
+          </p:nvPr>
+        </p:nvSpPr>
+        <p:spPr/>
+        <p:txBody>
+          <a:bodyPr/>
+          <a:p>
+            <a:r>
+              <a:t>Footer</a:t>
+            </a:r>
+          </a:p>
+        </p:txBody>
+      </p:sp>
+      <p:sp>
+        <p:nvSpPr>
+          <p:cNvPr id="7" name="PlaceHolder 6"/>
+          <p:cNvSpPr>
+            <a:spLocks noGrp="1"/>
+          </p:cNvSpPr>
+          <p:nvPr>
+            <p:ph type="sldNum" idx="5"/>
+          </p:nvPr>
+        </p:nvSpPr>
+        <p:spPr/>
+        <p:txBody>
+          <a:bodyPr/>
+          <a:p>
+            <a:fld id="{60DD652B-C314-42DE-8B16-361728AC8635}" type="slidenum">
+              <a:t>&lt;#&gt;</a:t>
+            </a:fld>
+          </a:p>
+        </p:txBody>
+      </p:sp>
+      <p:sp>
+        <p:nvSpPr>
+          <p:cNvPr id="8" name="PlaceHolder 7"/>
+          <p:cNvSpPr>
+            <a:spLocks noGrp="1"/>
+          </p:cNvSpPr>
+          <p:nvPr>
+            <p:ph type="dt" idx="6"/>
+          </p:nvPr>
+        </p:nvSpPr>
+        <p:spPr/>
+        <p:txBody>
+          <a:bodyPr/>
+          <a:p>
+            <a:r>
+              <a:rPr lang="ja-JP"/>
+              <a:t/>
+            </a:r>
+          </a:p>
+        </p:txBody>
+      </p:sp>
+    </p:spTree>
+  </p:cSld>
+</p:sldLayout>
+</file>
+
+<file path=ppt/slideLayouts/slideLayout22.xml><?xml version="1.0" encoding="utf-8"?>
+<p:sldLayout xmlns:a="http://schemas.openxmlformats.org/drawingml/2006/main" xmlns:p="http://schemas.openxmlformats.org/presentationml/2006/main" xmlns:r="http://schemas.openxmlformats.org/officeDocument/2006/relationships" xmlns:p14="http://schemas.microsoft.com/office/powerpoint/2010/main" xmlns:p15="http://schemas.microsoft.com/office/powerpoint/2012/main" xmlns:mc="http://schemas.openxmlformats.org/markup-compatibility/2006" type="objOverTx" preserve="1">
+  <p:cSld name="Title, Content over Content">
+    <p:spTree>
+      <p:nvGrpSpPr>
+        <p:cNvPr id="1" name=""/>
+        <p:cNvGrpSpPr/>
+        <p:nvPr/>
+      </p:nvGrpSpPr>
+      <p:grpSpPr>
+        <a:xfrm>
+          <a:off x="0" y="0"/>
+          <a:ext cx="0" cy="0"/>
+          <a:chOff x="0" y="0"/>
+          <a:chExt cx="0" cy="0"/>
+        </a:xfrm>
+      </p:grpSpPr>
+      <p:sp>
+        <p:nvSpPr>
+          <p:cNvPr id="68" name="PlaceHolder 1"/>
+          <p:cNvSpPr>
+            <a:spLocks noGrp="1"/>
+          </p:cNvSpPr>
+          <p:nvPr>
+            <p:ph type="title"/>
+          </p:nvPr>
+        </p:nvSpPr>
+        <p:spPr>
+          <a:xfrm>
+            <a:off x="504000" y="226080"/>
+            <a:ext cx="9070920" cy="945720"/>
+          </a:xfrm>
+          <a:prstGeom prst="rect">
+            <a:avLst/>
+          </a:prstGeom>
+          <a:noFill/>
+          <a:ln w="0">
+            <a:noFill/>
+          </a:ln>
+        </p:spPr>
+        <p:txBody>
+          <a:bodyPr lIns="0" rIns="0" tIns="0" bIns="0" anchor="ctr">
+            <a:noAutofit/>
+          </a:bodyPr>
+          <a:p>
+            <a:pPr indent="0" algn="ctr">
+              <a:buNone/>
+            </a:pPr>
+            <a:endParaRPr b="0" lang="en-US" sz="4400" spc="-1" strike="noStrike">
+              <a:solidFill>
+                <a:srgbClr val="000000"/>
+              </a:solidFill>
+              <a:latin typeface="Arial"/>
+            </a:endParaRPr>
+          </a:p>
+        </p:txBody>
+      </p:sp>
+      <p:sp>
+        <p:nvSpPr>
+          <p:cNvPr id="69" name="PlaceHolder 2"/>
+          <p:cNvSpPr>
+            <a:spLocks noGrp="1"/>
+          </p:cNvSpPr>
+          <p:nvPr>
+            <p:ph/>
+          </p:nvPr>
+        </p:nvSpPr>
+        <p:spPr>
+          <a:xfrm>
+            <a:off x="504000" y="1326600"/>
+            <a:ext cx="9070920" cy="356400"/>
+          </a:xfrm>
+          <a:prstGeom prst="rect">
+            <a:avLst/>
+          </a:prstGeom>
+          <a:noFill/>
+          <a:ln w="0">
+            <a:noFill/>
+          </a:ln>
+        </p:spPr>
+        <p:txBody>
+          <a:bodyPr lIns="0" rIns="0" tIns="0" bIns="0" anchor="t">
+            <a:normAutofit fontScale="81000"/>
+          </a:bodyPr>
+          <a:p>
+            <a:pPr indent="0">
+              <a:spcBef>
+                <a:spcPts val="1417"/>
+              </a:spcBef>
+              <a:buNone/>
+            </a:pPr>
+            <a:endParaRPr b="0" lang="en-US" sz="3200" spc="-1" strike="noStrike">
+              <a:solidFill>
+                <a:srgbClr val="000000"/>
+              </a:solidFill>
+              <a:latin typeface="Arial"/>
+            </a:endParaRPr>
+          </a:p>
+        </p:txBody>
+      </p:sp>
+      <p:sp>
+        <p:nvSpPr>
+          <p:cNvPr id="70" name="PlaceHolder 3"/>
+          <p:cNvSpPr>
+            <a:spLocks noGrp="1"/>
+          </p:cNvSpPr>
+          <p:nvPr>
+            <p:ph/>
+          </p:nvPr>
+        </p:nvSpPr>
+        <p:spPr>
+          <a:xfrm>
+            <a:off x="504000" y="1717200"/>
+            <a:ext cx="9070920" cy="356400"/>
+          </a:xfrm>
+          <a:prstGeom prst="rect">
+            <a:avLst/>
+          </a:prstGeom>
+          <a:noFill/>
+          <a:ln w="0">
+            <a:noFill/>
+          </a:ln>
+        </p:spPr>
+        <p:txBody>
+          <a:bodyPr lIns="0" rIns="0" tIns="0" bIns="0" anchor="t">
+            <a:normAutofit fontScale="81000"/>
+          </a:bodyPr>
+          <a:p>
+            <a:pPr indent="0">
+              <a:spcBef>
+                <a:spcPts val="1417"/>
+              </a:spcBef>
+              <a:buNone/>
+            </a:pPr>
+            <a:endParaRPr b="0" lang="en-US" sz="3200" spc="-1" strike="noStrike">
+              <a:solidFill>
+                <a:srgbClr val="000000"/>
+              </a:solidFill>
+              <a:latin typeface="Arial"/>
+            </a:endParaRPr>
+          </a:p>
+        </p:txBody>
+      </p:sp>
+      <p:sp>
+        <p:nvSpPr>
+          <p:cNvPr id="5" name="PlaceHolder 4"/>
+          <p:cNvSpPr>
+            <a:spLocks noGrp="1"/>
+          </p:cNvSpPr>
+          <p:nvPr>
+            <p:ph type="ftr" idx="4"/>
+          </p:nvPr>
+        </p:nvSpPr>
+        <p:spPr/>
+        <p:txBody>
+          <a:bodyPr/>
+          <a:p>
+            <a:r>
+              <a:t>Footer</a:t>
+            </a:r>
+          </a:p>
+        </p:txBody>
+      </p:sp>
+      <p:sp>
+        <p:nvSpPr>
+          <p:cNvPr id="6" name="PlaceHolder 5"/>
+          <p:cNvSpPr>
+            <a:spLocks noGrp="1"/>
+          </p:cNvSpPr>
+          <p:nvPr>
+            <p:ph type="sldNum" idx="5"/>
+          </p:nvPr>
+        </p:nvSpPr>
+        <p:spPr/>
+        <p:txBody>
+          <a:bodyPr/>
+          <a:p>
+            <a:fld id="{A5B26469-1B43-400B-B1F2-CAF2AB4A4D88}" type="slidenum">
+              <a:t>&lt;#&gt;</a:t>
+            </a:fld>
+          </a:p>
+        </p:txBody>
+      </p:sp>
+      <p:sp>
+        <p:nvSpPr>
+          <p:cNvPr id="7" name="PlaceHolder 6"/>
+          <p:cNvSpPr>
+            <a:spLocks noGrp="1"/>
+          </p:cNvSpPr>
+          <p:nvPr>
+            <p:ph type="dt" idx="6"/>
+          </p:nvPr>
+        </p:nvSpPr>
+        <p:spPr/>
+        <p:txBody>
+          <a:bodyPr/>
+          <a:p>
+            <a:r>
+              <a:rPr lang="ja-JP"/>
+              <a:t/>
+            </a:r>
+          </a:p>
+        </p:txBody>
+      </p:sp>
+    </p:spTree>
+  </p:cSld>
+</p:sldLayout>
+</file>
+
+<file path=ppt/slideLayouts/slideLayout23.xml><?xml version="1.0" encoding="utf-8"?>
+<p:sldLayout xmlns:a="http://schemas.openxmlformats.org/drawingml/2006/main" xmlns:p="http://schemas.openxmlformats.org/presentationml/2006/main" xmlns:r="http://schemas.openxmlformats.org/officeDocument/2006/relationships" xmlns:p14="http://schemas.microsoft.com/office/powerpoint/2010/main" xmlns:p15="http://schemas.microsoft.com/office/powerpoint/2012/main" xmlns:mc="http://schemas.openxmlformats.org/markup-compatibility/2006" type="fourObj" preserve="1">
+  <p:cSld name="Title, 4 Content">
+    <p:spTree>
+      <p:nvGrpSpPr>
+        <p:cNvPr id="1" name=""/>
+        <p:cNvGrpSpPr/>
+        <p:nvPr/>
+      </p:nvGrpSpPr>
+      <p:grpSpPr>
+        <a:xfrm>
+          <a:off x="0" y="0"/>
+          <a:ext cx="0" cy="0"/>
+          <a:chOff x="0" y="0"/>
+          <a:chExt cx="0" cy="0"/>
+        </a:xfrm>
+      </p:grpSpPr>
+      <p:sp>
+        <p:nvSpPr>
+          <p:cNvPr id="71" name="PlaceHolder 1"/>
+          <p:cNvSpPr>
+            <a:spLocks noGrp="1"/>
+          </p:cNvSpPr>
+          <p:nvPr>
+            <p:ph type="title"/>
+          </p:nvPr>
+        </p:nvSpPr>
+        <p:spPr>
+          <a:xfrm>
+            <a:off x="504000" y="226080"/>
+            <a:ext cx="9070920" cy="945720"/>
+          </a:xfrm>
+          <a:prstGeom prst="rect">
+            <a:avLst/>
+          </a:prstGeom>
+          <a:noFill/>
+          <a:ln w="0">
+            <a:noFill/>
+          </a:ln>
+        </p:spPr>
+        <p:txBody>
+          <a:bodyPr lIns="0" rIns="0" tIns="0" bIns="0" anchor="ctr">
+            <a:noAutofit/>
+          </a:bodyPr>
+          <a:p>
+            <a:pPr indent="0" algn="ctr">
+              <a:buNone/>
+            </a:pPr>
+            <a:endParaRPr b="0" lang="en-US" sz="4400" spc="-1" strike="noStrike">
+              <a:solidFill>
+                <a:srgbClr val="000000"/>
+              </a:solidFill>
+              <a:latin typeface="Arial"/>
+            </a:endParaRPr>
+          </a:p>
+        </p:txBody>
+      </p:sp>
+      <p:sp>
+        <p:nvSpPr>
+          <p:cNvPr id="72" name="PlaceHolder 2"/>
+          <p:cNvSpPr>
+            <a:spLocks noGrp="1"/>
+          </p:cNvSpPr>
+          <p:nvPr>
+            <p:ph/>
+          </p:nvPr>
+        </p:nvSpPr>
+        <p:spPr>
+          <a:xfrm>
+            <a:off x="504000" y="1326600"/>
+            <a:ext cx="4426560" cy="356400"/>
+          </a:xfrm>
+          <a:prstGeom prst="rect">
+            <a:avLst/>
+          </a:prstGeom>
+          <a:noFill/>
+          <a:ln w="0">
+            <a:noFill/>
+          </a:ln>
+        </p:spPr>
+        <p:txBody>
+          <a:bodyPr lIns="0" rIns="0" tIns="0" bIns="0" anchor="t">
+            <a:normAutofit fontScale="77000"/>
+          </a:bodyPr>
+          <a:p>
+            <a:pPr indent="0">
+              <a:spcBef>
+                <a:spcPts val="1417"/>
+              </a:spcBef>
+              <a:buNone/>
+            </a:pPr>
+            <a:endParaRPr b="0" lang="en-US" sz="3200" spc="-1" strike="noStrike">
+              <a:solidFill>
+                <a:srgbClr val="000000"/>
+              </a:solidFill>
+              <a:latin typeface="Arial"/>
+            </a:endParaRPr>
+          </a:p>
+        </p:txBody>
+      </p:sp>
+      <p:sp>
+        <p:nvSpPr>
+          <p:cNvPr id="73" name="PlaceHolder 3"/>
+          <p:cNvSpPr>
+            <a:spLocks noGrp="1"/>
+          </p:cNvSpPr>
+          <p:nvPr>
+            <p:ph/>
+          </p:nvPr>
+        </p:nvSpPr>
+        <p:spPr>
+          <a:xfrm>
+            <a:off x="5152320" y="1326600"/>
+            <a:ext cx="4426560" cy="356400"/>
+          </a:xfrm>
+          <a:prstGeom prst="rect">
+            <a:avLst/>
+          </a:prstGeom>
+          <a:noFill/>
+          <a:ln w="0">
+            <a:noFill/>
+          </a:ln>
+        </p:spPr>
+        <p:txBody>
+          <a:bodyPr lIns="0" rIns="0" tIns="0" bIns="0" anchor="t">
+            <a:normAutofit fontScale="77000"/>
+          </a:bodyPr>
+          <a:p>
+            <a:pPr indent="0">
+              <a:spcBef>
+                <a:spcPts val="1417"/>
+              </a:spcBef>
+              <a:buNone/>
+            </a:pPr>
+            <a:endParaRPr b="0" lang="en-US" sz="3200" spc="-1" strike="noStrike">
+              <a:solidFill>
+                <a:srgbClr val="000000"/>
+              </a:solidFill>
+              <a:latin typeface="Arial"/>
+            </a:endParaRPr>
+          </a:p>
+        </p:txBody>
+      </p:sp>
+      <p:sp>
+        <p:nvSpPr>
+          <p:cNvPr id="74" name="PlaceHolder 4"/>
+          <p:cNvSpPr>
+            <a:spLocks noGrp="1"/>
+          </p:cNvSpPr>
+          <p:nvPr>
+            <p:ph/>
+          </p:nvPr>
+        </p:nvSpPr>
+        <p:spPr>
+          <a:xfrm>
+            <a:off x="504000" y="1717200"/>
+            <a:ext cx="4426560" cy="356400"/>
+          </a:xfrm>
+          <a:prstGeom prst="rect">
+            <a:avLst/>
+          </a:prstGeom>
+          <a:noFill/>
+          <a:ln w="0">
+            <a:noFill/>
+          </a:ln>
+        </p:spPr>
+        <p:txBody>
+          <a:bodyPr lIns="0" rIns="0" tIns="0" bIns="0" anchor="t">
+            <a:normAutofit fontScale="77000"/>
+          </a:bodyPr>
+          <a:p>
+            <a:pPr indent="0">
+              <a:spcBef>
+                <a:spcPts val="1417"/>
+              </a:spcBef>
+              <a:buNone/>
+            </a:pPr>
+            <a:endParaRPr b="0" lang="en-US" sz="3200" spc="-1" strike="noStrike">
+              <a:solidFill>
+                <a:srgbClr val="000000"/>
+              </a:solidFill>
+              <a:latin typeface="Arial"/>
+            </a:endParaRPr>
+          </a:p>
+        </p:txBody>
+      </p:sp>
+      <p:sp>
+        <p:nvSpPr>
+          <p:cNvPr id="75" name="PlaceHolder 5"/>
+          <p:cNvSpPr>
+            <a:spLocks noGrp="1"/>
+          </p:cNvSpPr>
+          <p:nvPr>
+            <p:ph/>
+          </p:nvPr>
+        </p:nvSpPr>
+        <p:spPr>
+          <a:xfrm>
+            <a:off x="5152320" y="1717200"/>
+            <a:ext cx="4426560" cy="356400"/>
+          </a:xfrm>
+          <a:prstGeom prst="rect">
+            <a:avLst/>
+          </a:prstGeom>
+          <a:noFill/>
+          <a:ln w="0">
+            <a:noFill/>
+          </a:ln>
+        </p:spPr>
+        <p:txBody>
+          <a:bodyPr lIns="0" rIns="0" tIns="0" bIns="0" anchor="t">
+            <a:normAutofit fontScale="77000"/>
+          </a:bodyPr>
+          <a:p>
+            <a:pPr indent="0">
+              <a:spcBef>
+                <a:spcPts val="1417"/>
+              </a:spcBef>
+              <a:buNone/>
+            </a:pPr>
+            <a:endParaRPr b="0" lang="en-US" sz="3200" spc="-1" strike="noStrike">
+              <a:solidFill>
+                <a:srgbClr val="000000"/>
+              </a:solidFill>
+              <a:latin typeface="Arial"/>
+            </a:endParaRPr>
+          </a:p>
+        </p:txBody>
+      </p:sp>
+      <p:sp>
+        <p:nvSpPr>
+          <p:cNvPr id="7" name="PlaceHolder 6"/>
+          <p:cNvSpPr>
+            <a:spLocks noGrp="1"/>
+          </p:cNvSpPr>
+          <p:nvPr>
+            <p:ph type="ftr" idx="4"/>
+          </p:nvPr>
+        </p:nvSpPr>
+        <p:spPr/>
+        <p:txBody>
+          <a:bodyPr/>
+          <a:p>
+            <a:r>
+              <a:t>Footer</a:t>
+            </a:r>
+          </a:p>
+        </p:txBody>
+      </p:sp>
+      <p:sp>
+        <p:nvSpPr>
+          <p:cNvPr id="8" name="PlaceHolder 7"/>
+          <p:cNvSpPr>
+            <a:spLocks noGrp="1"/>
+          </p:cNvSpPr>
+          <p:nvPr>
+            <p:ph type="sldNum" idx="5"/>
+          </p:nvPr>
+        </p:nvSpPr>
+        <p:spPr/>
+        <p:txBody>
+          <a:bodyPr/>
+          <a:p>
+            <a:fld id="{D8BA29B4-5D72-4662-B5E8-95D86AAA4873}" type="slidenum">
+              <a:t>&lt;#&gt;</a:t>
+            </a:fld>
+          </a:p>
+        </p:txBody>
+      </p:sp>
+      <p:sp>
+        <p:nvSpPr>
+          <p:cNvPr id="9" name="PlaceHolder 8"/>
+          <p:cNvSpPr>
+            <a:spLocks noGrp="1"/>
+          </p:cNvSpPr>
+          <p:nvPr>
+            <p:ph type="dt" idx="6"/>
+          </p:nvPr>
+        </p:nvSpPr>
+        <p:spPr/>
+        <p:txBody>
+          <a:bodyPr/>
+          <a:p>
+            <a:r>
+              <a:rPr lang="ja-JP"/>
+              <a:t/>
+            </a:r>
+          </a:p>
+        </p:txBody>
+      </p:sp>
+    </p:spTree>
+  </p:cSld>
+</p:sldLayout>
+</file>
+
+<file path=ppt/slideLayouts/slideLayout24.xml><?xml version="1.0" encoding="utf-8"?>
+<p:sldLayout xmlns:a="http://schemas.openxmlformats.org/drawingml/2006/main" xmlns:p="http://schemas.openxmlformats.org/presentationml/2006/main" xmlns:r="http://schemas.openxmlformats.org/officeDocument/2006/relationships" xmlns:p14="http://schemas.microsoft.com/office/powerpoint/2010/main" xmlns:p15="http://schemas.microsoft.com/office/powerpoint/2012/main" xmlns:mc="http://schemas.openxmlformats.org/markup-compatibility/2006" type="blank" preserve="1">
+  <p:cSld name="Title, 6 Content">
+    <p:spTree>
+      <p:nvGrpSpPr>
+        <p:cNvPr id="1" name=""/>
+        <p:cNvGrpSpPr/>
+        <p:nvPr/>
+      </p:nvGrpSpPr>
+      <p:grpSpPr>
+        <a:xfrm>
+          <a:off x="0" y="0"/>
+          <a:ext cx="0" cy="0"/>
+          <a:chOff x="0" y="0"/>
+          <a:chExt cx="0" cy="0"/>
+        </a:xfrm>
+      </p:grpSpPr>
+      <p:sp>
+        <p:nvSpPr>
+          <p:cNvPr id="76" name="PlaceHolder 1"/>
+          <p:cNvSpPr>
+            <a:spLocks noGrp="1"/>
+          </p:cNvSpPr>
+          <p:nvPr>
+            <p:ph type="title"/>
+          </p:nvPr>
+        </p:nvSpPr>
+        <p:spPr>
+          <a:xfrm>
+            <a:off x="504000" y="226080"/>
+            <a:ext cx="9070920" cy="945720"/>
+          </a:xfrm>
+          <a:prstGeom prst="rect">
+            <a:avLst/>
+          </a:prstGeom>
+          <a:noFill/>
+          <a:ln w="0">
+            <a:noFill/>
+          </a:ln>
+        </p:spPr>
+        <p:txBody>
+          <a:bodyPr lIns="0" rIns="0" tIns="0" bIns="0" anchor="ctr">
+            <a:noAutofit/>
+          </a:bodyPr>
+          <a:p>
+            <a:pPr indent="0" algn="ctr">
+              <a:buNone/>
+            </a:pPr>
+            <a:endParaRPr b="0" lang="en-US" sz="4400" spc="-1" strike="noStrike">
+              <a:solidFill>
+                <a:srgbClr val="000000"/>
+              </a:solidFill>
+              <a:latin typeface="Arial"/>
+            </a:endParaRPr>
+          </a:p>
+        </p:txBody>
+      </p:sp>
+      <p:sp>
+        <p:nvSpPr>
+          <p:cNvPr id="77" name="PlaceHolder 2"/>
+          <p:cNvSpPr>
+            <a:spLocks noGrp="1"/>
+          </p:cNvSpPr>
+          <p:nvPr>
+            <p:ph/>
+          </p:nvPr>
+        </p:nvSpPr>
+        <p:spPr>
+          <a:xfrm>
+            <a:off x="504000" y="1326600"/>
+            <a:ext cx="2920680" cy="356400"/>
+          </a:xfrm>
+          <a:prstGeom prst="rect">
+            <a:avLst/>
+          </a:prstGeom>
+          <a:noFill/>
+          <a:ln w="0">
+            <a:noFill/>
+          </a:ln>
+        </p:spPr>
+        <p:txBody>
+          <a:bodyPr lIns="0" rIns="0" tIns="0" bIns="0" anchor="t">
+            <a:normAutofit fontScale="51000"/>
+          </a:bodyPr>
+          <a:p>
+            <a:pPr indent="0">
+              <a:spcBef>
+                <a:spcPts val="1417"/>
+              </a:spcBef>
+              <a:buNone/>
+            </a:pPr>
+            <a:endParaRPr b="0" lang="en-US" sz="3200" spc="-1" strike="noStrike">
+              <a:solidFill>
+                <a:srgbClr val="000000"/>
+              </a:solidFill>
+              <a:latin typeface="Arial"/>
+            </a:endParaRPr>
+          </a:p>
+        </p:txBody>
+      </p:sp>
+      <p:sp>
+        <p:nvSpPr>
+          <p:cNvPr id="78" name="PlaceHolder 3"/>
+          <p:cNvSpPr>
+            <a:spLocks noGrp="1"/>
+          </p:cNvSpPr>
+          <p:nvPr>
+            <p:ph/>
+          </p:nvPr>
+        </p:nvSpPr>
+        <p:spPr>
+          <a:xfrm>
+            <a:off x="3571200" y="1326600"/>
+            <a:ext cx="2920680" cy="356400"/>
+          </a:xfrm>
+          <a:prstGeom prst="rect">
+            <a:avLst/>
+          </a:prstGeom>
+          <a:noFill/>
+          <a:ln w="0">
+            <a:noFill/>
+          </a:ln>
+        </p:spPr>
+        <p:txBody>
+          <a:bodyPr lIns="0" rIns="0" tIns="0" bIns="0" anchor="t">
+            <a:normAutofit fontScale="51000"/>
+          </a:bodyPr>
+          <a:p>
+            <a:pPr indent="0">
+              <a:spcBef>
+                <a:spcPts val="1417"/>
+              </a:spcBef>
+              <a:buNone/>
+            </a:pPr>
+            <a:endParaRPr b="0" lang="en-US" sz="3200" spc="-1" strike="noStrike">
+              <a:solidFill>
+                <a:srgbClr val="000000"/>
+              </a:solidFill>
+              <a:latin typeface="Arial"/>
+            </a:endParaRPr>
+          </a:p>
+        </p:txBody>
+      </p:sp>
+      <p:sp>
+        <p:nvSpPr>
+          <p:cNvPr id="79" name="PlaceHolder 4"/>
+          <p:cNvSpPr>
+            <a:spLocks noGrp="1"/>
+          </p:cNvSpPr>
+          <p:nvPr>
+            <p:ph/>
+          </p:nvPr>
+        </p:nvSpPr>
+        <p:spPr>
+          <a:xfrm>
+            <a:off x="6638040" y="1326600"/>
+            <a:ext cx="2920680" cy="356400"/>
+          </a:xfrm>
+          <a:prstGeom prst="rect">
+            <a:avLst/>
+          </a:prstGeom>
+          <a:noFill/>
+          <a:ln w="0">
+            <a:noFill/>
+          </a:ln>
+        </p:spPr>
+        <p:txBody>
+          <a:bodyPr lIns="0" rIns="0" tIns="0" bIns="0" anchor="t">
+            <a:normAutofit fontScale="51000"/>
+          </a:bodyPr>
+          <a:p>
+            <a:pPr indent="0">
+              <a:spcBef>
+                <a:spcPts val="1417"/>
+              </a:spcBef>
+              <a:buNone/>
+            </a:pPr>
+            <a:endParaRPr b="0" lang="en-US" sz="3200" spc="-1" strike="noStrike">
+              <a:solidFill>
+                <a:srgbClr val="000000"/>
+              </a:solidFill>
+              <a:latin typeface="Arial"/>
+            </a:endParaRPr>
+          </a:p>
+        </p:txBody>
+      </p:sp>
+      <p:sp>
+        <p:nvSpPr>
+          <p:cNvPr id="80" name="PlaceHolder 5"/>
+          <p:cNvSpPr>
+            <a:spLocks noGrp="1"/>
+          </p:cNvSpPr>
+          <p:nvPr>
+            <p:ph/>
+          </p:nvPr>
+        </p:nvSpPr>
+        <p:spPr>
+          <a:xfrm>
+            <a:off x="504000" y="1717200"/>
+            <a:ext cx="2920680" cy="356400"/>
+          </a:xfrm>
+          <a:prstGeom prst="rect">
+            <a:avLst/>
+          </a:prstGeom>
+          <a:noFill/>
+          <a:ln w="0">
+            <a:noFill/>
+          </a:ln>
+        </p:spPr>
+        <p:txBody>
+          <a:bodyPr lIns="0" rIns="0" tIns="0" bIns="0" anchor="t">
+            <a:normAutofit fontScale="51000"/>
+          </a:bodyPr>
+          <a:p>
+            <a:pPr indent="0">
+              <a:spcBef>
+                <a:spcPts val="1417"/>
+              </a:spcBef>
+              <a:buNone/>
+            </a:pPr>
+            <a:endParaRPr b="0" lang="en-US" sz="3200" spc="-1" strike="noStrike">
+              <a:solidFill>
+                <a:srgbClr val="000000"/>
+              </a:solidFill>
+              <a:latin typeface="Arial"/>
+            </a:endParaRPr>
+          </a:p>
+        </p:txBody>
+      </p:sp>
+      <p:sp>
+        <p:nvSpPr>
+          <p:cNvPr id="81" name="PlaceHolder 6"/>
+          <p:cNvSpPr>
+            <a:spLocks noGrp="1"/>
+          </p:cNvSpPr>
+          <p:nvPr>
+            <p:ph/>
+          </p:nvPr>
+        </p:nvSpPr>
+        <p:spPr>
+          <a:xfrm>
+            <a:off x="3571200" y="1717200"/>
+            <a:ext cx="2920680" cy="356400"/>
+          </a:xfrm>
+          <a:prstGeom prst="rect">
+            <a:avLst/>
+          </a:prstGeom>
+          <a:noFill/>
+          <a:ln w="0">
+            <a:noFill/>
+          </a:ln>
+        </p:spPr>
+        <p:txBody>
+          <a:bodyPr lIns="0" rIns="0" tIns="0" bIns="0" anchor="t">
+            <a:normAutofit fontScale="51000"/>
+          </a:bodyPr>
+          <a:p>
+            <a:pPr indent="0">
+              <a:spcBef>
+                <a:spcPts val="1417"/>
+              </a:spcBef>
+              <a:buNone/>
+            </a:pPr>
+            <a:endParaRPr b="0" lang="en-US" sz="3200" spc="-1" strike="noStrike">
+              <a:solidFill>
+                <a:srgbClr val="000000"/>
+              </a:solidFill>
+              <a:latin typeface="Arial"/>
+            </a:endParaRPr>
+          </a:p>
+        </p:txBody>
+      </p:sp>
+      <p:sp>
+        <p:nvSpPr>
+          <p:cNvPr id="82" name="PlaceHolder 7"/>
+          <p:cNvSpPr>
+            <a:spLocks noGrp="1"/>
+          </p:cNvSpPr>
+          <p:nvPr>
+            <p:ph/>
+          </p:nvPr>
+        </p:nvSpPr>
+        <p:spPr>
+          <a:xfrm>
+            <a:off x="6638040" y="1717200"/>
+            <a:ext cx="2920680" cy="356400"/>
+          </a:xfrm>
+          <a:prstGeom prst="rect">
+            <a:avLst/>
+          </a:prstGeom>
+          <a:noFill/>
+          <a:ln w="0">
+            <a:noFill/>
+          </a:ln>
+        </p:spPr>
+        <p:txBody>
+          <a:bodyPr lIns="0" rIns="0" tIns="0" bIns="0" anchor="t">
+            <a:normAutofit fontScale="51000"/>
+          </a:bodyPr>
+          <a:p>
+            <a:pPr indent="0">
+              <a:spcBef>
+                <a:spcPts val="1417"/>
+              </a:spcBef>
+              <a:buNone/>
+            </a:pPr>
+            <a:endParaRPr b="0" lang="en-US" sz="3200" spc="-1" strike="noStrike">
+              <a:solidFill>
+                <a:srgbClr val="000000"/>
+              </a:solidFill>
+              <a:latin typeface="Arial"/>
+            </a:endParaRPr>
+          </a:p>
+        </p:txBody>
+      </p:sp>
+      <p:sp>
+        <p:nvSpPr>
+          <p:cNvPr id="9" name="PlaceHolder 8"/>
+          <p:cNvSpPr>
+            <a:spLocks noGrp="1"/>
+          </p:cNvSpPr>
+          <p:nvPr>
+            <p:ph type="ftr" idx="4"/>
+          </p:nvPr>
+        </p:nvSpPr>
+        <p:spPr/>
+        <p:txBody>
+          <a:bodyPr/>
+          <a:p>
+            <a:r>
+              <a:t>Footer</a:t>
+            </a:r>
+          </a:p>
+        </p:txBody>
+      </p:sp>
+      <p:sp>
+        <p:nvSpPr>
+          <p:cNvPr id="10" name="PlaceHolder 9"/>
+          <p:cNvSpPr>
+            <a:spLocks noGrp="1"/>
+          </p:cNvSpPr>
+          <p:nvPr>
+            <p:ph type="sldNum" idx="5"/>
+          </p:nvPr>
+        </p:nvSpPr>
+        <p:spPr/>
+        <p:txBody>
+          <a:bodyPr/>
+          <a:p>
+            <a:fld id="{21AF9732-98FF-4871-ACE3-3DCC7310C592}" type="slidenum">
+              <a:t>&lt;#&gt;</a:t>
+            </a:fld>
+          </a:p>
+        </p:txBody>
+      </p:sp>
+      <p:sp>
+        <p:nvSpPr>
+          <p:cNvPr id="11" name="PlaceHolder 10"/>
+          <p:cNvSpPr>
+            <a:spLocks noGrp="1"/>
+          </p:cNvSpPr>
+          <p:nvPr>
+            <p:ph type="dt" idx="6"/>
           </p:nvPr>
         </p:nvSpPr>
         <p:spPr/>
@@ -1196,18 +3686,14 @@
         <p:spPr>
           <a:xfrm>
             <a:off x="504000" y="226080"/>
-            <a:ext cx="9071640" cy="946440"/>
-          </a:xfrm>
-          <a:prstGeom prst="rect">
-            <a:avLst/>
-          </a:prstGeom>
-          <a:solidFill>
-            <a:srgbClr val="dee6ef"/>
-          </a:solidFill>
-          <a:ln w="0">
-            <a:solidFill>
-              <a:srgbClr val="3465a4"/>
-            </a:solidFill>
+            <a:ext cx="9070920" cy="945720"/>
+          </a:xfrm>
+          <a:prstGeom prst="rect">
+            <a:avLst/>
+          </a:prstGeom>
+          <a:noFill/>
+          <a:ln w="0">
+            <a:noFill/>
           </a:ln>
         </p:spPr>
         <p:txBody>
@@ -1240,7 +3726,7 @@
         <p:spPr>
           <a:xfrm>
             <a:off x="504000" y="1326600"/>
-            <a:ext cx="9071640" cy="3288240"/>
+            <a:ext cx="9070920" cy="747360"/>
           </a:xfrm>
           <a:prstGeom prst="rect">
             <a:avLst/>
@@ -1277,7 +3763,7 @@
             <a:spLocks noGrp="1"/>
           </p:cNvSpPr>
           <p:nvPr>
-            <p:ph type="ftr" idx="2"/>
+            <p:ph type="ftr" idx="1"/>
           </p:nvPr>
         </p:nvSpPr>
         <p:spPr/>
@@ -1297,14 +3783,14 @@
             <a:spLocks noGrp="1"/>
           </p:cNvSpPr>
           <p:nvPr>
-            <p:ph type="sldNum" idx="3"/>
+            <p:ph type="sldNum" idx="2"/>
           </p:nvPr>
         </p:nvSpPr>
         <p:spPr/>
         <p:txBody>
           <a:bodyPr/>
           <a:p>
-            <a:fld id="{932E6E00-E90D-4465-A599-7F75824F22AA}" type="slidenum">
+            <a:fld id="{7C74B544-5EEC-47F3-B3AC-34BCCA0AF1B5}" type="slidenum">
               <a:t>&lt;#&gt;</a:t>
             </a:fld>
           </a:p>
@@ -1317,7 +3803,7 @@
             <a:spLocks noGrp="1"/>
           </p:cNvSpPr>
           <p:nvPr>
-            <p:ph type="dt" idx="1"/>
+            <p:ph type="dt" idx="3"/>
           </p:nvPr>
         </p:nvSpPr>
         <p:spPr/>
@@ -1366,18 +3852,14 @@
         <p:spPr>
           <a:xfrm>
             <a:off x="504000" y="226080"/>
-            <a:ext cx="9071640" cy="946440"/>
-          </a:xfrm>
-          <a:prstGeom prst="rect">
-            <a:avLst/>
-          </a:prstGeom>
-          <a:solidFill>
-            <a:srgbClr val="dee6ef"/>
-          </a:solidFill>
-          <a:ln w="0">
-            <a:solidFill>
-              <a:srgbClr val="3465a4"/>
-            </a:solidFill>
+            <a:ext cx="9070920" cy="945720"/>
+          </a:xfrm>
+          <a:prstGeom prst="rect">
+            <a:avLst/>
+          </a:prstGeom>
+          <a:noFill/>
+          <a:ln w="0">
+            <a:noFill/>
           </a:ln>
         </p:spPr>
         <p:txBody>
@@ -1410,7 +3892,7 @@
         <p:spPr>
           <a:xfrm>
             <a:off x="504000" y="1326600"/>
-            <a:ext cx="4426920" cy="3288240"/>
+            <a:ext cx="4426560" cy="747360"/>
           </a:xfrm>
           <a:prstGeom prst="rect">
             <a:avLst/>
@@ -1422,7 +3904,7 @@
         </p:spPr>
         <p:txBody>
           <a:bodyPr lIns="0" rIns="0" tIns="0" bIns="0" anchor="t">
-            <a:normAutofit/>
+            <a:normAutofit fontScale="85000"/>
           </a:bodyPr>
           <a:p>
             <a:pPr indent="0">
@@ -1452,8 +3934,8 @@
         </p:nvSpPr>
         <p:spPr>
           <a:xfrm>
-            <a:off x="5152680" y="1326600"/>
-            <a:ext cx="4426920" cy="3288240"/>
+            <a:off x="5152320" y="1326600"/>
+            <a:ext cx="4426560" cy="747360"/>
           </a:xfrm>
           <a:prstGeom prst="rect">
             <a:avLst/>
@@ -1465,7 +3947,7 @@
         </p:spPr>
         <p:txBody>
           <a:bodyPr lIns="0" rIns="0" tIns="0" bIns="0" anchor="t">
-            <a:normAutofit/>
+            <a:normAutofit fontScale="85000"/>
           </a:bodyPr>
           <a:p>
             <a:pPr indent="0">
@@ -1490,7 +3972,7 @@
             <a:spLocks noGrp="1"/>
           </p:cNvSpPr>
           <p:nvPr>
-            <p:ph type="ftr" idx="2"/>
+            <p:ph type="ftr" idx="1"/>
           </p:nvPr>
         </p:nvSpPr>
         <p:spPr/>
@@ -1510,14 +3992,14 @@
             <a:spLocks noGrp="1"/>
           </p:cNvSpPr>
           <p:nvPr>
-            <p:ph type="sldNum" idx="3"/>
+            <p:ph type="sldNum" idx="2"/>
           </p:nvPr>
         </p:nvSpPr>
         <p:spPr/>
         <p:txBody>
           <a:bodyPr/>
           <a:p>
-            <a:fld id="{18E9575D-6D10-40ED-BC6B-1178ECFB84E5}" type="slidenum">
+            <a:fld id="{70543A88-632B-43CB-9E38-2F25DA5BB317}" type="slidenum">
               <a:t>&lt;#&gt;</a:t>
             </a:fld>
           </a:p>
@@ -1530,7 +4012,7 @@
             <a:spLocks noGrp="1"/>
           </p:cNvSpPr>
           <p:nvPr>
-            <p:ph type="dt" idx="1"/>
+            <p:ph type="dt" idx="3"/>
           </p:nvPr>
         </p:nvSpPr>
         <p:spPr/>
@@ -1579,18 +4061,14 @@
         <p:spPr>
           <a:xfrm>
             <a:off x="504000" y="226080"/>
-            <a:ext cx="9071640" cy="946440"/>
-          </a:xfrm>
-          <a:prstGeom prst="rect">
-            <a:avLst/>
-          </a:prstGeom>
-          <a:solidFill>
-            <a:srgbClr val="dee6ef"/>
-          </a:solidFill>
-          <a:ln w="0">
-            <a:solidFill>
-              <a:srgbClr val="3465a4"/>
-            </a:solidFill>
+            <a:ext cx="9070920" cy="945720"/>
+          </a:xfrm>
+          <a:prstGeom prst="rect">
+            <a:avLst/>
+          </a:prstGeom>
+          <a:noFill/>
+          <a:ln w="0">
+            <a:noFill/>
           </a:ln>
         </p:spPr>
         <p:txBody>
@@ -1617,7 +4095,7 @@
             <a:spLocks noGrp="1"/>
           </p:cNvSpPr>
           <p:nvPr>
-            <p:ph type="ftr" idx="2"/>
+            <p:ph type="ftr" idx="1"/>
           </p:nvPr>
         </p:nvSpPr>
         <p:spPr/>
@@ -1637,14 +4115,14 @@
             <a:spLocks noGrp="1"/>
           </p:cNvSpPr>
           <p:nvPr>
-            <p:ph type="sldNum" idx="3"/>
+            <p:ph type="sldNum" idx="2"/>
           </p:nvPr>
         </p:nvSpPr>
         <p:spPr/>
         <p:txBody>
           <a:bodyPr/>
           <a:p>
-            <a:fld id="{5443BC33-2DE2-4187-A3BF-FC72BC71998C}" type="slidenum">
+            <a:fld id="{DAE97131-4DCC-4316-93D6-CED8D368FF13}" type="slidenum">
               <a:t>&lt;#&gt;</a:t>
             </a:fld>
           </a:p>
@@ -1657,7 +4135,7 @@
             <a:spLocks noGrp="1"/>
           </p:cNvSpPr>
           <p:nvPr>
-            <p:ph type="dt" idx="1"/>
+            <p:ph type="dt" idx="3"/>
           </p:nvPr>
         </p:nvSpPr>
         <p:spPr/>
@@ -1706,7 +4184,7 @@
         <p:spPr>
           <a:xfrm>
             <a:off x="504000" y="226080"/>
-            <a:ext cx="9071640" cy="4388400"/>
+            <a:ext cx="9070920" cy="4385160"/>
           </a:xfrm>
           <a:prstGeom prst="rect">
             <a:avLst/>
@@ -1738,7 +4216,7 @@
             <a:spLocks noGrp="1"/>
           </p:cNvSpPr>
           <p:nvPr>
-            <p:ph type="ftr" idx="2"/>
+            <p:ph type="ftr" idx="1"/>
           </p:nvPr>
         </p:nvSpPr>
         <p:spPr/>
@@ -1758,14 +4236,14 @@
             <a:spLocks noGrp="1"/>
           </p:cNvSpPr>
           <p:nvPr>
-            <p:ph type="sldNum" idx="3"/>
+            <p:ph type="sldNum" idx="2"/>
           </p:nvPr>
         </p:nvSpPr>
         <p:spPr/>
         <p:txBody>
           <a:bodyPr/>
           <a:p>
-            <a:fld id="{AF9E2E14-11F4-4C15-97BD-26ADD272DBAE}" type="slidenum">
+            <a:fld id="{CAAC6217-0F65-434E-A8AF-DF0F7C983D14}" type="slidenum">
               <a:t>&lt;#&gt;</a:t>
             </a:fld>
           </a:p>
@@ -1778,7 +4256,7 @@
             <a:spLocks noGrp="1"/>
           </p:cNvSpPr>
           <p:nvPr>
-            <p:ph type="dt" idx="1"/>
+            <p:ph type="dt" idx="3"/>
           </p:nvPr>
         </p:nvSpPr>
         <p:spPr/>
@@ -1827,18 +4305,14 @@
         <p:spPr>
           <a:xfrm>
             <a:off x="504000" y="226080"/>
-            <a:ext cx="9071640" cy="946440"/>
-          </a:xfrm>
-          <a:prstGeom prst="rect">
-            <a:avLst/>
-          </a:prstGeom>
-          <a:solidFill>
-            <a:srgbClr val="dee6ef"/>
-          </a:solidFill>
-          <a:ln w="0">
-            <a:solidFill>
-              <a:srgbClr val="3465a4"/>
-            </a:solidFill>
+            <a:ext cx="9070920" cy="945720"/>
+          </a:xfrm>
+          <a:prstGeom prst="rect">
+            <a:avLst/>
+          </a:prstGeom>
+          <a:noFill/>
+          <a:ln w="0">
+            <a:noFill/>
           </a:ln>
         </p:spPr>
         <p:txBody>
@@ -1871,7 +4345,7 @@
         <p:spPr>
           <a:xfrm>
             <a:off x="504000" y="1326600"/>
-            <a:ext cx="4426920" cy="1568160"/>
+            <a:ext cx="4426560" cy="356400"/>
           </a:xfrm>
           <a:prstGeom prst="rect">
             <a:avLst/>
@@ -1883,7 +4357,7 @@
         </p:spPr>
         <p:txBody>
           <a:bodyPr lIns="0" rIns="0" tIns="0" bIns="0" anchor="t">
-            <a:normAutofit/>
+            <a:normAutofit fontScale="77000"/>
           </a:bodyPr>
           <a:p>
             <a:pPr indent="0">
@@ -1913,8 +4387,8 @@
         </p:nvSpPr>
         <p:spPr>
           <a:xfrm>
-            <a:off x="5152680" y="1326600"/>
-            <a:ext cx="4426920" cy="3288240"/>
+            <a:off x="5152320" y="1326600"/>
+            <a:ext cx="4426560" cy="747360"/>
           </a:xfrm>
           <a:prstGeom prst="rect">
             <a:avLst/>
@@ -1926,7 +4400,7 @@
         </p:spPr>
         <p:txBody>
           <a:bodyPr lIns="0" rIns="0" tIns="0" bIns="0" anchor="t">
-            <a:normAutofit/>
+            <a:normAutofit fontScale="85000"/>
           </a:bodyPr>
           <a:p>
             <a:pPr indent="0">
@@ -1956,8 +4430,8 @@
         </p:nvSpPr>
         <p:spPr>
           <a:xfrm>
-            <a:off x="504000" y="3044160"/>
-            <a:ext cx="4426920" cy="1568160"/>
+            <a:off x="504000" y="1717200"/>
+            <a:ext cx="4426560" cy="356400"/>
           </a:xfrm>
           <a:prstGeom prst="rect">
             <a:avLst/>
@@ -1969,7 +4443,7 @@
         </p:spPr>
         <p:txBody>
           <a:bodyPr lIns="0" rIns="0" tIns="0" bIns="0" anchor="t">
-            <a:normAutofit/>
+            <a:normAutofit fontScale="77000"/>
           </a:bodyPr>
           <a:p>
             <a:pPr indent="0">
@@ -1994,7 +4468,7 @@
             <a:spLocks noGrp="1"/>
           </p:cNvSpPr>
           <p:nvPr>
-            <p:ph type="ftr" idx="2"/>
+            <p:ph type="ftr" idx="1"/>
           </p:nvPr>
         </p:nvSpPr>
         <p:spPr/>
@@ -2014,14 +4488,14 @@
             <a:spLocks noGrp="1"/>
           </p:cNvSpPr>
           <p:nvPr>
-            <p:ph type="sldNum" idx="3"/>
+            <p:ph type="sldNum" idx="2"/>
           </p:nvPr>
         </p:nvSpPr>
         <p:spPr/>
         <p:txBody>
           <a:bodyPr/>
           <a:p>
-            <a:fld id="{B86D0A9C-1795-4226-AE16-91238E0E390D}" type="slidenum">
+            <a:fld id="{B7E8077B-21A4-4D0C-A278-074BBB064FC9}" type="slidenum">
               <a:t>&lt;#&gt;</a:t>
             </a:fld>
           </a:p>
@@ -2034,7 +4508,7 @@
             <a:spLocks noGrp="1"/>
           </p:cNvSpPr>
           <p:nvPr>
-            <p:ph type="dt" idx="1"/>
+            <p:ph type="dt" idx="3"/>
           </p:nvPr>
         </p:nvSpPr>
         <p:spPr/>
@@ -2083,18 +4557,14 @@
         <p:spPr>
           <a:xfrm>
             <a:off x="504000" y="226080"/>
-            <a:ext cx="9071640" cy="946440"/>
-          </a:xfrm>
-          <a:prstGeom prst="rect">
-            <a:avLst/>
-          </a:prstGeom>
-          <a:solidFill>
-            <a:srgbClr val="dee6ef"/>
-          </a:solidFill>
-          <a:ln w="0">
-            <a:solidFill>
-              <a:srgbClr val="3465a4"/>
-            </a:solidFill>
+            <a:ext cx="9070920" cy="945720"/>
+          </a:xfrm>
+          <a:prstGeom prst="rect">
+            <a:avLst/>
+          </a:prstGeom>
+          <a:noFill/>
+          <a:ln w="0">
+            <a:noFill/>
           </a:ln>
         </p:spPr>
         <p:txBody>
@@ -2127,7 +4597,7 @@
         <p:spPr>
           <a:xfrm>
             <a:off x="504000" y="1326600"/>
-            <a:ext cx="4426920" cy="3288240"/>
+            <a:ext cx="4426560" cy="747360"/>
           </a:xfrm>
           <a:prstGeom prst="rect">
             <a:avLst/>
@@ -2139,7 +4609,7 @@
         </p:spPr>
         <p:txBody>
           <a:bodyPr lIns="0" rIns="0" tIns="0" bIns="0" anchor="t">
-            <a:normAutofit/>
+            <a:normAutofit fontScale="85000"/>
           </a:bodyPr>
           <a:p>
             <a:pPr indent="0">
@@ -2169,8 +4639,8 @@
         </p:nvSpPr>
         <p:spPr>
           <a:xfrm>
-            <a:off x="5152680" y="1326600"/>
-            <a:ext cx="4426920" cy="1568160"/>
+            <a:off x="5152320" y="1326600"/>
+            <a:ext cx="4426560" cy="356400"/>
           </a:xfrm>
           <a:prstGeom prst="rect">
             <a:avLst/>
@@ -2182,7 +4652,7 @@
         </p:spPr>
         <p:txBody>
           <a:bodyPr lIns="0" rIns="0" tIns="0" bIns="0" anchor="t">
-            <a:normAutofit/>
+            <a:normAutofit fontScale="77000"/>
           </a:bodyPr>
           <a:p>
             <a:pPr indent="0">
@@ -2212,8 +4682,8 @@
         </p:nvSpPr>
         <p:spPr>
           <a:xfrm>
-            <a:off x="5152680" y="3044160"/>
-            <a:ext cx="4426920" cy="1568160"/>
+            <a:off x="5152320" y="1717200"/>
+            <a:ext cx="4426560" cy="356400"/>
           </a:xfrm>
           <a:prstGeom prst="rect">
             <a:avLst/>
@@ -2225,7 +4695,7 @@
         </p:spPr>
         <p:txBody>
           <a:bodyPr lIns="0" rIns="0" tIns="0" bIns="0" anchor="t">
-            <a:normAutofit/>
+            <a:normAutofit fontScale="77000"/>
           </a:bodyPr>
           <a:p>
             <a:pPr indent="0">
@@ -2250,7 +4720,7 @@
             <a:spLocks noGrp="1"/>
           </p:cNvSpPr>
           <p:nvPr>
-            <p:ph type="ftr" idx="2"/>
+            <p:ph type="ftr" idx="1"/>
           </p:nvPr>
         </p:nvSpPr>
         <p:spPr/>
@@ -2270,14 +4740,14 @@
             <a:spLocks noGrp="1"/>
           </p:cNvSpPr>
           <p:nvPr>
-            <p:ph type="sldNum" idx="3"/>
+            <p:ph type="sldNum" idx="2"/>
           </p:nvPr>
         </p:nvSpPr>
         <p:spPr/>
         <p:txBody>
           <a:bodyPr/>
           <a:p>
-            <a:fld id="{0A603913-77B4-4431-9B01-E6C1810F8CCD}" type="slidenum">
+            <a:fld id="{17522F3E-9C66-43E2-8E62-422F920179C7}" type="slidenum">
               <a:t>&lt;#&gt;</a:t>
             </a:fld>
           </a:p>
@@ -2290,7 +4760,7 @@
             <a:spLocks noGrp="1"/>
           </p:cNvSpPr>
           <p:nvPr>
-            <p:ph type="dt" idx="1"/>
+            <p:ph type="dt" idx="3"/>
           </p:nvPr>
         </p:nvSpPr>
         <p:spPr/>
@@ -2339,18 +4809,14 @@
         <p:spPr>
           <a:xfrm>
             <a:off x="504000" y="226080"/>
-            <a:ext cx="9071640" cy="946440"/>
-          </a:xfrm>
-          <a:prstGeom prst="rect">
-            <a:avLst/>
-          </a:prstGeom>
-          <a:solidFill>
-            <a:srgbClr val="dee6ef"/>
-          </a:solidFill>
-          <a:ln w="0">
-            <a:solidFill>
-              <a:srgbClr val="3465a4"/>
-            </a:solidFill>
+            <a:ext cx="9070920" cy="945720"/>
+          </a:xfrm>
+          <a:prstGeom prst="rect">
+            <a:avLst/>
+          </a:prstGeom>
+          <a:noFill/>
+          <a:ln w="0">
+            <a:noFill/>
           </a:ln>
         </p:spPr>
         <p:txBody>
@@ -2383,7 +4849,7 @@
         <p:spPr>
           <a:xfrm>
             <a:off x="504000" y="1326600"/>
-            <a:ext cx="4426920" cy="1568160"/>
+            <a:ext cx="4426560" cy="356400"/>
           </a:xfrm>
           <a:prstGeom prst="rect">
             <a:avLst/>
@@ -2395,7 +4861,7 @@
         </p:spPr>
         <p:txBody>
           <a:bodyPr lIns="0" rIns="0" tIns="0" bIns="0" anchor="t">
-            <a:normAutofit/>
+            <a:normAutofit fontScale="77000"/>
           </a:bodyPr>
           <a:p>
             <a:pPr indent="0">
@@ -2425,8 +4891,8 @@
         </p:nvSpPr>
         <p:spPr>
           <a:xfrm>
-            <a:off x="5152680" y="1326600"/>
-            <a:ext cx="4426920" cy="1568160"/>
+            <a:off x="5152320" y="1326600"/>
+            <a:ext cx="4426560" cy="356400"/>
           </a:xfrm>
           <a:prstGeom prst="rect">
             <a:avLst/>
@@ -2438,7 +4904,7 @@
         </p:spPr>
         <p:txBody>
           <a:bodyPr lIns="0" rIns="0" tIns="0" bIns="0" anchor="t">
-            <a:normAutofit/>
+            <a:normAutofit fontScale="77000"/>
           </a:bodyPr>
           <a:p>
             <a:pPr indent="0">
@@ -2468,8 +4934,8 @@
         </p:nvSpPr>
         <p:spPr>
           <a:xfrm>
-            <a:off x="504000" y="3044160"/>
-            <a:ext cx="9071640" cy="1568160"/>
+            <a:off x="504000" y="1717200"/>
+            <a:ext cx="9070920" cy="356400"/>
           </a:xfrm>
           <a:prstGeom prst="rect">
             <a:avLst/>
@@ -2481,7 +4947,7 @@
         </p:spPr>
         <p:txBody>
           <a:bodyPr lIns="0" rIns="0" tIns="0" bIns="0" anchor="t">
-            <a:normAutofit/>
+            <a:normAutofit fontScale="81000"/>
           </a:bodyPr>
           <a:p>
             <a:pPr indent="0">
@@ -2506,7 +4972,7 @@
             <a:spLocks noGrp="1"/>
           </p:cNvSpPr>
           <p:nvPr>
-            <p:ph type="ftr" idx="2"/>
+            <p:ph type="ftr" idx="1"/>
           </p:nvPr>
         </p:nvSpPr>
         <p:spPr/>
@@ -2526,14 +4992,14 @@
             <a:spLocks noGrp="1"/>
           </p:cNvSpPr>
           <p:nvPr>
-            <p:ph type="sldNum" idx="3"/>
+            <p:ph type="sldNum" idx="2"/>
           </p:nvPr>
         </p:nvSpPr>
         <p:spPr/>
         <p:txBody>
           <a:bodyPr/>
           <a:p>
-            <a:fld id="{0DF335B1-8244-4215-8B0B-B782A8B26CD6}" type="slidenum">
+            <a:fld id="{ADB8163E-D93C-4F62-B2C1-5EC40342BCCE}" type="slidenum">
               <a:t>&lt;#&gt;</a:t>
             </a:fld>
           </a:p>
@@ -2546,7 +5012,7 @@
             <a:spLocks noGrp="1"/>
           </p:cNvSpPr>
           <p:nvPr>
-            <p:ph type="dt" idx="1"/>
+            <p:ph type="dt" idx="3"/>
           </p:nvPr>
         </p:nvSpPr>
         <p:spPr/>
@@ -2589,24 +5055,224 @@
             <a:spLocks noGrp="1"/>
           </p:cNvSpPr>
           <p:nvPr>
+            <p:ph type="ftr" idx="1"/>
+          </p:nvPr>
+        </p:nvSpPr>
+        <p:spPr>
+          <a:xfrm>
+            <a:off x="3447360" y="5165280"/>
+            <a:ext cx="3194280" cy="389880"/>
+          </a:xfrm>
+          <a:prstGeom prst="rect">
+            <a:avLst/>
+          </a:prstGeom>
+          <a:noFill/>
+          <a:ln w="0">
+            <a:noFill/>
+          </a:ln>
+        </p:spPr>
+        <p:txBody>
+          <a:bodyPr lIns="0" rIns="0" tIns="0" bIns="0" anchor="t">
+            <a:noAutofit/>
+          </a:bodyPr>
+          <a:lstStyle>
+            <a:lvl1pPr indent="0" algn="ctr">
+              <a:lnSpc>
+                <a:spcPct val="100000"/>
+              </a:lnSpc>
+              <a:buNone/>
+              <a:tabLst>
+                <a:tab algn="l" pos="0"/>
+              </a:tabLst>
+              <a:defRPr b="0" lang="en-US" sz="1400" spc="-1" strike="noStrike">
+                <a:solidFill>
+                  <a:srgbClr val="000000"/>
+                </a:solidFill>
+                <a:latin typeface="游明朝"/>
+              </a:defRPr>
+            </a:lvl1pPr>
+          </a:lstStyle>
+          <a:p>
+            <a:pPr indent="0" algn="ctr">
+              <a:lnSpc>
+                <a:spcPct val="100000"/>
+              </a:lnSpc>
+              <a:buNone/>
+              <a:tabLst>
+                <a:tab algn="l" pos="0"/>
+              </a:tabLst>
+            </a:pPr>
+            <a:r>
+              <a:rPr b="0" lang="en-US" sz="1400" spc="-1" strike="noStrike">
+                <a:solidFill>
+                  <a:srgbClr val="000000"/>
+                </a:solidFill>
+                <a:latin typeface="游明朝"/>
+              </a:rPr>
+              <a:t>&lt;フッター&gt;</a:t>
+            </a:r>
+            <a:endParaRPr b="0" lang="en-US" sz="1400" spc="-1" strike="noStrike">
+              <a:solidFill>
+                <a:srgbClr val="000000"/>
+              </a:solidFill>
+              <a:latin typeface="游明朝"/>
+            </a:endParaRPr>
+          </a:p>
+        </p:txBody>
+      </p:sp>
+      <p:sp>
+        <p:nvSpPr>
+          <p:cNvPr id="1" name="PlaceHolder 2"/>
+          <p:cNvSpPr>
+            <a:spLocks noGrp="1"/>
+          </p:cNvSpPr>
+          <p:nvPr>
+            <p:ph type="sldNum" idx="2"/>
+          </p:nvPr>
+        </p:nvSpPr>
+        <p:spPr>
+          <a:xfrm>
+            <a:off x="7227360" y="5165280"/>
+            <a:ext cx="2347560" cy="389880"/>
+          </a:xfrm>
+          <a:prstGeom prst="rect">
+            <a:avLst/>
+          </a:prstGeom>
+          <a:noFill/>
+          <a:ln w="0">
+            <a:noFill/>
+          </a:ln>
+        </p:spPr>
+        <p:txBody>
+          <a:bodyPr lIns="0" rIns="0" tIns="0" bIns="0" anchor="t">
+            <a:noAutofit/>
+          </a:bodyPr>
+          <a:lstStyle>
+            <a:lvl1pPr indent="0" algn="r">
+              <a:lnSpc>
+                <a:spcPct val="100000"/>
+              </a:lnSpc>
+              <a:buNone/>
+              <a:tabLst>
+                <a:tab algn="l" pos="0"/>
+              </a:tabLst>
+              <a:defRPr b="0" lang="en-US" sz="1400" spc="-1" strike="noStrike">
+                <a:solidFill>
+                  <a:srgbClr val="000000"/>
+                </a:solidFill>
+                <a:latin typeface="游明朝"/>
+              </a:defRPr>
+            </a:lvl1pPr>
+          </a:lstStyle>
+          <a:p>
+            <a:pPr indent="0" algn="r">
+              <a:lnSpc>
+                <a:spcPct val="100000"/>
+              </a:lnSpc>
+              <a:buNone/>
+              <a:tabLst>
+                <a:tab algn="l" pos="0"/>
+              </a:tabLst>
+            </a:pPr>
+            <a:fld id="{5B1E9BC6-B34B-4678-9F28-8DFC5E623861}" type="slidenum">
+              <a:rPr b="0" lang="en-US" sz="1400" spc="-1" strike="noStrike">
+                <a:solidFill>
+                  <a:srgbClr val="000000"/>
+                </a:solidFill>
+                <a:latin typeface="游明朝"/>
+              </a:rPr>
+              <a:t>&lt;番号&gt;</a:t>
+            </a:fld>
+            <a:endParaRPr b="0" lang="en-US" sz="1400" spc="-1" strike="noStrike">
+              <a:solidFill>
+                <a:srgbClr val="000000"/>
+              </a:solidFill>
+              <a:latin typeface="游明朝"/>
+            </a:endParaRPr>
+          </a:p>
+        </p:txBody>
+      </p:sp>
+      <p:sp>
+        <p:nvSpPr>
+          <p:cNvPr id="2" name="PlaceHolder 3"/>
+          <p:cNvSpPr>
+            <a:spLocks noGrp="1"/>
+          </p:cNvSpPr>
+          <p:nvPr>
+            <p:ph type="dt" idx="3"/>
+          </p:nvPr>
+        </p:nvSpPr>
+        <p:spPr>
+          <a:xfrm>
+            <a:off x="504000" y="5165280"/>
+            <a:ext cx="2347560" cy="389880"/>
+          </a:xfrm>
+          <a:prstGeom prst="rect">
+            <a:avLst/>
+          </a:prstGeom>
+          <a:noFill/>
+          <a:ln w="0">
+            <a:noFill/>
+          </a:ln>
+        </p:spPr>
+        <p:txBody>
+          <a:bodyPr lIns="0" rIns="0" tIns="0" bIns="0" anchor="t">
+            <a:noAutofit/>
+          </a:bodyPr>
+          <a:lstStyle>
+            <a:lvl1pPr indent="0">
+              <a:buNone/>
+              <a:defRPr b="0" lang="en-US" sz="1400" spc="-1" strike="noStrike">
+                <a:solidFill>
+                  <a:srgbClr val="000000"/>
+                </a:solidFill>
+                <a:latin typeface="游明朝"/>
+              </a:defRPr>
+            </a:lvl1pPr>
+          </a:lstStyle>
+          <a:p>
+            <a:pPr indent="0">
+              <a:buNone/>
+            </a:pPr>
+            <a:r>
+              <a:rPr b="0" lang="en-US" sz="1400" spc="-1" strike="noStrike">
+                <a:solidFill>
+                  <a:srgbClr val="000000"/>
+                </a:solidFill>
+                <a:latin typeface="游明朝"/>
+              </a:rPr>
+              <a:t>&lt;日付/時刻&gt;</a:t>
+            </a:r>
+            <a:endParaRPr b="0" lang="en-US" sz="1400" spc="-1" strike="noStrike">
+              <a:solidFill>
+                <a:srgbClr val="000000"/>
+              </a:solidFill>
+              <a:latin typeface="游明朝"/>
+            </a:endParaRPr>
+          </a:p>
+        </p:txBody>
+      </p:sp>
+      <p:sp>
+        <p:nvSpPr>
+          <p:cNvPr id="3" name="PlaceHolder 4"/>
+          <p:cNvSpPr>
+            <a:spLocks noGrp="1"/>
+          </p:cNvSpPr>
+          <p:nvPr>
             <p:ph type="title"/>
           </p:nvPr>
         </p:nvSpPr>
         <p:spPr>
           <a:xfrm>
             <a:off x="504000" y="226080"/>
-            <a:ext cx="9071640" cy="946440"/>
-          </a:xfrm>
-          <a:prstGeom prst="rect">
-            <a:avLst/>
-          </a:prstGeom>
-          <a:solidFill>
-            <a:srgbClr val="dee6ef"/>
-          </a:solidFill>
-          <a:ln w="0">
-            <a:solidFill>
-              <a:srgbClr val="3465a4"/>
-            </a:solidFill>
+            <a:ext cx="9072000" cy="946440"/>
+          </a:xfrm>
+          <a:prstGeom prst="rect">
+            <a:avLst/>
+          </a:prstGeom>
+          <a:noFill/>
+          <a:ln w="0">
+            <a:noFill/>
           </a:ln>
         </p:spPr>
         <p:txBody>
@@ -2637,7 +5303,7 @@
       </p:sp>
       <p:sp>
         <p:nvSpPr>
-          <p:cNvPr id="1" name="PlaceHolder 2"/>
+          <p:cNvPr id="4" name="PlaceHolder 5"/>
           <p:cNvSpPr>
             <a:spLocks noGrp="1"/>
           </p:cNvSpPr>
@@ -2648,7 +5314,7 @@
         <p:spPr>
           <a:xfrm>
             <a:off x="504000" y="1326600"/>
-            <a:ext cx="9071640" cy="3288240"/>
+            <a:ext cx="9072000" cy="3288600"/>
           </a:xfrm>
           <a:prstGeom prst="rect">
             <a:avLst/>
@@ -2910,186 +5576,6 @@
                 <a:srgbClr val="000000"/>
               </a:solidFill>
               <a:latin typeface="Arial"/>
-            </a:endParaRPr>
-          </a:p>
-        </p:txBody>
-      </p:sp>
-      <p:sp>
-        <p:nvSpPr>
-          <p:cNvPr id="2" name="PlaceHolder 3"/>
-          <p:cNvSpPr>
-            <a:spLocks noGrp="1"/>
-          </p:cNvSpPr>
-          <p:nvPr>
-            <p:ph type="dt" idx="1"/>
-          </p:nvPr>
-        </p:nvSpPr>
-        <p:spPr>
-          <a:xfrm>
-            <a:off x="504000" y="5165280"/>
-            <a:ext cx="2348280" cy="390600"/>
-          </a:xfrm>
-          <a:prstGeom prst="rect">
-            <a:avLst/>
-          </a:prstGeom>
-          <a:noFill/>
-          <a:ln w="0">
-            <a:noFill/>
-          </a:ln>
-        </p:spPr>
-        <p:txBody>
-          <a:bodyPr lIns="0" rIns="0" tIns="0" bIns="0" anchor="t">
-            <a:noAutofit/>
-          </a:bodyPr>
-          <a:lstStyle>
-            <a:lvl1pPr indent="0">
-              <a:buNone/>
-              <a:defRPr b="0" lang="en-US" sz="1400" spc="-1" strike="noStrike">
-                <a:solidFill>
-                  <a:srgbClr val="000000"/>
-                </a:solidFill>
-                <a:latin typeface="游明朝"/>
-              </a:defRPr>
-            </a:lvl1pPr>
-          </a:lstStyle>
-          <a:p>
-            <a:pPr indent="0">
-              <a:buNone/>
-            </a:pPr>
-            <a:r>
-              <a:rPr b="0" lang="en-US" sz="1400" spc="-1" strike="noStrike">
-                <a:solidFill>
-                  <a:srgbClr val="000000"/>
-                </a:solidFill>
-                <a:latin typeface="游明朝"/>
-              </a:rPr>
-              <a:t>&lt;日付/時刻&gt;</a:t>
-            </a:r>
-            <a:endParaRPr b="0" lang="en-US" sz="1400" spc="-1" strike="noStrike">
-              <a:solidFill>
-                <a:srgbClr val="000000"/>
-              </a:solidFill>
-              <a:latin typeface="游明朝"/>
-            </a:endParaRPr>
-          </a:p>
-        </p:txBody>
-      </p:sp>
-      <p:sp>
-        <p:nvSpPr>
-          <p:cNvPr id="3" name="PlaceHolder 4"/>
-          <p:cNvSpPr>
-            <a:spLocks noGrp="1"/>
-          </p:cNvSpPr>
-          <p:nvPr>
-            <p:ph type="ftr" idx="2"/>
-          </p:nvPr>
-        </p:nvSpPr>
-        <p:spPr>
-          <a:xfrm>
-            <a:off x="3447360" y="5165280"/>
-            <a:ext cx="3195000" cy="390600"/>
-          </a:xfrm>
-          <a:prstGeom prst="rect">
-            <a:avLst/>
-          </a:prstGeom>
-          <a:noFill/>
-          <a:ln w="0">
-            <a:noFill/>
-          </a:ln>
-        </p:spPr>
-        <p:txBody>
-          <a:bodyPr lIns="0" rIns="0" tIns="0" bIns="0" anchor="t">
-            <a:noAutofit/>
-          </a:bodyPr>
-          <a:lstStyle>
-            <a:lvl1pPr indent="0" algn="ctr">
-              <a:buNone/>
-              <a:defRPr b="0" lang="en-US" sz="1400" spc="-1" strike="noStrike">
-                <a:solidFill>
-                  <a:srgbClr val="000000"/>
-                </a:solidFill>
-                <a:latin typeface="游明朝"/>
-              </a:defRPr>
-            </a:lvl1pPr>
-          </a:lstStyle>
-          <a:p>
-            <a:pPr indent="0" algn="ctr">
-              <a:buNone/>
-            </a:pPr>
-            <a:r>
-              <a:rPr b="0" lang="en-US" sz="1400" spc="-1" strike="noStrike">
-                <a:solidFill>
-                  <a:srgbClr val="000000"/>
-                </a:solidFill>
-                <a:latin typeface="游明朝"/>
-              </a:rPr>
-              <a:t>&lt;フッター&gt;</a:t>
-            </a:r>
-            <a:endParaRPr b="0" lang="en-US" sz="1400" spc="-1" strike="noStrike">
-              <a:solidFill>
-                <a:srgbClr val="000000"/>
-              </a:solidFill>
-              <a:latin typeface="游明朝"/>
-            </a:endParaRPr>
-          </a:p>
-        </p:txBody>
-      </p:sp>
-      <p:sp>
-        <p:nvSpPr>
-          <p:cNvPr id="4" name="PlaceHolder 5"/>
-          <p:cNvSpPr>
-            <a:spLocks noGrp="1"/>
-          </p:cNvSpPr>
-          <p:nvPr>
-            <p:ph type="sldNum" idx="3"/>
-          </p:nvPr>
-        </p:nvSpPr>
-        <p:spPr>
-          <a:xfrm>
-            <a:off x="7227360" y="5165280"/>
-            <a:ext cx="2348280" cy="390600"/>
-          </a:xfrm>
-          <a:prstGeom prst="rect">
-            <a:avLst/>
-          </a:prstGeom>
-          <a:noFill/>
-          <a:ln w="0">
-            <a:noFill/>
-          </a:ln>
-        </p:spPr>
-        <p:txBody>
-          <a:bodyPr lIns="0" rIns="0" tIns="0" bIns="0" anchor="t">
-            <a:noAutofit/>
-          </a:bodyPr>
-          <a:lstStyle>
-            <a:lvl1pPr indent="0" algn="r">
-              <a:buNone/>
-              <a:defRPr b="0" lang="en-US" sz="1400" spc="-1" strike="noStrike">
-                <a:solidFill>
-                  <a:srgbClr val="000000"/>
-                </a:solidFill>
-                <a:latin typeface="游明朝"/>
-              </a:defRPr>
-            </a:lvl1pPr>
-          </a:lstStyle>
-          <a:p>
-            <a:pPr indent="0" algn="r">
-              <a:buNone/>
-            </a:pPr>
-            <a:fld id="{59B76512-CF77-43C6-8939-61CC58CC9502}" type="slidenum">
-              <a:rPr b="0" lang="en-US" sz="1400" spc="-1" strike="noStrike">
-                <a:solidFill>
-                  <a:srgbClr val="000000"/>
-                </a:solidFill>
-                <a:latin typeface="游明朝"/>
-              </a:rPr>
-              <a:t>&lt;番号&gt;</a:t>
-            </a:fld>
-            <a:endParaRPr b="0" lang="en-US" sz="1400" spc="-1" strike="noStrike">
-              <a:solidFill>
-                <a:srgbClr val="000000"/>
-              </a:solidFill>
-              <a:latin typeface="游明朝"/>
             </a:endParaRPr>
           </a:p>
         </p:txBody>
@@ -3110,6 +5596,854 @@
     <p:sldLayoutId id="2147483658" r:id="rId11"/>
     <p:sldLayoutId id="2147483659" r:id="rId12"/>
     <p:sldLayoutId id="2147483660" r:id="rId13"/>
+  </p:sldLayoutIdLst>
+</p:sldMaster>
+</file>
+
+<file path=ppt/slideMasters/slideMaster2.xml><?xml version="1.0" encoding="utf-8"?>
+<p:sldMaster xmlns:a="http://schemas.openxmlformats.org/drawingml/2006/main" xmlns:p="http://schemas.openxmlformats.org/presentationml/2006/main" xmlns:r="http://schemas.openxmlformats.org/officeDocument/2006/relationships" xmlns:p14="http://schemas.microsoft.com/office/powerpoint/2010/main" xmlns:p15="http://schemas.microsoft.com/office/powerpoint/2012/main" xmlns:mc="http://schemas.openxmlformats.org/markup-compatibility/2006">
+  <p:cSld>
+    <p:spTree>
+      <p:nvGrpSpPr>
+        <p:cNvPr id="1" name=""/>
+        <p:cNvGrpSpPr/>
+        <p:nvPr/>
+      </p:nvGrpSpPr>
+      <p:grpSpPr>
+        <a:xfrm>
+          <a:off x="0" y="0"/>
+          <a:ext cx="0" cy="0"/>
+          <a:chOff x="0" y="0"/>
+          <a:chExt cx="0" cy="0"/>
+        </a:xfrm>
+      </p:grpSpPr>
+      <p:sp>
+        <p:nvSpPr>
+          <p:cNvPr id="41" name="PlaceHolder 1"/>
+          <p:cNvSpPr>
+            <a:spLocks noGrp="1"/>
+          </p:cNvSpPr>
+          <p:nvPr>
+            <p:ph type="title"/>
+          </p:nvPr>
+        </p:nvSpPr>
+        <p:spPr>
+          <a:xfrm>
+            <a:off x="504000" y="226080"/>
+            <a:ext cx="9070920" cy="945720"/>
+          </a:xfrm>
+          <a:prstGeom prst="rect">
+            <a:avLst/>
+          </a:prstGeom>
+          <a:noFill/>
+          <a:ln w="0">
+            <a:noFill/>
+          </a:ln>
+        </p:spPr>
+        <p:txBody>
+          <a:bodyPr lIns="0" rIns="0" tIns="0" bIns="0" anchor="ctr">
+            <a:noAutofit/>
+          </a:bodyPr>
+          <a:p>
+            <a:pPr indent="0">
+              <a:buNone/>
+            </a:pPr>
+            <a:r>
+              <a:rPr b="0" lang="ja-JP" sz="1800" spc="-1" strike="noStrike">
+                <a:solidFill>
+                  <a:srgbClr val="000000"/>
+                </a:solidFill>
+                <a:latin typeface="Arial"/>
+              </a:rPr>
+              <a:t>クリックしてタイトルテキストを編集</a:t>
+            </a:r>
+            <a:endParaRPr b="0" lang="en-US" sz="1800" spc="-1" strike="noStrike">
+              <a:solidFill>
+                <a:srgbClr val="000000"/>
+              </a:solidFill>
+              <a:latin typeface="Arial"/>
+            </a:endParaRPr>
+          </a:p>
+        </p:txBody>
+      </p:sp>
+      <p:sp>
+        <p:nvSpPr>
+          <p:cNvPr id="42" name="PlaceHolder 2"/>
+          <p:cNvSpPr>
+            <a:spLocks noGrp="1"/>
+          </p:cNvSpPr>
+          <p:nvPr>
+            <p:ph type="body"/>
+          </p:nvPr>
+        </p:nvSpPr>
+        <p:spPr>
+          <a:xfrm>
+            <a:off x="504000" y="1326600"/>
+            <a:ext cx="9070920" cy="747360"/>
+          </a:xfrm>
+          <a:prstGeom prst="rect">
+            <a:avLst/>
+          </a:prstGeom>
+          <a:noFill/>
+          <a:ln w="0">
+            <a:noFill/>
+          </a:ln>
+        </p:spPr>
+        <p:txBody>
+          <a:bodyPr lIns="0" rIns="0" tIns="0" bIns="0" anchor="t">
+            <a:normAutofit fontScale="26000"/>
+          </a:bodyPr>
+          <a:p>
+            <a:pPr marL="112320" indent="-84240">
+              <a:spcBef>
+                <a:spcPts val="1417"/>
+              </a:spcBef>
+              <a:buClr>
+                <a:srgbClr val="000000"/>
+              </a:buClr>
+              <a:buSzPct val="45000"/>
+              <a:buFont typeface="Wingdings" charset="2"/>
+              <a:buChar char=""/>
+            </a:pPr>
+            <a:r>
+              <a:rPr b="0" lang="ja-JP" sz="1800" spc="-1" strike="noStrike">
+                <a:solidFill>
+                  <a:srgbClr val="000000"/>
+                </a:solidFill>
+                <a:latin typeface="Arial"/>
+              </a:rPr>
+              <a:t>クリックしてアウトラインのテキストを編集</a:t>
+            </a:r>
+            <a:endParaRPr b="0" lang="en-US" sz="1800" spc="-1" strike="noStrike">
+              <a:solidFill>
+                <a:srgbClr val="000000"/>
+              </a:solidFill>
+              <a:latin typeface="Arial"/>
+            </a:endParaRPr>
+          </a:p>
+          <a:p>
+            <a:pPr lvl="1" marL="224640" indent="-84240">
+              <a:spcBef>
+                <a:spcPts val="1134"/>
+              </a:spcBef>
+              <a:buClr>
+                <a:srgbClr val="000000"/>
+              </a:buClr>
+              <a:buSzPct val="75000"/>
+              <a:buFont typeface="Symbol" charset="2"/>
+              <a:buChar char=""/>
+            </a:pPr>
+            <a:r>
+              <a:rPr b="0" lang="en-US" sz="1800" spc="-1" strike="noStrike">
+                <a:solidFill>
+                  <a:srgbClr val="000000"/>
+                </a:solidFill>
+                <a:latin typeface="Arial"/>
+              </a:rPr>
+              <a:t>2</a:t>
+            </a:r>
+            <a:r>
+              <a:rPr b="0" lang="ja-JP" sz="1800" spc="-1" strike="noStrike">
+                <a:solidFill>
+                  <a:srgbClr val="000000"/>
+                </a:solidFill>
+                <a:latin typeface="Arial"/>
+              </a:rPr>
+              <a:t>レベル目のアウトライン</a:t>
+            </a:r>
+            <a:endParaRPr b="0" lang="en-US" sz="1800" spc="-1" strike="noStrike">
+              <a:solidFill>
+                <a:srgbClr val="000000"/>
+              </a:solidFill>
+              <a:latin typeface="Arial"/>
+            </a:endParaRPr>
+          </a:p>
+          <a:p>
+            <a:pPr lvl="2" marL="336960" indent="-74880">
+              <a:spcBef>
+                <a:spcPts val="850"/>
+              </a:spcBef>
+              <a:buClr>
+                <a:srgbClr val="000000"/>
+              </a:buClr>
+              <a:buSzPct val="45000"/>
+              <a:buFont typeface="Wingdings" charset="2"/>
+              <a:buChar char=""/>
+            </a:pPr>
+            <a:r>
+              <a:rPr b="0" lang="en-US" sz="1800" spc="-1" strike="noStrike">
+                <a:solidFill>
+                  <a:srgbClr val="000000"/>
+                </a:solidFill>
+                <a:latin typeface="Arial"/>
+              </a:rPr>
+              <a:t>3</a:t>
+            </a:r>
+            <a:r>
+              <a:rPr b="0" lang="ja-JP" sz="1800" spc="-1" strike="noStrike">
+                <a:solidFill>
+                  <a:srgbClr val="000000"/>
+                </a:solidFill>
+                <a:latin typeface="Arial"/>
+              </a:rPr>
+              <a:t>レベル目のアウトライン</a:t>
+            </a:r>
+            <a:endParaRPr b="0" lang="en-US" sz="1800" spc="-1" strike="noStrike">
+              <a:solidFill>
+                <a:srgbClr val="000000"/>
+              </a:solidFill>
+              <a:latin typeface="Arial"/>
+            </a:endParaRPr>
+          </a:p>
+          <a:p>
+            <a:pPr lvl="3" marL="449280" indent="-56160">
+              <a:spcBef>
+                <a:spcPts val="567"/>
+              </a:spcBef>
+              <a:buClr>
+                <a:srgbClr val="000000"/>
+              </a:buClr>
+              <a:buSzPct val="75000"/>
+              <a:buFont typeface="Symbol" charset="2"/>
+              <a:buChar char=""/>
+            </a:pPr>
+            <a:r>
+              <a:rPr b="0" lang="en-US" sz="1800" spc="-1" strike="noStrike">
+                <a:solidFill>
+                  <a:srgbClr val="000000"/>
+                </a:solidFill>
+                <a:latin typeface="Arial"/>
+              </a:rPr>
+              <a:t>4</a:t>
+            </a:r>
+            <a:r>
+              <a:rPr b="0" lang="ja-JP" sz="1800" spc="-1" strike="noStrike">
+                <a:solidFill>
+                  <a:srgbClr val="000000"/>
+                </a:solidFill>
+                <a:latin typeface="Arial"/>
+              </a:rPr>
+              <a:t>レベル目のアウトライン</a:t>
+            </a:r>
+            <a:endParaRPr b="0" lang="en-US" sz="1800" spc="-1" strike="noStrike">
+              <a:solidFill>
+                <a:srgbClr val="000000"/>
+              </a:solidFill>
+              <a:latin typeface="Arial"/>
+            </a:endParaRPr>
+          </a:p>
+          <a:p>
+            <a:pPr lvl="4" marL="561600" indent="-56160">
+              <a:spcBef>
+                <a:spcPts val="283"/>
+              </a:spcBef>
+              <a:buClr>
+                <a:srgbClr val="000000"/>
+              </a:buClr>
+              <a:buSzPct val="45000"/>
+              <a:buFont typeface="Wingdings" charset="2"/>
+              <a:buChar char=""/>
+            </a:pPr>
+            <a:r>
+              <a:rPr b="0" lang="en-US" sz="1800" spc="-1" strike="noStrike">
+                <a:solidFill>
+                  <a:srgbClr val="000000"/>
+                </a:solidFill>
+                <a:latin typeface="Arial"/>
+              </a:rPr>
+              <a:t>5</a:t>
+            </a:r>
+            <a:r>
+              <a:rPr b="0" lang="ja-JP" sz="1800" spc="-1" strike="noStrike">
+                <a:solidFill>
+                  <a:srgbClr val="000000"/>
+                </a:solidFill>
+                <a:latin typeface="Arial"/>
+              </a:rPr>
+              <a:t>レベル目のアウトライン</a:t>
+            </a:r>
+            <a:endParaRPr b="0" lang="en-US" sz="1800" spc="-1" strike="noStrike">
+              <a:solidFill>
+                <a:srgbClr val="000000"/>
+              </a:solidFill>
+              <a:latin typeface="Arial"/>
+            </a:endParaRPr>
+          </a:p>
+          <a:p>
+            <a:pPr lvl="5" marL="673920" indent="-56160">
+              <a:spcBef>
+                <a:spcPts val="283"/>
+              </a:spcBef>
+              <a:buClr>
+                <a:srgbClr val="000000"/>
+              </a:buClr>
+              <a:buSzPct val="45000"/>
+              <a:buFont typeface="Wingdings" charset="2"/>
+              <a:buChar char=""/>
+            </a:pPr>
+            <a:r>
+              <a:rPr b="0" lang="en-US" sz="1800" spc="-1" strike="noStrike">
+                <a:solidFill>
+                  <a:srgbClr val="000000"/>
+                </a:solidFill>
+                <a:latin typeface="Arial"/>
+              </a:rPr>
+              <a:t>6</a:t>
+            </a:r>
+            <a:r>
+              <a:rPr b="0" lang="ja-JP" sz="1800" spc="-1" strike="noStrike">
+                <a:solidFill>
+                  <a:srgbClr val="000000"/>
+                </a:solidFill>
+                <a:latin typeface="Arial"/>
+              </a:rPr>
+              <a:t>レベル目のアウトライン</a:t>
+            </a:r>
+            <a:endParaRPr b="0" lang="en-US" sz="1800" spc="-1" strike="noStrike">
+              <a:solidFill>
+                <a:srgbClr val="000000"/>
+              </a:solidFill>
+              <a:latin typeface="Arial"/>
+            </a:endParaRPr>
+          </a:p>
+          <a:p>
+            <a:pPr lvl="6" marL="786240" indent="-56160">
+              <a:spcBef>
+                <a:spcPts val="283"/>
+              </a:spcBef>
+              <a:buClr>
+                <a:srgbClr val="000000"/>
+              </a:buClr>
+              <a:buSzPct val="45000"/>
+              <a:buFont typeface="Wingdings" charset="2"/>
+              <a:buChar char=""/>
+            </a:pPr>
+            <a:r>
+              <a:rPr b="0" lang="en-US" sz="1800" spc="-1" strike="noStrike">
+                <a:solidFill>
+                  <a:srgbClr val="000000"/>
+                </a:solidFill>
+                <a:latin typeface="Arial"/>
+              </a:rPr>
+              <a:t>7</a:t>
+            </a:r>
+            <a:r>
+              <a:rPr b="0" lang="ja-JP" sz="1800" spc="-1" strike="noStrike">
+                <a:solidFill>
+                  <a:srgbClr val="000000"/>
+                </a:solidFill>
+                <a:latin typeface="Arial"/>
+              </a:rPr>
+              <a:t>レベル目のアウトライン</a:t>
+            </a:r>
+            <a:endParaRPr b="0" lang="en-US" sz="1800" spc="-1" strike="noStrike">
+              <a:solidFill>
+                <a:srgbClr val="000000"/>
+              </a:solidFill>
+              <a:latin typeface="Arial"/>
+            </a:endParaRPr>
+          </a:p>
+        </p:txBody>
+      </p:sp>
+      <p:sp>
+        <p:nvSpPr>
+          <p:cNvPr id="43" name="PlaceHolder 3"/>
+          <p:cNvSpPr>
+            <a:spLocks noGrp="1"/>
+          </p:cNvSpPr>
+          <p:nvPr>
+            <p:ph type="body"/>
+          </p:nvPr>
+        </p:nvSpPr>
+        <p:spPr>
+          <a:xfrm>
+            <a:off x="504000" y="2145600"/>
+            <a:ext cx="9070920" cy="747360"/>
+          </a:xfrm>
+          <a:prstGeom prst="rect">
+            <a:avLst/>
+          </a:prstGeom>
+          <a:noFill/>
+          <a:ln w="0">
+            <a:noFill/>
+          </a:ln>
+        </p:spPr>
+        <p:txBody>
+          <a:bodyPr lIns="0" rIns="0" tIns="0" bIns="0" anchor="t">
+            <a:normAutofit fontScale="26000"/>
+          </a:bodyPr>
+          <a:p>
+            <a:pPr marL="112320" indent="-84240">
+              <a:spcBef>
+                <a:spcPts val="1417"/>
+              </a:spcBef>
+              <a:buClr>
+                <a:srgbClr val="000000"/>
+              </a:buClr>
+              <a:buSzPct val="45000"/>
+              <a:buFont typeface="Wingdings" charset="2"/>
+              <a:buChar char=""/>
+            </a:pPr>
+            <a:r>
+              <a:rPr b="0" lang="ja-JP" sz="1800" spc="-1" strike="noStrike">
+                <a:solidFill>
+                  <a:srgbClr val="000000"/>
+                </a:solidFill>
+                <a:latin typeface="Arial"/>
+              </a:rPr>
+              <a:t>クリックしてアウトラインのテキストを編集</a:t>
+            </a:r>
+            <a:endParaRPr b="0" lang="en-US" sz="1800" spc="-1" strike="noStrike">
+              <a:solidFill>
+                <a:srgbClr val="000000"/>
+              </a:solidFill>
+              <a:latin typeface="Arial"/>
+            </a:endParaRPr>
+          </a:p>
+          <a:p>
+            <a:pPr lvl="1" marL="224640" indent="-84240">
+              <a:spcBef>
+                <a:spcPts val="1134"/>
+              </a:spcBef>
+              <a:buClr>
+                <a:srgbClr val="000000"/>
+              </a:buClr>
+              <a:buSzPct val="75000"/>
+              <a:buFont typeface="Symbol" charset="2"/>
+              <a:buChar char=""/>
+            </a:pPr>
+            <a:r>
+              <a:rPr b="0" lang="en-US" sz="1800" spc="-1" strike="noStrike">
+                <a:solidFill>
+                  <a:srgbClr val="000000"/>
+                </a:solidFill>
+                <a:latin typeface="Arial"/>
+              </a:rPr>
+              <a:t>2</a:t>
+            </a:r>
+            <a:r>
+              <a:rPr b="0" lang="ja-JP" sz="1800" spc="-1" strike="noStrike">
+                <a:solidFill>
+                  <a:srgbClr val="000000"/>
+                </a:solidFill>
+                <a:latin typeface="Arial"/>
+              </a:rPr>
+              <a:t>レベル目のアウトライン</a:t>
+            </a:r>
+            <a:endParaRPr b="0" lang="en-US" sz="1800" spc="-1" strike="noStrike">
+              <a:solidFill>
+                <a:srgbClr val="000000"/>
+              </a:solidFill>
+              <a:latin typeface="Arial"/>
+            </a:endParaRPr>
+          </a:p>
+          <a:p>
+            <a:pPr lvl="2" marL="336960" indent="-74880">
+              <a:spcBef>
+                <a:spcPts val="850"/>
+              </a:spcBef>
+              <a:buClr>
+                <a:srgbClr val="000000"/>
+              </a:buClr>
+              <a:buSzPct val="45000"/>
+              <a:buFont typeface="Wingdings" charset="2"/>
+              <a:buChar char=""/>
+            </a:pPr>
+            <a:r>
+              <a:rPr b="0" lang="en-US" sz="1800" spc="-1" strike="noStrike">
+                <a:solidFill>
+                  <a:srgbClr val="000000"/>
+                </a:solidFill>
+                <a:latin typeface="Arial"/>
+              </a:rPr>
+              <a:t>3</a:t>
+            </a:r>
+            <a:r>
+              <a:rPr b="0" lang="ja-JP" sz="1800" spc="-1" strike="noStrike">
+                <a:solidFill>
+                  <a:srgbClr val="000000"/>
+                </a:solidFill>
+                <a:latin typeface="Arial"/>
+              </a:rPr>
+              <a:t>レベル目のアウトライン</a:t>
+            </a:r>
+            <a:endParaRPr b="0" lang="en-US" sz="1800" spc="-1" strike="noStrike">
+              <a:solidFill>
+                <a:srgbClr val="000000"/>
+              </a:solidFill>
+              <a:latin typeface="Arial"/>
+            </a:endParaRPr>
+          </a:p>
+          <a:p>
+            <a:pPr lvl="3" marL="449280" indent="-56160">
+              <a:spcBef>
+                <a:spcPts val="567"/>
+              </a:spcBef>
+              <a:buClr>
+                <a:srgbClr val="000000"/>
+              </a:buClr>
+              <a:buSzPct val="75000"/>
+              <a:buFont typeface="Symbol" charset="2"/>
+              <a:buChar char=""/>
+            </a:pPr>
+            <a:r>
+              <a:rPr b="0" lang="en-US" sz="1800" spc="-1" strike="noStrike">
+                <a:solidFill>
+                  <a:srgbClr val="000000"/>
+                </a:solidFill>
+                <a:latin typeface="Arial"/>
+              </a:rPr>
+              <a:t>4</a:t>
+            </a:r>
+            <a:r>
+              <a:rPr b="0" lang="ja-JP" sz="1800" spc="-1" strike="noStrike">
+                <a:solidFill>
+                  <a:srgbClr val="000000"/>
+                </a:solidFill>
+                <a:latin typeface="Arial"/>
+              </a:rPr>
+              <a:t>レベル目のアウトライン</a:t>
+            </a:r>
+            <a:endParaRPr b="0" lang="en-US" sz="1800" spc="-1" strike="noStrike">
+              <a:solidFill>
+                <a:srgbClr val="000000"/>
+              </a:solidFill>
+              <a:latin typeface="Arial"/>
+            </a:endParaRPr>
+          </a:p>
+          <a:p>
+            <a:pPr lvl="4" marL="561600" indent="-56160">
+              <a:spcBef>
+                <a:spcPts val="283"/>
+              </a:spcBef>
+              <a:buClr>
+                <a:srgbClr val="000000"/>
+              </a:buClr>
+              <a:buSzPct val="45000"/>
+              <a:buFont typeface="Wingdings" charset="2"/>
+              <a:buChar char=""/>
+            </a:pPr>
+            <a:r>
+              <a:rPr b="0" lang="en-US" sz="1800" spc="-1" strike="noStrike">
+                <a:solidFill>
+                  <a:srgbClr val="000000"/>
+                </a:solidFill>
+                <a:latin typeface="Arial"/>
+              </a:rPr>
+              <a:t>5</a:t>
+            </a:r>
+            <a:r>
+              <a:rPr b="0" lang="ja-JP" sz="1800" spc="-1" strike="noStrike">
+                <a:solidFill>
+                  <a:srgbClr val="000000"/>
+                </a:solidFill>
+                <a:latin typeface="Arial"/>
+              </a:rPr>
+              <a:t>レベル目のアウトライン</a:t>
+            </a:r>
+            <a:endParaRPr b="0" lang="en-US" sz="1800" spc="-1" strike="noStrike">
+              <a:solidFill>
+                <a:srgbClr val="000000"/>
+              </a:solidFill>
+              <a:latin typeface="Arial"/>
+            </a:endParaRPr>
+          </a:p>
+          <a:p>
+            <a:pPr lvl="5" marL="673920" indent="-56160">
+              <a:spcBef>
+                <a:spcPts val="283"/>
+              </a:spcBef>
+              <a:buClr>
+                <a:srgbClr val="000000"/>
+              </a:buClr>
+              <a:buSzPct val="45000"/>
+              <a:buFont typeface="Wingdings" charset="2"/>
+              <a:buChar char=""/>
+            </a:pPr>
+            <a:r>
+              <a:rPr b="0" lang="en-US" sz="1800" spc="-1" strike="noStrike">
+                <a:solidFill>
+                  <a:srgbClr val="000000"/>
+                </a:solidFill>
+                <a:latin typeface="Arial"/>
+              </a:rPr>
+              <a:t>6</a:t>
+            </a:r>
+            <a:r>
+              <a:rPr b="0" lang="ja-JP" sz="1800" spc="-1" strike="noStrike">
+                <a:solidFill>
+                  <a:srgbClr val="000000"/>
+                </a:solidFill>
+                <a:latin typeface="Arial"/>
+              </a:rPr>
+              <a:t>レベル目のアウトライン</a:t>
+            </a:r>
+            <a:endParaRPr b="0" lang="en-US" sz="1800" spc="-1" strike="noStrike">
+              <a:solidFill>
+                <a:srgbClr val="000000"/>
+              </a:solidFill>
+              <a:latin typeface="Arial"/>
+            </a:endParaRPr>
+          </a:p>
+          <a:p>
+            <a:pPr lvl="6" marL="786240" indent="-56160">
+              <a:spcBef>
+                <a:spcPts val="283"/>
+              </a:spcBef>
+              <a:buClr>
+                <a:srgbClr val="000000"/>
+              </a:buClr>
+              <a:buSzPct val="45000"/>
+              <a:buFont typeface="Wingdings" charset="2"/>
+              <a:buChar char=""/>
+            </a:pPr>
+            <a:r>
+              <a:rPr b="0" lang="en-US" sz="1800" spc="-1" strike="noStrike">
+                <a:solidFill>
+                  <a:srgbClr val="000000"/>
+                </a:solidFill>
+                <a:latin typeface="Arial"/>
+              </a:rPr>
+              <a:t>7</a:t>
+            </a:r>
+            <a:r>
+              <a:rPr b="0" lang="ja-JP" sz="1800" spc="-1" strike="noStrike">
+                <a:solidFill>
+                  <a:srgbClr val="000000"/>
+                </a:solidFill>
+                <a:latin typeface="Arial"/>
+              </a:rPr>
+              <a:t>レベル目のアウトライン</a:t>
+            </a:r>
+            <a:endParaRPr b="0" lang="en-US" sz="1800" spc="-1" strike="noStrike">
+              <a:solidFill>
+                <a:srgbClr val="000000"/>
+              </a:solidFill>
+              <a:latin typeface="Arial"/>
+            </a:endParaRPr>
+          </a:p>
+        </p:txBody>
+      </p:sp>
+      <p:sp>
+        <p:nvSpPr>
+          <p:cNvPr id="44" name="PlaceHolder 4"/>
+          <p:cNvSpPr>
+            <a:spLocks noGrp="1"/>
+          </p:cNvSpPr>
+          <p:nvPr>
+            <p:ph type="ftr" idx="4"/>
+          </p:nvPr>
+        </p:nvSpPr>
+        <p:spPr>
+          <a:xfrm>
+            <a:off x="3447360" y="5165280"/>
+            <a:ext cx="3194280" cy="389880"/>
+          </a:xfrm>
+          <a:prstGeom prst="rect">
+            <a:avLst/>
+          </a:prstGeom>
+          <a:noFill/>
+          <a:ln w="0">
+            <a:noFill/>
+          </a:ln>
+        </p:spPr>
+        <p:txBody>
+          <a:bodyPr lIns="0" rIns="0" tIns="0" bIns="0" anchor="t">
+            <a:noAutofit/>
+          </a:bodyPr>
+          <a:lstStyle>
+            <a:lvl1pPr indent="0" algn="ctr">
+              <a:lnSpc>
+                <a:spcPct val="100000"/>
+              </a:lnSpc>
+              <a:buNone/>
+              <a:tabLst>
+                <a:tab algn="l" pos="0"/>
+              </a:tabLst>
+              <a:defRPr b="0" lang="en-US" sz="1400" spc="-1" strike="noStrike">
+                <a:solidFill>
+                  <a:srgbClr val="000000"/>
+                </a:solidFill>
+                <a:latin typeface="游明朝"/>
+              </a:defRPr>
+            </a:lvl1pPr>
+          </a:lstStyle>
+          <a:p>
+            <a:pPr indent="0" algn="ctr">
+              <a:lnSpc>
+                <a:spcPct val="100000"/>
+              </a:lnSpc>
+              <a:buNone/>
+              <a:tabLst>
+                <a:tab algn="l" pos="0"/>
+              </a:tabLst>
+            </a:pPr>
+            <a:r>
+              <a:rPr b="0" lang="en-US" sz="1400" spc="-1" strike="noStrike">
+                <a:solidFill>
+                  <a:srgbClr val="000000"/>
+                </a:solidFill>
+                <a:latin typeface="游明朝"/>
+              </a:rPr>
+              <a:t>&lt;フッター&gt;</a:t>
+            </a:r>
+            <a:endParaRPr b="0" lang="en-US" sz="1400" spc="-1" strike="noStrike">
+              <a:solidFill>
+                <a:srgbClr val="000000"/>
+              </a:solidFill>
+              <a:latin typeface="游明朝"/>
+            </a:endParaRPr>
+          </a:p>
+        </p:txBody>
+      </p:sp>
+      <p:sp>
+        <p:nvSpPr>
+          <p:cNvPr id="45" name="PlaceHolder 5"/>
+          <p:cNvSpPr>
+            <a:spLocks noGrp="1"/>
+          </p:cNvSpPr>
+          <p:nvPr>
+            <p:ph type="sldNum" idx="5"/>
+          </p:nvPr>
+        </p:nvSpPr>
+        <p:spPr>
+          <a:xfrm>
+            <a:off x="7227360" y="5165280"/>
+            <a:ext cx="2347560" cy="389880"/>
+          </a:xfrm>
+          <a:prstGeom prst="rect">
+            <a:avLst/>
+          </a:prstGeom>
+          <a:noFill/>
+          <a:ln w="0">
+            <a:noFill/>
+          </a:ln>
+        </p:spPr>
+        <p:txBody>
+          <a:bodyPr lIns="0" rIns="0" tIns="0" bIns="0" anchor="t">
+            <a:noAutofit/>
+          </a:bodyPr>
+          <a:lstStyle>
+            <a:lvl1pPr indent="0" algn="r">
+              <a:lnSpc>
+                <a:spcPct val="100000"/>
+              </a:lnSpc>
+              <a:buNone/>
+              <a:tabLst>
+                <a:tab algn="l" pos="0"/>
+              </a:tabLst>
+              <a:defRPr b="0" lang="en-US" sz="1400" spc="-1" strike="noStrike">
+                <a:solidFill>
+                  <a:srgbClr val="000000"/>
+                </a:solidFill>
+                <a:latin typeface="游明朝"/>
+              </a:defRPr>
+            </a:lvl1pPr>
+          </a:lstStyle>
+          <a:p>
+            <a:pPr indent="0" algn="r">
+              <a:lnSpc>
+                <a:spcPct val="100000"/>
+              </a:lnSpc>
+              <a:buNone/>
+              <a:tabLst>
+                <a:tab algn="l" pos="0"/>
+              </a:tabLst>
+            </a:pPr>
+            <a:fld id="{EFC2486E-FFC1-4C5F-A53C-F8CE28FDDBD5}" type="slidenum">
+              <a:rPr b="0" lang="en-US" sz="1400" spc="-1" strike="noStrike">
+                <a:solidFill>
+                  <a:srgbClr val="000000"/>
+                </a:solidFill>
+                <a:latin typeface="游明朝"/>
+              </a:rPr>
+              <a:t>&lt;番号&gt;</a:t>
+            </a:fld>
+            <a:endParaRPr b="0" lang="en-US" sz="1400" spc="-1" strike="noStrike">
+              <a:solidFill>
+                <a:srgbClr val="000000"/>
+              </a:solidFill>
+              <a:latin typeface="游明朝"/>
+            </a:endParaRPr>
+          </a:p>
+        </p:txBody>
+      </p:sp>
+      <p:sp>
+        <p:nvSpPr>
+          <p:cNvPr id="46" name="PlaceHolder 6"/>
+          <p:cNvSpPr>
+            <a:spLocks noGrp="1"/>
+          </p:cNvSpPr>
+          <p:nvPr>
+            <p:ph type="dt" idx="6"/>
+          </p:nvPr>
+        </p:nvSpPr>
+        <p:spPr>
+          <a:xfrm>
+            <a:off x="504000" y="5165280"/>
+            <a:ext cx="2347560" cy="389880"/>
+          </a:xfrm>
+          <a:prstGeom prst="rect">
+            <a:avLst/>
+          </a:prstGeom>
+          <a:noFill/>
+          <a:ln w="0">
+            <a:noFill/>
+          </a:ln>
+        </p:spPr>
+        <p:txBody>
+          <a:bodyPr lIns="0" rIns="0" tIns="0" bIns="0" anchor="t">
+            <a:noAutofit/>
+          </a:bodyPr>
+          <a:lstStyle>
+            <a:lvl1pPr indent="0">
+              <a:buNone/>
+              <a:defRPr b="0" lang="en-US" sz="1400" spc="-1" strike="noStrike">
+                <a:solidFill>
+                  <a:srgbClr val="000000"/>
+                </a:solidFill>
+                <a:latin typeface="游明朝"/>
+              </a:defRPr>
+            </a:lvl1pPr>
+          </a:lstStyle>
+          <a:p>
+            <a:pPr indent="0">
+              <a:buNone/>
+            </a:pPr>
+            <a:r>
+              <a:rPr b="0" lang="en-US" sz="1400" spc="-1" strike="noStrike">
+                <a:solidFill>
+                  <a:srgbClr val="000000"/>
+                </a:solidFill>
+                <a:latin typeface="游明朝"/>
+              </a:rPr>
+              <a:t>&lt;日付/時刻&gt;</a:t>
+            </a:r>
+            <a:endParaRPr b="0" lang="en-US" sz="1400" spc="-1" strike="noStrike">
+              <a:solidFill>
+                <a:srgbClr val="000000"/>
+              </a:solidFill>
+              <a:latin typeface="游明朝"/>
+            </a:endParaRPr>
+          </a:p>
+        </p:txBody>
+      </p:sp>
+    </p:spTree>
+  </p:cSld>
+  <p:clrMap bg1="lt1" bg2="lt2" tx1="dk1" tx2="dk2" accent1="accent1" accent2="accent2" accent3="accent3" accent4="accent4" accent5="accent5" accent6="accent6" hlink="hlink" folHlink="folHlink"/>
+  <p:sldLayoutIdLst>
+    <p:sldLayoutId id="2147483662" r:id="rId2"/>
+    <p:sldLayoutId id="2147483663" r:id="rId3"/>
+    <p:sldLayoutId id="2147483664" r:id="rId4"/>
+    <p:sldLayoutId id="2147483665" r:id="rId5"/>
+    <p:sldLayoutId id="2147483666" r:id="rId6"/>
+    <p:sldLayoutId id="2147483667" r:id="rId7"/>
+    <p:sldLayoutId id="2147483668" r:id="rId8"/>
+    <p:sldLayoutId id="2147483669" r:id="rId9"/>
+    <p:sldLayoutId id="2147483670" r:id="rId10"/>
+    <p:sldLayoutId id="2147483671" r:id="rId11"/>
+    <p:sldLayoutId id="2147483672" r:id="rId12"/>
+    <p:sldLayoutId id="2147483673" r:id="rId13"/>
   </p:sldLayoutIdLst>
 </p:sldMaster>
 </file>
@@ -3133,7 +6467,7 @@
       </p:grpSpPr>
       <p:sp>
         <p:nvSpPr>
-          <p:cNvPr id="41" name="PlaceHolder 1"/>
+          <p:cNvPr id="83" name="PlaceHolder 1"/>
           <p:cNvSpPr>
             <a:spLocks noGrp="1"/>
           </p:cNvSpPr>
@@ -3144,7 +6478,7 @@
         <p:spPr>
           <a:xfrm>
             <a:off x="504000" y="651600"/>
-            <a:ext cx="9071640" cy="4388400"/>
+            <a:ext cx="9070920" cy="4387680"/>
           </a:xfrm>
           <a:prstGeom prst="rect">
             <a:avLst/>
@@ -3159,7 +6493,11 @@
             <a:noAutofit/>
           </a:bodyPr>
           <a:p>
-            <a:pPr algn="ctr"/>
+            <a:pPr algn="ctr">
+              <a:lnSpc>
+                <a:spcPct val="100000"/>
+              </a:lnSpc>
+            </a:pPr>
             <a:r>
               <a:rPr b="0" lang="ja-JP" sz="3200" spc="-1" strike="noStrike">
                 <a:solidFill>
@@ -3177,7 +6515,11 @@
             </a:endParaRPr>
           </a:p>
           <a:p>
-            <a:pPr algn="ctr"/>
+            <a:pPr algn="ctr">
+              <a:lnSpc>
+                <a:spcPct val="100000"/>
+              </a:lnSpc>
+            </a:pPr>
             <a:r>
               <a:rPr b="0" lang="en-US" sz="3200" spc="-1" strike="noStrike">
                 <a:solidFill>
@@ -3195,7 +6537,11 @@
             </a:endParaRPr>
           </a:p>
           <a:p>
-            <a:pPr algn="ctr"/>
+            <a:pPr algn="ctr">
+              <a:lnSpc>
+                <a:spcPct val="100000"/>
+              </a:lnSpc>
+            </a:pPr>
             <a:endParaRPr b="0" lang="en-US" sz="3200" spc="-1" strike="noStrike">
               <a:solidFill>
                 <a:srgbClr val="000000"/>
@@ -3204,7 +6550,11 @@
             </a:endParaRPr>
           </a:p>
           <a:p>
-            <a:pPr algn="ctr"/>
+            <a:pPr algn="ctr">
+              <a:lnSpc>
+                <a:spcPct val="100000"/>
+              </a:lnSpc>
+            </a:pPr>
             <a:r>
               <a:rPr b="0" lang="en-US" sz="3200" spc="-1" strike="noStrike">
                 <a:solidFill>
@@ -3264,7 +6614,7 @@
       </p:grpSpPr>
       <p:sp>
         <p:nvSpPr>
-          <p:cNvPr id="42" name="PlaceHolder 1"/>
+          <p:cNvPr id="84" name="PlaceHolder 1"/>
           <p:cNvSpPr>
             <a:spLocks noGrp="1"/>
           </p:cNvSpPr>
@@ -3275,7 +6625,7 @@
         <p:spPr>
           <a:xfrm>
             <a:off x="504000" y="226080"/>
-            <a:ext cx="9071640" cy="946440"/>
+            <a:ext cx="9070920" cy="945720"/>
           </a:xfrm>
           <a:prstGeom prst="rect">
             <a:avLst/>
@@ -3295,7 +6645,13 @@
           </a:bodyPr>
           <a:p>
             <a:pPr indent="0" algn="ctr">
+              <a:lnSpc>
+                <a:spcPct val="100000"/>
+              </a:lnSpc>
               <a:buNone/>
+              <a:tabLst>
+                <a:tab algn="l" pos="0"/>
+              </a:tabLst>
             </a:pPr>
             <a:r>
               <a:rPr b="0" lang="ja-JP" sz="4400" spc="-1" strike="noStrike">
@@ -3317,7 +6673,7 @@
       </p:sp>
       <p:sp>
         <p:nvSpPr>
-          <p:cNvPr id="43" name="PlaceHolder 2"/>
+          <p:cNvPr id="85" name="PlaceHolder 2"/>
           <p:cNvSpPr>
             <a:spLocks noGrp="1"/>
           </p:cNvSpPr>
@@ -3328,7 +6684,7 @@
         <p:spPr>
           <a:xfrm>
             <a:off x="504000" y="1326600"/>
-            <a:ext cx="9071640" cy="1013400"/>
+            <a:ext cx="9070920" cy="833400"/>
           </a:xfrm>
           <a:prstGeom prst="rect">
             <a:avLst/>
@@ -3348,6 +6704,9 @@
                 <a:spcPct val="100000"/>
               </a:lnSpc>
               <a:buNone/>
+              <a:tabLst>
+                <a:tab algn="l" pos="0"/>
+              </a:tabLst>
             </a:pPr>
             <a:r>
               <a:rPr b="0" lang="ja-JP" sz="1800" spc="-1" strike="noStrike">
@@ -3364,7 +6723,6 @@
                 <a:srgbClr val="000000"/>
               </a:solidFill>
               <a:latin typeface="Arial"/>
-              <a:ea typeface="游ゴシック"/>
             </a:endParaRPr>
           </a:p>
           <a:p>
@@ -3378,6 +6736,9 @@
               <a:buSzPct val="45000"/>
               <a:buFont typeface="Wingdings" charset="2"/>
               <a:buChar char=""/>
+              <a:tabLst>
+                <a:tab algn="l" pos="0"/>
+              </a:tabLst>
             </a:pPr>
             <a:r>
               <a:rPr b="0" lang="ja-JP" sz="1800" spc="-1" strike="noStrike">
@@ -3387,21 +6748,20 @@
                 <a:latin typeface="Arial"/>
                 <a:ea typeface="游ゴシック"/>
               </a:rPr>
-              <a:t>模型屋さんの在庫管理</a:t>
+              <a:t>模型屋さんの在庫管理（業務システム）</a:t>
             </a:r>
             <a:endParaRPr b="0" lang="en-US" sz="1800" spc="-1" strike="noStrike">
               <a:solidFill>
                 <a:srgbClr val="000000"/>
               </a:solidFill>
               <a:latin typeface="Arial"/>
-              <a:ea typeface="游ゴシック"/>
-            </a:endParaRPr>
-          </a:p>
-        </p:txBody>
-      </p:sp>
-      <p:sp>
-        <p:nvSpPr>
-          <p:cNvPr id="44" name="PlaceHolder 3"/>
+            </a:endParaRPr>
+          </a:p>
+        </p:txBody>
+      </p:sp>
+      <p:sp>
+        <p:nvSpPr>
+          <p:cNvPr id="86" name="PlaceHolder 3"/>
           <p:cNvSpPr>
             <a:spLocks noGrp="1"/>
           </p:cNvSpPr>
@@ -3412,7 +6772,7 @@
         <p:spPr>
           <a:xfrm>
             <a:off x="504000" y="2340000"/>
-            <a:ext cx="9071640" cy="3060000"/>
+            <a:ext cx="9070920" cy="3059280"/>
           </a:xfrm>
           <a:prstGeom prst="rect">
             <a:avLst/>
@@ -3435,6 +6795,9 @@
                 <a:spcPts val="1417"/>
               </a:spcBef>
               <a:buNone/>
+              <a:tabLst>
+                <a:tab algn="l" pos="0"/>
+              </a:tabLst>
             </a:pPr>
             <a:r>
               <a:rPr b="0" lang="ja-JP" sz="2000" spc="-1" strike="noStrike">
@@ -3466,6 +6829,9 @@
               <a:buSzPct val="45000"/>
               <a:buFont typeface="Wingdings" charset="2"/>
               <a:buChar char=""/>
+              <a:tabLst>
+                <a:tab algn="l" pos="0"/>
+              </a:tabLst>
             </a:pPr>
             <a:r>
               <a:rPr b="0" lang="ja-JP" sz="2000" spc="-1" strike="noStrike">
@@ -3497,6 +6863,9 @@
               <a:buSzPct val="45000"/>
               <a:buFont typeface="Wingdings" charset="2"/>
               <a:buChar char=""/>
+              <a:tabLst>
+                <a:tab algn="l" pos="0"/>
+              </a:tabLst>
             </a:pPr>
             <a:r>
               <a:rPr b="0" lang="ja-JP" sz="2000" spc="-1" strike="noStrike">
@@ -3528,6 +6897,9 @@
               <a:buSzPct val="45000"/>
               <a:buFont typeface="Wingdings" charset="2"/>
               <a:buChar char=""/>
+              <a:tabLst>
+                <a:tab algn="l" pos="0"/>
+              </a:tabLst>
             </a:pPr>
             <a:r>
               <a:rPr b="0" lang="ja-JP" sz="2000" spc="-1" strike="noStrike">
@@ -3559,6 +6931,9 @@
               <a:buSzPct val="45000"/>
               <a:buFont typeface="Wingdings" charset="2"/>
               <a:buChar char=""/>
+              <a:tabLst>
+                <a:tab algn="l" pos="0"/>
+              </a:tabLst>
             </a:pPr>
             <a:r>
               <a:rPr b="0" lang="ja-JP" sz="2000" spc="-1" strike="noStrike">
@@ -3590,6 +6965,9 @@
               <a:buSzPct val="45000"/>
               <a:buFont typeface="Wingdings" charset="2"/>
               <a:buChar char=""/>
+              <a:tabLst>
+                <a:tab algn="l" pos="0"/>
+              </a:tabLst>
             </a:pPr>
             <a:r>
               <a:rPr b="0" lang="ja-JP" sz="2000" spc="-1" strike="noStrike">
@@ -3677,7 +7055,7 @@
       </p:grpSpPr>
       <p:sp>
         <p:nvSpPr>
-          <p:cNvPr id="45" name="PlaceHolder 1"/>
+          <p:cNvPr id="87" name="PlaceHolder 1"/>
           <p:cNvSpPr>
             <a:spLocks noGrp="1"/>
           </p:cNvSpPr>
@@ -3688,7 +7066,7 @@
         <p:spPr>
           <a:xfrm>
             <a:off x="504000" y="226080"/>
-            <a:ext cx="9071640" cy="946440"/>
+            <a:ext cx="9070920" cy="945720"/>
           </a:xfrm>
           <a:prstGeom prst="rect">
             <a:avLst/>
@@ -3708,7 +7086,13 @@
           </a:bodyPr>
           <a:p>
             <a:pPr indent="0" algn="ctr">
+              <a:lnSpc>
+                <a:spcPct val="100000"/>
+              </a:lnSpc>
               <a:buNone/>
+              <a:tabLst>
+                <a:tab algn="l" pos="0"/>
+              </a:tabLst>
             </a:pPr>
             <a:r>
               <a:rPr b="0" lang="ja-JP" sz="4400" spc="-1" strike="noStrike">
@@ -3730,14 +7114,14 @@
       </p:sp>
       <p:sp>
         <p:nvSpPr>
-          <p:cNvPr id="46" name=""/>
-          <p:cNvSpPr txBox="1"/>
+          <p:cNvPr id="88" name=""/>
+          <p:cNvSpPr/>
           <p:nvPr/>
         </p:nvSpPr>
         <p:spPr>
           <a:xfrm>
-            <a:off x="540000" y="1440000"/>
-            <a:ext cx="9071640" cy="3060000"/>
+            <a:off x="465840" y="1312200"/>
+            <a:ext cx="9070920" cy="3780000"/>
           </a:xfrm>
           <a:prstGeom prst="rect">
             <a:avLst/>
@@ -3747,12 +7131,18 @@
             <a:noFill/>
           </a:ln>
         </p:spPr>
+        <p:style>
+          <a:lnRef idx="0"/>
+          <a:fillRef idx="0"/>
+          <a:effectRef idx="0"/>
+          <a:fontRef idx="minor"/>
+        </p:style>
         <p:txBody>
           <a:bodyPr lIns="0" rIns="0" tIns="0" bIns="0" anchor="t">
-            <a:normAutofit fontScale="91000"/>
-          </a:bodyPr>
-          <a:p>
-            <a:pPr marL="393120" indent="-294840">
+            <a:normAutofit/>
+          </a:bodyPr>
+          <a:p>
+            <a:pPr marL="432000" indent="-324000">
               <a:lnSpc>
                 <a:spcPct val="100000"/>
               </a:lnSpc>
@@ -3766,15 +7156,6 @@
               <a:buFont typeface="Wingdings" charset="2"/>
               <a:buChar char=""/>
             </a:pPr>
-            <a:r>
-              <a:rPr b="0" lang="ja-JP" sz="2000" spc="-1" strike="noStrike">
-                <a:solidFill>
-                  <a:srgbClr val="000000"/>
-                </a:solidFill>
-                <a:latin typeface="Arial"/>
-              </a:rPr>
-              <a:t>機能：</a:t>
-            </a:r>
             <a:endParaRPr b="0" lang="en-US" sz="2000" spc="-1" strike="noStrike">
               <a:solidFill>
                 <a:srgbClr val="000000"/>
@@ -3783,7 +7164,7 @@
             </a:endParaRPr>
           </a:p>
           <a:p>
-            <a:pPr marL="393120" indent="-294840">
+            <a:pPr marL="432000" indent="-324000">
               <a:lnSpc>
                 <a:spcPct val="100000"/>
               </a:lnSpc>
@@ -3803,6 +7184,7 @@
                   <a:srgbClr val="000000"/>
                 </a:solidFill>
                 <a:latin typeface="Arial"/>
+                <a:ea typeface="DejaVu Sans"/>
               </a:rPr>
               <a:t>ユーザーマスターの登録</a:t>
             </a:r>
@@ -3812,6 +7194,7 @@
                   <a:srgbClr val="000000"/>
                 </a:solidFill>
                 <a:latin typeface="Arial"/>
+                <a:ea typeface="DejaVu Sans"/>
               </a:rPr>
               <a:t>/</a:t>
             </a:r>
@@ -3821,6 +7204,7 @@
                   <a:srgbClr val="000000"/>
                 </a:solidFill>
                 <a:latin typeface="Arial"/>
+                <a:ea typeface="DejaVu Sans"/>
               </a:rPr>
               <a:t>更新</a:t>
             </a:r>
@@ -3830,6 +7214,7 @@
                   <a:srgbClr val="000000"/>
                 </a:solidFill>
                 <a:latin typeface="Arial"/>
+                <a:ea typeface="DejaVu Sans"/>
               </a:rPr>
               <a:t>/</a:t>
             </a:r>
@@ -3839,6 +7224,7 @@
                   <a:srgbClr val="000000"/>
                 </a:solidFill>
                 <a:latin typeface="Arial"/>
+                <a:ea typeface="DejaVu Sans"/>
               </a:rPr>
               <a:t>削除</a:t>
             </a:r>
@@ -3850,7 +7236,7 @@
             </a:endParaRPr>
           </a:p>
           <a:p>
-            <a:pPr marL="393120" indent="-294840">
+            <a:pPr marL="432000" indent="-324000">
               <a:lnSpc>
                 <a:spcPct val="100000"/>
               </a:lnSpc>
@@ -3870,6 +7256,7 @@
                   <a:srgbClr val="000000"/>
                 </a:solidFill>
                 <a:latin typeface="Arial"/>
+                <a:ea typeface="DejaVu Sans"/>
               </a:rPr>
               <a:t>エリアマスターの登録</a:t>
             </a:r>
@@ -3879,6 +7266,7 @@
                   <a:srgbClr val="000000"/>
                 </a:solidFill>
                 <a:latin typeface="Arial"/>
+                <a:ea typeface="DejaVu Sans"/>
               </a:rPr>
               <a:t>/</a:t>
             </a:r>
@@ -3888,6 +7276,7 @@
                   <a:srgbClr val="000000"/>
                 </a:solidFill>
                 <a:latin typeface="Arial"/>
+                <a:ea typeface="DejaVu Sans"/>
               </a:rPr>
               <a:t>更新</a:t>
             </a:r>
@@ -3897,6 +7286,7 @@
                   <a:srgbClr val="000000"/>
                 </a:solidFill>
                 <a:latin typeface="Arial"/>
+                <a:ea typeface="DejaVu Sans"/>
               </a:rPr>
               <a:t>/</a:t>
             </a:r>
@@ -3906,6 +7296,7 @@
                   <a:srgbClr val="000000"/>
                 </a:solidFill>
                 <a:latin typeface="Arial"/>
+                <a:ea typeface="DejaVu Sans"/>
               </a:rPr>
               <a:t>削除</a:t>
             </a:r>
@@ -3917,7 +7308,7 @@
             </a:endParaRPr>
           </a:p>
           <a:p>
-            <a:pPr marL="393120" indent="-294840">
+            <a:pPr marL="432000" indent="-324000">
               <a:lnSpc>
                 <a:spcPct val="100000"/>
               </a:lnSpc>
@@ -3937,6 +7328,7 @@
                   <a:srgbClr val="000000"/>
                 </a:solidFill>
                 <a:latin typeface="Arial"/>
+                <a:ea typeface="DejaVu Sans"/>
               </a:rPr>
               <a:t>定量在庫の閾値によって、一覧表示の色を変える</a:t>
             </a:r>
@@ -3948,7 +7340,7 @@
             </a:endParaRPr>
           </a:p>
           <a:p>
-            <a:pPr marL="393120" indent="-294840">
+            <a:pPr marL="432000" indent="-324000">
               <a:lnSpc>
                 <a:spcPct val="100000"/>
               </a:lnSpc>
@@ -3968,6 +7360,7 @@
                   <a:srgbClr val="000000"/>
                 </a:solidFill>
                 <a:latin typeface="Arial"/>
+                <a:ea typeface="DejaVu Sans"/>
               </a:rPr>
               <a:t>アクセスログを取る</a:t>
             </a:r>
@@ -3979,7 +7372,7 @@
             </a:endParaRPr>
           </a:p>
           <a:p>
-            <a:pPr marL="393120" indent="-294840">
+            <a:pPr marL="432000" indent="-324000">
               <a:lnSpc>
                 <a:spcPct val="100000"/>
               </a:lnSpc>
@@ -3999,6 +7392,7 @@
                   <a:srgbClr val="000000"/>
                 </a:solidFill>
                 <a:latin typeface="Arial"/>
+                <a:ea typeface="DejaVu Sans"/>
               </a:rPr>
               <a:t>csv</a:t>
             </a:r>
@@ -4008,6 +7402,7 @@
                   <a:srgbClr val="000000"/>
                 </a:solidFill>
                 <a:latin typeface="Arial"/>
+                <a:ea typeface="DejaVu Sans"/>
               </a:rPr>
               <a:t>出力</a:t>
             </a:r>
@@ -4019,7 +7414,7 @@
             </a:endParaRPr>
           </a:p>
           <a:p>
-            <a:pPr marL="393120" indent="-294840">
+            <a:pPr marL="432000" indent="-324000">
               <a:lnSpc>
                 <a:spcPct val="100000"/>
               </a:lnSpc>
@@ -4039,6 +7434,7 @@
                   <a:srgbClr val="000000"/>
                 </a:solidFill>
                 <a:latin typeface="Arial"/>
+                <a:ea typeface="DejaVu Sans"/>
               </a:rPr>
               <a:t>製品の画像をアップロード、表示する</a:t>
             </a:r>
@@ -4083,7 +7479,7 @@
       </p:grpSpPr>
       <p:sp>
         <p:nvSpPr>
-          <p:cNvPr id="47" name="PlaceHolder 1"/>
+          <p:cNvPr id="89" name="PlaceHolder 1"/>
           <p:cNvSpPr>
             <a:spLocks noGrp="1"/>
           </p:cNvSpPr>
@@ -4094,7 +7490,7 @@
         <p:spPr>
           <a:xfrm>
             <a:off x="504000" y="226080"/>
-            <a:ext cx="9071640" cy="946440"/>
+            <a:ext cx="9070920" cy="945720"/>
           </a:xfrm>
           <a:prstGeom prst="rect">
             <a:avLst/>
@@ -4114,7 +7510,13 @@
           </a:bodyPr>
           <a:p>
             <a:pPr indent="0" algn="ctr">
+              <a:lnSpc>
+                <a:spcPct val="100000"/>
+              </a:lnSpc>
               <a:buNone/>
+              <a:tabLst>
+                <a:tab algn="l" pos="0"/>
+              </a:tabLst>
             </a:pPr>
             <a:r>
               <a:rPr b="0" lang="ja-JP" sz="4400" spc="-1" strike="noStrike">
@@ -4136,7 +7538,7 @@
       </p:sp>
       <p:sp>
         <p:nvSpPr>
-          <p:cNvPr id="48" name="PlaceHolder 2"/>
+          <p:cNvPr id="90" name="PlaceHolder 2"/>
           <p:cNvSpPr>
             <a:spLocks noGrp="1"/>
           </p:cNvSpPr>
@@ -4147,7 +7549,7 @@
         <p:spPr>
           <a:xfrm>
             <a:off x="504000" y="1326600"/>
-            <a:ext cx="9071640" cy="473400"/>
+            <a:ext cx="9070920" cy="472680"/>
           </a:xfrm>
           <a:prstGeom prst="rect">
             <a:avLst/>
@@ -4167,6 +7569,9 @@
                 <a:spcPct val="100000"/>
               </a:lnSpc>
               <a:buNone/>
+              <a:tabLst>
+                <a:tab algn="l" pos="0"/>
+              </a:tabLst>
             </a:pPr>
             <a:r>
               <a:rPr b="0" lang="ja-JP" sz="1800" spc="-1" strike="noStrike">
@@ -4203,21 +7608,20 @@
                 <a:srgbClr val="000000"/>
               </a:solidFill>
               <a:latin typeface="Arial"/>
-              <a:ea typeface="游ゴシック"/>
-            </a:endParaRPr>
-          </a:p>
-        </p:txBody>
-      </p:sp>
-      <p:sp>
-        <p:nvSpPr>
-          <p:cNvPr id="49" name=""/>
+            </a:endParaRPr>
+          </a:p>
+        </p:txBody>
+      </p:sp>
+      <p:sp>
+        <p:nvSpPr>
+          <p:cNvPr id="91" name=""/>
           <p:cNvSpPr/>
           <p:nvPr/>
         </p:nvSpPr>
         <p:spPr>
           <a:xfrm>
             <a:off x="720000" y="1800000"/>
-            <a:ext cx="5580000" cy="3600000"/>
+            <a:ext cx="5579280" cy="3599280"/>
           </a:xfrm>
           <a:prstGeom prst="rect">
             <a:avLst/>
@@ -4283,14 +7687,14 @@
       </p:sp>
       <p:sp>
         <p:nvSpPr>
-          <p:cNvPr id="50" name=""/>
+          <p:cNvPr id="92" name=""/>
           <p:cNvSpPr/>
           <p:nvPr/>
         </p:nvSpPr>
         <p:spPr>
           <a:xfrm>
             <a:off x="1080000" y="2340000"/>
-            <a:ext cx="1980000" cy="2700000"/>
+            <a:ext cx="1979280" cy="2699280"/>
           </a:xfrm>
           <a:prstGeom prst="rect">
             <a:avLst/>
@@ -4346,14 +7750,14 @@
       </p:sp>
       <p:sp>
         <p:nvSpPr>
-          <p:cNvPr id="51" name=""/>
+          <p:cNvPr id="93" name=""/>
           <p:cNvSpPr/>
           <p:nvPr/>
         </p:nvSpPr>
         <p:spPr>
           <a:xfrm>
             <a:off x="3965040" y="2340000"/>
-            <a:ext cx="1974960" cy="2700000"/>
+            <a:ext cx="1974240" cy="2699280"/>
           </a:xfrm>
           <a:prstGeom prst="rect">
             <a:avLst/>
@@ -4396,7 +7800,7 @@
                 <a:latin typeface="Arial"/>
                 <a:ea typeface="DejaVu Sans"/>
               </a:rPr>
-              <a:t>一覧表示</a:t>
+              <a:t>製品の一覧表示</a:t>
             </a:r>
             <a:endParaRPr b="0" lang="en-US" sz="1800" spc="-1" strike="noStrike">
               <a:solidFill>
@@ -4491,14 +7895,14 @@
       </p:sp>
       <p:sp>
         <p:nvSpPr>
-          <p:cNvPr id="52" name=""/>
+          <p:cNvPr id="94" name=""/>
           <p:cNvSpPr/>
           <p:nvPr/>
         </p:nvSpPr>
         <p:spPr>
           <a:xfrm>
             <a:off x="7025040" y="2340000"/>
-            <a:ext cx="1974960" cy="2700000"/>
+            <a:ext cx="1974240" cy="2699280"/>
           </a:xfrm>
           <a:prstGeom prst="rect">
             <a:avLst/>
@@ -4596,14 +8000,14 @@
       </p:sp>
       <p:sp>
         <p:nvSpPr>
-          <p:cNvPr id="53" name=""/>
+          <p:cNvPr id="95" name=""/>
           <p:cNvSpPr/>
           <p:nvPr/>
         </p:nvSpPr>
         <p:spPr>
           <a:xfrm>
             <a:off x="3240000" y="3420000"/>
-            <a:ext cx="540000" cy="540000"/>
+            <a:ext cx="539280" cy="539280"/>
           </a:xfrm>
           <a:prstGeom prst="plus">
             <a:avLst>
@@ -4630,25 +8034,31 @@
             <a:noAutofit/>
           </a:bodyPr>
           <a:p>
+            <a:pPr>
+              <a:lnSpc>
+                <a:spcPct val="100000"/>
+              </a:lnSpc>
+            </a:pPr>
             <a:endParaRPr b="0" lang="en-US" sz="1800" spc="-1" strike="noStrike">
               <a:solidFill>
                 <a:srgbClr val="ffffff"/>
               </a:solidFill>
               <a:latin typeface="Arial"/>
-            </a:endParaRPr>
-          </a:p>
-        </p:txBody>
-      </p:sp>
-      <p:sp>
-        <p:nvSpPr>
-          <p:cNvPr id="54" name=""/>
+              <a:ea typeface="DejaVu Sans"/>
+            </a:endParaRPr>
+          </a:p>
+        </p:txBody>
+      </p:sp>
+      <p:sp>
+        <p:nvSpPr>
+          <p:cNvPr id="96" name=""/>
           <p:cNvSpPr/>
           <p:nvPr/>
         </p:nvSpPr>
         <p:spPr>
           <a:xfrm>
             <a:off x="6120000" y="3420000"/>
-            <a:ext cx="540000" cy="540000"/>
+            <a:ext cx="539280" cy="539280"/>
           </a:xfrm>
           <a:prstGeom prst="plus">
             <a:avLst>
@@ -4675,9 +8085,66 @@
             <a:noAutofit/>
           </a:bodyPr>
           <a:p>
+            <a:pPr>
+              <a:lnSpc>
+                <a:spcPct val="100000"/>
+              </a:lnSpc>
+            </a:pPr>
             <a:endParaRPr b="0" lang="en-US" sz="1800" spc="-1" strike="noStrike">
               <a:solidFill>
                 <a:srgbClr val="ffffff"/>
+              </a:solidFill>
+              <a:latin typeface="Arial"/>
+              <a:ea typeface="DejaVu Sans"/>
+            </a:endParaRPr>
+          </a:p>
+        </p:txBody>
+      </p:sp>
+      <p:sp>
+        <p:nvSpPr>
+          <p:cNvPr id="97" name=""/>
+          <p:cNvSpPr txBox="1"/>
+          <p:nvPr/>
+        </p:nvSpPr>
+        <p:spPr>
+          <a:xfrm>
+            <a:off x="7200000" y="1980000"/>
+            <a:ext cx="2520000" cy="414360"/>
+          </a:xfrm>
+          <a:prstGeom prst="rect">
+            <a:avLst/>
+          </a:prstGeom>
+          <a:noFill/>
+          <a:ln w="0">
+            <a:noFill/>
+          </a:ln>
+        </p:spPr>
+        <p:txBody>
+          <a:bodyPr lIns="90000" rIns="90000" tIns="45000" bIns="45000" anchor="t">
+            <a:noAutofit/>
+          </a:bodyPr>
+          <a:p>
+            <a:r>
+              <a:rPr b="0" lang="en-US" sz="1800" spc="-1" strike="noStrike">
+                <a:solidFill>
+                  <a:srgbClr val="ff0000"/>
+                </a:solidFill>
+                <a:latin typeface="Arial"/>
+              </a:rPr>
+              <a:t>↓</a:t>
+            </a:r>
+            <a:r>
+              <a:rPr b="0" lang="ja-JP" sz="1800" spc="-1" strike="noStrike">
+                <a:solidFill>
+                  <a:srgbClr val="ff0000"/>
+                </a:solidFill>
+                <a:latin typeface="Arial"/>
+              </a:rPr>
+              <a:t>自分で作るところ</a:t>
+            </a:r>
+            <a:endParaRPr b="0" lang="en-US" sz="1800" spc="-1" strike="noStrike">
+              <a:solidFill>
+                <a:srgbClr val="ff0000"/>
               </a:solidFill>
               <a:latin typeface="Arial"/>
             </a:endParaRPr>
@@ -4716,7 +8183,7 @@
       </p:grpSpPr>
       <p:sp>
         <p:nvSpPr>
-          <p:cNvPr id="55" name="PlaceHolder 1"/>
+          <p:cNvPr id="98" name="PlaceHolder 1"/>
           <p:cNvSpPr>
             <a:spLocks noGrp="1"/>
           </p:cNvSpPr>
@@ -4727,7 +8194,7 @@
         <p:spPr>
           <a:xfrm>
             <a:off x="504000" y="226080"/>
-            <a:ext cx="9071640" cy="946440"/>
+            <a:ext cx="9070920" cy="945720"/>
           </a:xfrm>
           <a:prstGeom prst="rect">
             <a:avLst/>
@@ -4747,7 +8214,13 @@
           </a:bodyPr>
           <a:p>
             <a:pPr indent="0" algn="ctr">
+              <a:lnSpc>
+                <a:spcPct val="100000"/>
+              </a:lnSpc>
               <a:buNone/>
+              <a:tabLst>
+                <a:tab algn="l" pos="0"/>
+              </a:tabLst>
             </a:pPr>
             <a:r>
               <a:rPr b="0" lang="ja-JP" sz="4400" spc="-1" strike="noStrike">
@@ -4769,14 +8242,14 @@
       </p:sp>
       <p:sp>
         <p:nvSpPr>
-          <p:cNvPr id="56" name=""/>
+          <p:cNvPr id="99" name=""/>
           <p:cNvSpPr/>
           <p:nvPr/>
         </p:nvSpPr>
         <p:spPr>
           <a:xfrm>
             <a:off x="720000" y="1440000"/>
-            <a:ext cx="1434960" cy="714960"/>
+            <a:ext cx="1434240" cy="714240"/>
           </a:xfrm>
           <a:prstGeom prst="rect">
             <a:avLst/>
@@ -4832,14 +8305,14 @@
       </p:sp>
       <p:sp>
         <p:nvSpPr>
-          <p:cNvPr id="57" name=""/>
+          <p:cNvPr id="100" name=""/>
           <p:cNvSpPr/>
           <p:nvPr/>
         </p:nvSpPr>
         <p:spPr>
           <a:xfrm>
             <a:off x="3420000" y="1440000"/>
-            <a:ext cx="1980000" cy="714960"/>
+            <a:ext cx="1979280" cy="714240"/>
           </a:xfrm>
           <a:prstGeom prst="rect">
             <a:avLst/>
@@ -4895,14 +8368,14 @@
       </p:sp>
       <p:sp>
         <p:nvSpPr>
-          <p:cNvPr id="58" name=""/>
+          <p:cNvPr id="101" name=""/>
           <p:cNvSpPr/>
           <p:nvPr/>
         </p:nvSpPr>
         <p:spPr>
           <a:xfrm>
             <a:off x="6480000" y="1445040"/>
-            <a:ext cx="1980000" cy="714960"/>
+            <a:ext cx="1979280" cy="714240"/>
           </a:xfrm>
           <a:prstGeom prst="rect">
             <a:avLst/>
@@ -4958,14 +8431,14 @@
       </p:sp>
       <p:sp>
         <p:nvSpPr>
-          <p:cNvPr id="59" name=""/>
+          <p:cNvPr id="102" name=""/>
           <p:cNvSpPr/>
           <p:nvPr/>
         </p:nvSpPr>
         <p:spPr>
           <a:xfrm>
             <a:off x="6480000" y="2525040"/>
-            <a:ext cx="1980000" cy="714960"/>
+            <a:ext cx="1979280" cy="714240"/>
           </a:xfrm>
           <a:prstGeom prst="rect">
             <a:avLst/>
@@ -5021,14 +8494,14 @@
       </p:sp>
       <p:sp>
         <p:nvSpPr>
-          <p:cNvPr id="60" name=""/>
+          <p:cNvPr id="103" name=""/>
           <p:cNvSpPr/>
           <p:nvPr/>
         </p:nvSpPr>
         <p:spPr>
           <a:xfrm>
             <a:off x="6480000" y="3605040"/>
-            <a:ext cx="1980000" cy="714960"/>
+            <a:ext cx="1979280" cy="714240"/>
           </a:xfrm>
           <a:prstGeom prst="rect">
             <a:avLst/>
@@ -5084,14 +8557,14 @@
       </p:sp>
       <p:sp>
         <p:nvSpPr>
-          <p:cNvPr id="61" name=""/>
+          <p:cNvPr id="104" name=""/>
           <p:cNvSpPr/>
           <p:nvPr/>
         </p:nvSpPr>
         <p:spPr>
           <a:xfrm>
             <a:off x="6480000" y="4685040"/>
-            <a:ext cx="1980000" cy="714960"/>
+            <a:ext cx="1979280" cy="714240"/>
           </a:xfrm>
           <a:prstGeom prst="rect">
             <a:avLst/>
@@ -5147,17 +8620,17 @@
       </p:sp>
       <p:cxnSp>
         <p:nvCxnSpPr>
-          <p:cNvPr id="62" name=""/>
+          <p:cNvPr id="105" name=""/>
           <p:cNvCxnSpPr>
-            <a:stCxn id="56" idx="3"/>
-            <a:endCxn id="57" idx="1"/>
+            <a:stCxn id="99" idx="3"/>
+            <a:endCxn id="100" idx="1"/>
           </p:cNvCxnSpPr>
           <p:nvPr/>
         </p:nvCxnSpPr>
         <p:spPr>
           <a:xfrm>
-            <a:off x="2154960" y="1797480"/>
-            <a:ext cx="1265400" cy="360"/>
+            <a:off x="2154240" y="1797120"/>
+            <a:ext cx="1266120" cy="360"/>
           </a:xfrm>
           <a:prstGeom prst="bentConnector2">
             <a:avLst/>
@@ -5171,21 +8644,21 @@
       </p:cxnSp>
       <p:cxnSp>
         <p:nvCxnSpPr>
-          <p:cNvPr id="63" name=""/>
+          <p:cNvPr id="106" name=""/>
           <p:cNvCxnSpPr>
-            <a:stCxn id="59" idx="1"/>
-            <a:endCxn id="57" idx="3"/>
+            <a:stCxn id="102" idx="1"/>
+            <a:endCxn id="100" idx="3"/>
           </p:cNvCxnSpPr>
           <p:nvPr/>
         </p:nvCxnSpPr>
         <p:spPr>
           <a:xfrm rot="10800000">
-            <a:off x="5400000" y="1797480"/>
-            <a:ext cx="1080360" cy="1085400"/>
+            <a:off x="5399280" y="1797120"/>
+            <a:ext cx="1081080" cy="1085400"/>
           </a:xfrm>
           <a:prstGeom prst="bentConnector3">
             <a:avLst>
-              <a:gd name="adj1" fmla="val 50000"/>
+              <a:gd name="adj1" fmla="val 49933"/>
             </a:avLst>
           </a:prstGeom>
           <a:ln w="0">
@@ -5197,21 +8670,21 @@
       </p:cxnSp>
       <p:cxnSp>
         <p:nvCxnSpPr>
-          <p:cNvPr id="64" name=""/>
+          <p:cNvPr id="107" name=""/>
           <p:cNvCxnSpPr>
-            <a:stCxn id="58" idx="1"/>
-            <a:endCxn id="57" idx="3"/>
+            <a:stCxn id="101" idx="1"/>
+            <a:endCxn id="100" idx="3"/>
           </p:cNvCxnSpPr>
           <p:nvPr/>
         </p:nvCxnSpPr>
         <p:spPr>
           <a:xfrm rot="10800000">
-            <a:off x="5400000" y="1797480"/>
-            <a:ext cx="1080360" cy="5400"/>
+            <a:off x="5399280" y="1797120"/>
+            <a:ext cx="1081080" cy="5400"/>
           </a:xfrm>
           <a:prstGeom prst="bentConnector3">
             <a:avLst>
-              <a:gd name="adj1" fmla="val 50000"/>
+              <a:gd name="adj1" fmla="val 49933"/>
             </a:avLst>
           </a:prstGeom>
           <a:ln w="0">
@@ -5223,21 +8696,21 @@
       </p:cxnSp>
       <p:cxnSp>
         <p:nvCxnSpPr>
-          <p:cNvPr id="65" name=""/>
+          <p:cNvPr id="108" name=""/>
           <p:cNvCxnSpPr>
-            <a:stCxn id="60" idx="1"/>
-            <a:endCxn id="57" idx="3"/>
+            <a:stCxn id="103" idx="1"/>
+            <a:endCxn id="100" idx="3"/>
           </p:cNvCxnSpPr>
           <p:nvPr/>
         </p:nvCxnSpPr>
         <p:spPr>
           <a:xfrm rot="10800000">
-            <a:off x="5400000" y="1797480"/>
-            <a:ext cx="1080360" cy="2165400"/>
+            <a:off x="5399280" y="1797120"/>
+            <a:ext cx="1081080" cy="2165400"/>
           </a:xfrm>
           <a:prstGeom prst="bentConnector3">
             <a:avLst>
-              <a:gd name="adj1" fmla="val 50000"/>
+              <a:gd name="adj1" fmla="val 49933"/>
             </a:avLst>
           </a:prstGeom>
           <a:ln w="0">
@@ -5249,21 +8722,21 @@
       </p:cxnSp>
       <p:cxnSp>
         <p:nvCxnSpPr>
-          <p:cNvPr id="66" name=""/>
+          <p:cNvPr id="109" name=""/>
           <p:cNvCxnSpPr>
-            <a:stCxn id="61" idx="1"/>
-            <a:endCxn id="57" idx="3"/>
+            <a:stCxn id="104" idx="1"/>
+            <a:endCxn id="100" idx="3"/>
           </p:cNvCxnSpPr>
           <p:nvPr/>
         </p:nvCxnSpPr>
         <p:spPr>
           <a:xfrm rot="10800000">
-            <a:off x="5400000" y="1797480"/>
-            <a:ext cx="1080360" cy="3245400"/>
+            <a:off x="5399280" y="1797120"/>
+            <a:ext cx="1081080" cy="3245400"/>
           </a:xfrm>
           <a:prstGeom prst="bentConnector3">
             <a:avLst>
-              <a:gd name="adj1" fmla="val 50000"/>
+              <a:gd name="adj1" fmla="val 49933"/>
             </a:avLst>
           </a:prstGeom>
           <a:ln w="0">
@@ -5305,7 +8778,7 @@
       </p:grpSpPr>
       <p:sp>
         <p:nvSpPr>
-          <p:cNvPr id="67" name="PlaceHolder 1"/>
+          <p:cNvPr id="110" name="PlaceHolder 1"/>
           <p:cNvSpPr>
             <a:spLocks noGrp="1"/>
           </p:cNvSpPr>
@@ -5316,7 +8789,7 @@
         <p:spPr>
           <a:xfrm>
             <a:off x="504000" y="226080"/>
-            <a:ext cx="9071640" cy="946440"/>
+            <a:ext cx="9070920" cy="945720"/>
           </a:xfrm>
           <a:prstGeom prst="rect">
             <a:avLst/>
@@ -5336,7 +8809,13 @@
           </a:bodyPr>
           <a:p>
             <a:pPr indent="0" algn="ctr">
+              <a:lnSpc>
+                <a:spcPct val="100000"/>
+              </a:lnSpc>
               <a:buNone/>
+              <a:tabLst>
+                <a:tab algn="l" pos="0"/>
+              </a:tabLst>
             </a:pPr>
             <a:r>
               <a:rPr b="0" lang="ja-JP" sz="4400" spc="-1" strike="noStrike">
@@ -5345,7 +8824,25 @@
                 </a:solidFill>
                 <a:latin typeface="Arial"/>
               </a:rPr>
-              <a:t>機能</a:t>
+              <a:t>データベース</a:t>
+            </a:r>
+            <a:r>
+              <a:rPr b="0" lang="en-US" sz="4400" spc="-1" strike="noStrike">
+                <a:solidFill>
+                  <a:srgbClr val="000000"/>
+                </a:solidFill>
+                <a:latin typeface="Arial"/>
+              </a:rPr>
+              <a:t>-</a:t>
+            </a:r>
+            <a:r>
+              <a:rPr b="0" lang="ja-JP" sz="4400" spc="-1" strike="noStrike">
+                <a:solidFill>
+                  <a:srgbClr val="000000"/>
+                </a:solidFill>
+                <a:latin typeface="Arial"/>
+              </a:rPr>
+              <a:t>テーブル</a:t>
             </a:r>
             <a:endParaRPr b="0" lang="en-US" sz="4400" spc="-1" strike="noStrike">
               <a:solidFill>
@@ -5358,27 +8855,21 @@
       </p:sp>
       <p:sp>
         <p:nvSpPr>
-          <p:cNvPr id="68" name=""/>
+          <p:cNvPr id="111" name=""/>
           <p:cNvSpPr/>
           <p:nvPr/>
         </p:nvSpPr>
         <p:spPr>
           <a:xfrm>
-            <a:off x="720000" y="1440000"/>
-            <a:ext cx="1434960" cy="714960"/>
-          </a:xfrm>
-          <a:prstGeom prst="rect">
-            <a:avLst/>
-          </a:prstGeom>
-          <a:solidFill>
-            <a:schemeClr val="accent1">
-              <a:alpha val="50000"/>
-            </a:schemeClr>
-          </a:solidFill>
-          <a:ln w="0">
-            <a:solidFill>
-              <a:srgbClr val="254061"/>
-            </a:solidFill>
+            <a:off x="540000" y="1440000"/>
+            <a:ext cx="9070920" cy="3779280"/>
+          </a:xfrm>
+          <a:prstGeom prst="rect">
+            <a:avLst/>
+          </a:prstGeom>
+          <a:noFill/>
+          <a:ln w="0">
+            <a:noFill/>
           </a:ln>
         </p:spPr>
         <p:style>
@@ -5388,480 +8879,367 @@
           <a:fontRef idx="minor"/>
         </p:style>
         <p:txBody>
-          <a:bodyPr lIns="90000" rIns="90000" tIns="45000" bIns="45000" anchor="ctr">
-            <a:noAutofit/>
-          </a:bodyPr>
-          <a:p>
-            <a:pPr algn="ctr">
+          <a:bodyPr lIns="0" rIns="0" tIns="0" bIns="0" anchor="t">
+            <a:normAutofit/>
+          </a:bodyPr>
+          <a:p>
+            <a:pPr marL="432000" indent="-324000">
               <a:lnSpc>
                 <a:spcPct val="100000"/>
               </a:lnSpc>
-              <a:tabLst>
-                <a:tab algn="l" pos="408240"/>
-              </a:tabLst>
-            </a:pPr>
-            <a:r>
-              <a:rPr b="0" lang="ja-JP" sz="1800" spc="-1" strike="noStrike">
+              <a:spcBef>
+                <a:spcPts val="1417"/>
+              </a:spcBef>
+              <a:buClr>
+                <a:srgbClr val="000000"/>
+              </a:buClr>
+              <a:buSzPct val="45000"/>
+              <a:buFont typeface="Wingdings" charset="2"/>
+              <a:buChar char=""/>
+            </a:pPr>
+            <a:r>
+              <a:rPr b="0" lang="ja-JP" sz="2000" spc="-1" strike="noStrike">
                 <a:solidFill>
                   <a:srgbClr val="000000"/>
                 </a:solidFill>
                 <a:latin typeface="Arial"/>
                 <a:ea typeface="DejaVu Sans"/>
               </a:rPr>
-              <a:t>ログイン</a:t>
-            </a:r>
-            <a:endParaRPr b="0" lang="en-US" sz="1800" spc="-1" strike="noStrike">
-              <a:solidFill>
-                <a:srgbClr val="000000"/>
-              </a:solidFill>
-              <a:latin typeface="Arial"/>
-            </a:endParaRPr>
-          </a:p>
-        </p:txBody>
-      </p:sp>
-      <p:sp>
-        <p:nvSpPr>
-          <p:cNvPr id="69" name=""/>
-          <p:cNvSpPr/>
-          <p:nvPr/>
-        </p:nvSpPr>
-        <p:spPr>
-          <a:xfrm>
-            <a:off x="3420000" y="1440000"/>
-            <a:ext cx="1980000" cy="714960"/>
-          </a:xfrm>
-          <a:prstGeom prst="rect">
-            <a:avLst/>
-          </a:prstGeom>
-          <a:solidFill>
-            <a:schemeClr val="accent1">
-              <a:alpha val="50000"/>
-            </a:schemeClr>
-          </a:solidFill>
-          <a:ln w="0">
-            <a:solidFill>
-              <a:srgbClr val="254061"/>
-            </a:solidFill>
-          </a:ln>
-        </p:spPr>
-        <p:style>
-          <a:lnRef idx="0"/>
-          <a:fillRef idx="0"/>
-          <a:effectRef idx="0"/>
-          <a:fontRef idx="minor"/>
-        </p:style>
-        <p:txBody>
-          <a:bodyPr lIns="90000" rIns="90000" tIns="45000" bIns="45000" anchor="ctr">
-            <a:noAutofit/>
-          </a:bodyPr>
-          <a:p>
-            <a:pPr algn="ctr">
+              <a:t>ユーザーマスター</a:t>
+            </a:r>
+            <a:endParaRPr b="0" lang="en-US" sz="2000" spc="-1" strike="noStrike">
+              <a:solidFill>
+                <a:srgbClr val="000000"/>
+              </a:solidFill>
+              <a:latin typeface="Arial"/>
+            </a:endParaRPr>
+          </a:p>
+          <a:p>
+            <a:pPr marL="432000" indent="-324000">
               <a:lnSpc>
                 <a:spcPct val="100000"/>
               </a:lnSpc>
-              <a:tabLst>
-                <a:tab algn="l" pos="408240"/>
-              </a:tabLst>
-            </a:pPr>
-            <a:r>
-              <a:rPr b="0" lang="ja-JP" sz="1800" spc="-1" strike="noStrike">
+              <a:spcBef>
+                <a:spcPts val="1417"/>
+              </a:spcBef>
+              <a:buClr>
+                <a:srgbClr val="000000"/>
+              </a:buClr>
+              <a:buSzPct val="45000"/>
+              <a:buFont typeface="Wingdings" charset="2"/>
+              <a:buChar char=""/>
+            </a:pPr>
+            <a:r>
+              <a:rPr b="0" lang="ja-JP" sz="2000" spc="-1" strike="noStrike">
                 <a:solidFill>
                   <a:srgbClr val="000000"/>
                 </a:solidFill>
                 <a:latin typeface="Arial"/>
                 <a:ea typeface="DejaVu Sans"/>
               </a:rPr>
-              <a:t>製品マスター一覧</a:t>
-            </a:r>
-            <a:endParaRPr b="0" lang="en-US" sz="1800" spc="-1" strike="noStrike">
-              <a:solidFill>
-                <a:srgbClr val="000000"/>
-              </a:solidFill>
-              <a:latin typeface="Arial"/>
-            </a:endParaRPr>
-          </a:p>
-        </p:txBody>
-      </p:sp>
-      <p:sp>
-        <p:nvSpPr>
-          <p:cNvPr id="70" name=""/>
-          <p:cNvSpPr/>
-          <p:nvPr/>
-        </p:nvSpPr>
-        <p:spPr>
-          <a:xfrm>
-            <a:off x="6480000" y="1445040"/>
-            <a:ext cx="1980000" cy="714960"/>
-          </a:xfrm>
-          <a:prstGeom prst="rect">
-            <a:avLst/>
-          </a:prstGeom>
-          <a:solidFill>
-            <a:schemeClr val="accent1">
-              <a:alpha val="50000"/>
-            </a:schemeClr>
-          </a:solidFill>
-          <a:ln w="0">
-            <a:solidFill>
-              <a:srgbClr val="254061"/>
-            </a:solidFill>
-          </a:ln>
-        </p:spPr>
-        <p:style>
-          <a:lnRef idx="0"/>
-          <a:fillRef idx="0"/>
-          <a:effectRef idx="0"/>
-          <a:fontRef idx="minor"/>
-        </p:style>
-        <p:txBody>
-          <a:bodyPr lIns="90000" rIns="90000" tIns="45000" bIns="45000" anchor="ctr">
-            <a:noAutofit/>
-          </a:bodyPr>
-          <a:p>
-            <a:pPr algn="ctr">
+              <a:t>製品マスター</a:t>
+            </a:r>
+            <a:endParaRPr b="0" lang="en-US" sz="2000" spc="-1" strike="noStrike">
+              <a:solidFill>
+                <a:srgbClr val="000000"/>
+              </a:solidFill>
+              <a:latin typeface="Arial"/>
+            </a:endParaRPr>
+          </a:p>
+          <a:p>
+            <a:pPr marL="432000" indent="-324000">
               <a:lnSpc>
                 <a:spcPct val="100000"/>
               </a:lnSpc>
-              <a:tabLst>
-                <a:tab algn="l" pos="408240"/>
-              </a:tabLst>
-            </a:pPr>
-            <a:r>
-              <a:rPr b="0" lang="ja-JP" sz="1800" spc="-1" strike="noStrike">
+              <a:spcBef>
+                <a:spcPts val="1417"/>
+              </a:spcBef>
+              <a:buClr>
+                <a:srgbClr val="000000"/>
+              </a:buClr>
+              <a:buSzPct val="45000"/>
+              <a:buFont typeface="Wingdings" charset="2"/>
+              <a:buChar char=""/>
+            </a:pPr>
+            <a:r>
+              <a:rPr b="0" lang="ja-JP" sz="2000" spc="-1" strike="noStrike">
                 <a:solidFill>
                   <a:srgbClr val="000000"/>
                 </a:solidFill>
                 <a:latin typeface="Arial"/>
                 <a:ea typeface="DejaVu Sans"/>
               </a:rPr>
-              <a:t>製品マスター登録</a:t>
-            </a:r>
-            <a:endParaRPr b="0" lang="en-US" sz="1800" spc="-1" strike="noStrike">
-              <a:solidFill>
-                <a:srgbClr val="000000"/>
-              </a:solidFill>
-              <a:latin typeface="Arial"/>
-            </a:endParaRPr>
-          </a:p>
-        </p:txBody>
-      </p:sp>
-      <p:sp>
-        <p:nvSpPr>
-          <p:cNvPr id="71" name=""/>
-          <p:cNvSpPr/>
-          <p:nvPr/>
-        </p:nvSpPr>
-        <p:spPr>
-          <a:xfrm>
-            <a:off x="6480000" y="2525040"/>
-            <a:ext cx="1980000" cy="714960"/>
-          </a:xfrm>
-          <a:prstGeom prst="rect">
-            <a:avLst/>
-          </a:prstGeom>
-          <a:solidFill>
-            <a:schemeClr val="accent1">
-              <a:alpha val="50000"/>
-            </a:schemeClr>
-          </a:solidFill>
-          <a:ln w="0">
-            <a:solidFill>
-              <a:srgbClr val="254061"/>
-            </a:solidFill>
-          </a:ln>
-        </p:spPr>
-        <p:style>
-          <a:lnRef idx="0"/>
-          <a:fillRef idx="0"/>
-          <a:effectRef idx="0"/>
-          <a:fontRef idx="minor"/>
-        </p:style>
-        <p:txBody>
-          <a:bodyPr lIns="90000" rIns="90000" tIns="45000" bIns="45000" anchor="ctr">
-            <a:noAutofit/>
-          </a:bodyPr>
-          <a:p>
-            <a:pPr algn="ctr">
+              <a:t>メーカーマスター（製造会社）</a:t>
+            </a:r>
+            <a:endParaRPr b="0" lang="en-US" sz="2000" spc="-1" strike="noStrike">
+              <a:solidFill>
+                <a:srgbClr val="000000"/>
+              </a:solidFill>
+              <a:latin typeface="Arial"/>
+            </a:endParaRPr>
+          </a:p>
+          <a:p>
+            <a:pPr marL="432000" indent="-324000">
               <a:lnSpc>
                 <a:spcPct val="100000"/>
               </a:lnSpc>
-              <a:tabLst>
-                <a:tab algn="l" pos="408240"/>
-              </a:tabLst>
-            </a:pPr>
-            <a:r>
-              <a:rPr b="0" lang="ja-JP" sz="1800" spc="-1" strike="noStrike">
+              <a:spcBef>
+                <a:spcPts val="1417"/>
+              </a:spcBef>
+              <a:buClr>
+                <a:srgbClr val="000000"/>
+              </a:buClr>
+              <a:buSzPct val="45000"/>
+              <a:buFont typeface="Wingdings" charset="2"/>
+              <a:buChar char=""/>
+            </a:pPr>
+            <a:r>
+              <a:rPr b="0" lang="ja-JP" sz="2000" spc="-1" strike="noStrike">
                 <a:solidFill>
                   <a:srgbClr val="000000"/>
                 </a:solidFill>
                 <a:latin typeface="Arial"/>
                 <a:ea typeface="DejaVu Sans"/>
               </a:rPr>
-              <a:t>製品マスター更新</a:t>
-            </a:r>
-            <a:endParaRPr b="0" lang="en-US" sz="1800" spc="-1" strike="noStrike">
-              <a:solidFill>
-                <a:srgbClr val="000000"/>
-              </a:solidFill>
-              <a:latin typeface="Arial"/>
-            </a:endParaRPr>
-          </a:p>
-        </p:txBody>
-      </p:sp>
-      <p:sp>
-        <p:nvSpPr>
-          <p:cNvPr id="72" name=""/>
-          <p:cNvSpPr/>
-          <p:nvPr/>
-        </p:nvSpPr>
-        <p:spPr>
-          <a:xfrm>
-            <a:off x="6480000" y="3605040"/>
-            <a:ext cx="1980000" cy="714960"/>
-          </a:xfrm>
-          <a:prstGeom prst="rect">
-            <a:avLst/>
-          </a:prstGeom>
-          <a:solidFill>
-            <a:schemeClr val="accent1">
-              <a:alpha val="50000"/>
-            </a:schemeClr>
-          </a:solidFill>
-          <a:ln w="0">
-            <a:solidFill>
-              <a:srgbClr val="254061"/>
-            </a:solidFill>
-          </a:ln>
-        </p:spPr>
-        <p:style>
-          <a:lnRef idx="0"/>
-          <a:fillRef idx="0"/>
-          <a:effectRef idx="0"/>
-          <a:fontRef idx="minor"/>
-        </p:style>
-        <p:txBody>
-          <a:bodyPr lIns="90000" rIns="90000" tIns="45000" bIns="45000" anchor="ctr">
-            <a:noAutofit/>
-          </a:bodyPr>
-          <a:p>
-            <a:pPr algn="ctr">
+              <a:t>ジャンルマスター（飛行機、ロボット…）</a:t>
+            </a:r>
+            <a:endParaRPr b="0" lang="en-US" sz="2000" spc="-1" strike="noStrike">
+              <a:solidFill>
+                <a:srgbClr val="000000"/>
+              </a:solidFill>
+              <a:latin typeface="Arial"/>
+            </a:endParaRPr>
+          </a:p>
+          <a:p>
+            <a:pPr marL="432000" indent="-324000">
               <a:lnSpc>
                 <a:spcPct val="100000"/>
               </a:lnSpc>
-              <a:tabLst>
-                <a:tab algn="l" pos="408240"/>
-              </a:tabLst>
-            </a:pPr>
-            <a:r>
-              <a:rPr b="0" lang="ja-JP" sz="1800" spc="-1" strike="noStrike">
+              <a:spcBef>
+                <a:spcPts val="1417"/>
+              </a:spcBef>
+              <a:buClr>
+                <a:srgbClr val="000000"/>
+              </a:buClr>
+              <a:buSzPct val="45000"/>
+              <a:buFont typeface="Wingdings" charset="2"/>
+              <a:buChar char=""/>
+            </a:pPr>
+            <a:r>
+              <a:rPr b="0" lang="ja-JP" sz="2000" spc="-1" strike="noStrike">
                 <a:solidFill>
                   <a:srgbClr val="000000"/>
                 </a:solidFill>
                 <a:latin typeface="Arial"/>
                 <a:ea typeface="DejaVu Sans"/>
               </a:rPr>
-              <a:t>製品マスター削除</a:t>
-            </a:r>
-            <a:endParaRPr b="0" lang="en-US" sz="1800" spc="-1" strike="noStrike">
-              <a:solidFill>
-                <a:srgbClr val="000000"/>
-              </a:solidFill>
-              <a:latin typeface="Arial"/>
-            </a:endParaRPr>
-          </a:p>
-        </p:txBody>
-      </p:sp>
-      <p:sp>
-        <p:nvSpPr>
-          <p:cNvPr id="73" name=""/>
-          <p:cNvSpPr/>
-          <p:nvPr/>
-        </p:nvSpPr>
-        <p:spPr>
-          <a:xfrm>
-            <a:off x="6480000" y="4685040"/>
-            <a:ext cx="1980000" cy="714960"/>
-          </a:xfrm>
-          <a:prstGeom prst="rect">
-            <a:avLst/>
-          </a:prstGeom>
-          <a:solidFill>
-            <a:schemeClr val="accent1">
-              <a:alpha val="50000"/>
-            </a:schemeClr>
-          </a:solidFill>
-          <a:ln w="0">
-            <a:solidFill>
-              <a:srgbClr val="254061"/>
-            </a:solidFill>
-          </a:ln>
-        </p:spPr>
-        <p:style>
-          <a:lnRef idx="0"/>
-          <a:fillRef idx="0"/>
-          <a:effectRef idx="0"/>
-          <a:fontRef idx="minor"/>
-        </p:style>
-        <p:txBody>
-          <a:bodyPr lIns="90000" rIns="90000" tIns="45000" bIns="45000" anchor="ctr">
-            <a:noAutofit/>
-          </a:bodyPr>
-          <a:p>
-            <a:pPr algn="ctr">
+              <a:t>スケールマスター（</a:t>
+            </a:r>
+            <a:r>
+              <a:rPr b="0" lang="en-US" sz="2000" spc="-1" strike="noStrike">
+                <a:solidFill>
+                  <a:srgbClr val="000000"/>
+                </a:solidFill>
+                <a:latin typeface="Arial"/>
+                <a:ea typeface="DejaVu Sans"/>
+              </a:rPr>
+              <a:t>1/100</a:t>
+            </a:r>
+            <a:r>
+              <a:rPr b="0" lang="ja-JP" sz="2000" spc="-1" strike="noStrike">
+                <a:solidFill>
+                  <a:srgbClr val="000000"/>
+                </a:solidFill>
+                <a:latin typeface="Arial"/>
+                <a:ea typeface="DejaVu Sans"/>
+              </a:rPr>
+              <a:t>、</a:t>
+            </a:r>
+            <a:r>
+              <a:rPr b="0" lang="en-US" sz="2000" spc="-1" strike="noStrike">
+                <a:solidFill>
+                  <a:srgbClr val="000000"/>
+                </a:solidFill>
+                <a:latin typeface="Arial"/>
+                <a:ea typeface="DejaVu Sans"/>
+              </a:rPr>
+              <a:t>1/200...</a:t>
+            </a:r>
+            <a:r>
+              <a:rPr b="0" lang="ja-JP" sz="2000" spc="-1" strike="noStrike">
+                <a:solidFill>
+                  <a:srgbClr val="000000"/>
+                </a:solidFill>
+                <a:latin typeface="Arial"/>
+                <a:ea typeface="DejaVu Sans"/>
+              </a:rPr>
+              <a:t>）</a:t>
+            </a:r>
+            <a:endParaRPr b="0" lang="en-US" sz="2000" spc="-1" strike="noStrike">
+              <a:solidFill>
+                <a:srgbClr val="000000"/>
+              </a:solidFill>
+              <a:latin typeface="Arial"/>
+            </a:endParaRPr>
+          </a:p>
+          <a:p>
+            <a:pPr marL="432000" indent="-324000">
               <a:lnSpc>
                 <a:spcPct val="100000"/>
               </a:lnSpc>
-              <a:tabLst>
-                <a:tab algn="l" pos="408240"/>
-              </a:tabLst>
-            </a:pPr>
-            <a:r>
-              <a:rPr b="0" lang="ja-JP" sz="1800" spc="-1" strike="noStrike">
+              <a:spcBef>
+                <a:spcPts val="1417"/>
+              </a:spcBef>
+              <a:buClr>
+                <a:srgbClr val="000000"/>
+              </a:buClr>
+              <a:buSzPct val="45000"/>
+              <a:buFont typeface="Wingdings" charset="2"/>
+              <a:buChar char=""/>
+            </a:pPr>
+            <a:r>
+              <a:rPr b="0" lang="ja-JP" sz="2000" spc="-1" strike="noStrike">
                 <a:solidFill>
                   <a:srgbClr val="000000"/>
                 </a:solidFill>
                 <a:latin typeface="Arial"/>
                 <a:ea typeface="DejaVu Sans"/>
               </a:rPr>
-              <a:t>入出庫データ</a:t>
-            </a:r>
-            <a:endParaRPr b="0" lang="en-US" sz="1800" spc="-1" strike="noStrike">
-              <a:solidFill>
-                <a:srgbClr val="000000"/>
-              </a:solidFill>
-              <a:latin typeface="Arial"/>
-            </a:endParaRPr>
-          </a:p>
-        </p:txBody>
-      </p:sp>
-      <p:cxnSp>
-        <p:nvCxnSpPr>
-          <p:cNvPr id="74" name=""/>
-          <p:cNvCxnSpPr>
-            <a:stCxn id="68" idx="3"/>
-            <a:endCxn id="69" idx="1"/>
-          </p:cNvCxnSpPr>
-          <p:nvPr/>
-        </p:nvCxnSpPr>
-        <p:spPr>
-          <a:xfrm>
-            <a:off x="2154960" y="1797480"/>
-            <a:ext cx="1265400" cy="360"/>
-          </a:xfrm>
-          <a:prstGeom prst="bentConnector2">
-            <a:avLst/>
-          </a:prstGeom>
-          <a:ln w="0">
-            <a:solidFill>
-              <a:srgbClr val="3465a4"/>
-            </a:solidFill>
-          </a:ln>
-        </p:spPr>
-      </p:cxnSp>
-      <p:cxnSp>
-        <p:nvCxnSpPr>
-          <p:cNvPr id="75" name=""/>
-          <p:cNvCxnSpPr>
-            <a:stCxn id="71" idx="1"/>
-            <a:endCxn id="69" idx="3"/>
-          </p:cNvCxnSpPr>
-          <p:nvPr/>
-        </p:nvCxnSpPr>
-        <p:spPr>
-          <a:xfrm rot="10800000">
-            <a:off x="5400000" y="1797480"/>
-            <a:ext cx="1080360" cy="1085400"/>
-          </a:xfrm>
-          <a:prstGeom prst="bentConnector3">
-            <a:avLst>
-              <a:gd name="adj1" fmla="val 50000"/>
-            </a:avLst>
-          </a:prstGeom>
-          <a:ln w="0">
-            <a:solidFill>
-              <a:srgbClr val="3465a4"/>
-            </a:solidFill>
-          </a:ln>
-        </p:spPr>
-      </p:cxnSp>
-      <p:cxnSp>
-        <p:nvCxnSpPr>
-          <p:cNvPr id="76" name=""/>
-          <p:cNvCxnSpPr>
-            <a:stCxn id="70" idx="1"/>
-            <a:endCxn id="69" idx="3"/>
-          </p:cNvCxnSpPr>
-          <p:nvPr/>
-        </p:nvCxnSpPr>
-        <p:spPr>
-          <a:xfrm rot="10800000">
-            <a:off x="5400000" y="1797480"/>
-            <a:ext cx="1080360" cy="5400"/>
-          </a:xfrm>
-          <a:prstGeom prst="bentConnector3">
-            <a:avLst>
-              <a:gd name="adj1" fmla="val 50000"/>
-            </a:avLst>
-          </a:prstGeom>
-          <a:ln w="0">
-            <a:solidFill>
-              <a:srgbClr val="3465a4"/>
-            </a:solidFill>
-          </a:ln>
-        </p:spPr>
-      </p:cxnSp>
-      <p:cxnSp>
-        <p:nvCxnSpPr>
-          <p:cNvPr id="77" name=""/>
-          <p:cNvCxnSpPr>
-            <a:stCxn id="72" idx="1"/>
-            <a:endCxn id="69" idx="3"/>
-          </p:cNvCxnSpPr>
-          <p:nvPr/>
-        </p:nvCxnSpPr>
-        <p:spPr>
-          <a:xfrm rot="10800000">
-            <a:off x="5400000" y="1797480"/>
-            <a:ext cx="1080360" cy="2165400"/>
-          </a:xfrm>
-          <a:prstGeom prst="bentConnector3">
-            <a:avLst>
-              <a:gd name="adj1" fmla="val 50000"/>
-            </a:avLst>
-          </a:prstGeom>
-          <a:ln w="0">
-            <a:solidFill>
-              <a:srgbClr val="3465a4"/>
-            </a:solidFill>
-          </a:ln>
-        </p:spPr>
-      </p:cxnSp>
-      <p:cxnSp>
-        <p:nvCxnSpPr>
-          <p:cNvPr id="78" name=""/>
-          <p:cNvCxnSpPr>
-            <a:stCxn id="73" idx="1"/>
-            <a:endCxn id="69" idx="3"/>
-          </p:cNvCxnSpPr>
-          <p:nvPr/>
-        </p:nvCxnSpPr>
-        <p:spPr>
-          <a:xfrm rot="10800000">
-            <a:off x="5400000" y="1797480"/>
-            <a:ext cx="1080360" cy="3245400"/>
-          </a:xfrm>
-          <a:prstGeom prst="bentConnector3">
-            <a:avLst>
-              <a:gd name="adj1" fmla="val 50000"/>
-            </a:avLst>
-          </a:prstGeom>
-          <a:ln w="0">
-            <a:solidFill>
-              <a:srgbClr val="3465a4"/>
-            </a:solidFill>
-          </a:ln>
-        </p:spPr>
-      </p:cxnSp>
+              <a:t>エリアマスター（部署名、店舗名）</a:t>
+            </a:r>
+            <a:endParaRPr b="0" lang="en-US" sz="2000" spc="-1" strike="noStrike">
+              <a:solidFill>
+                <a:srgbClr val="000000"/>
+              </a:solidFill>
+              <a:latin typeface="Arial"/>
+            </a:endParaRPr>
+          </a:p>
+          <a:p>
+            <a:pPr marL="432000" indent="-324000">
+              <a:lnSpc>
+                <a:spcPct val="100000"/>
+              </a:lnSpc>
+              <a:spcBef>
+                <a:spcPts val="1417"/>
+              </a:spcBef>
+              <a:buClr>
+                <a:srgbClr val="000000"/>
+              </a:buClr>
+              <a:buSzPct val="45000"/>
+              <a:buFont typeface="Wingdings" charset="2"/>
+              <a:buChar char=""/>
+            </a:pPr>
+            <a:r>
+              <a:rPr b="0" lang="ja-JP" sz="2000" spc="-1" strike="noStrike">
+                <a:solidFill>
+                  <a:srgbClr val="000000"/>
+                </a:solidFill>
+                <a:latin typeface="Arial"/>
+                <a:ea typeface="DejaVu Sans"/>
+              </a:rPr>
+              <a:t>在庫データ（○〇店には</a:t>
+            </a:r>
+            <a:r>
+              <a:rPr b="0" lang="en-US" sz="2000" spc="-1" strike="noStrike">
+                <a:solidFill>
+                  <a:srgbClr val="000000"/>
+                </a:solidFill>
+                <a:latin typeface="Arial"/>
+                <a:ea typeface="DejaVu Sans"/>
+              </a:rPr>
+              <a:t>3</a:t>
+            </a:r>
+            <a:r>
+              <a:rPr b="0" lang="ja-JP" sz="2000" spc="-1" strike="noStrike">
+                <a:solidFill>
+                  <a:srgbClr val="000000"/>
+                </a:solidFill>
+                <a:latin typeface="Arial"/>
+                <a:ea typeface="DejaVu Sans"/>
+              </a:rPr>
+              <a:t>個）</a:t>
+            </a:r>
+            <a:endParaRPr b="0" lang="en-US" sz="2000" spc="-1" strike="noStrike">
+              <a:solidFill>
+                <a:srgbClr val="000000"/>
+              </a:solidFill>
+              <a:latin typeface="Arial"/>
+            </a:endParaRPr>
+          </a:p>
+          <a:p>
+            <a:pPr marL="432000" indent="-324000">
+              <a:lnSpc>
+                <a:spcPct val="100000"/>
+              </a:lnSpc>
+              <a:spcBef>
+                <a:spcPts val="1417"/>
+              </a:spcBef>
+              <a:buClr>
+                <a:srgbClr val="000000"/>
+              </a:buClr>
+              <a:buSzPct val="45000"/>
+              <a:buFont typeface="Wingdings" charset="2"/>
+              <a:buChar char=""/>
+            </a:pPr>
+            <a:r>
+              <a:rPr b="0" lang="ja-JP" sz="2000" spc="-1" strike="noStrike">
+                <a:solidFill>
+                  <a:srgbClr val="000000"/>
+                </a:solidFill>
+                <a:latin typeface="Arial"/>
+                <a:ea typeface="DejaVu Sans"/>
+              </a:rPr>
+              <a:t>入出庫データ（</a:t>
+            </a:r>
+            <a:r>
+              <a:rPr b="0" lang="en-US" sz="2000" spc="-1" strike="noStrike">
+                <a:solidFill>
+                  <a:srgbClr val="000000"/>
+                </a:solidFill>
+                <a:latin typeface="Arial"/>
+                <a:ea typeface="DejaVu Sans"/>
+              </a:rPr>
+              <a:t>1/15</a:t>
+            </a:r>
+            <a:r>
+              <a:rPr b="0" lang="ja-JP" sz="2000" spc="-1" strike="noStrike">
+                <a:solidFill>
+                  <a:srgbClr val="000000"/>
+                </a:solidFill>
+                <a:latin typeface="Arial"/>
+                <a:ea typeface="DejaVu Sans"/>
+              </a:rPr>
+              <a:t>に倉庫に</a:t>
+            </a:r>
+            <a:r>
+              <a:rPr b="0" lang="en-US" sz="2000" spc="-1" strike="noStrike">
+                <a:solidFill>
+                  <a:srgbClr val="000000"/>
+                </a:solidFill>
+                <a:latin typeface="Arial"/>
+                <a:ea typeface="DejaVu Sans"/>
+              </a:rPr>
+              <a:t>5</a:t>
+            </a:r>
+            <a:r>
+              <a:rPr b="0" lang="ja-JP" sz="2000" spc="-1" strike="noStrike">
+                <a:solidFill>
+                  <a:srgbClr val="000000"/>
+                </a:solidFill>
+                <a:latin typeface="Arial"/>
+                <a:ea typeface="DejaVu Sans"/>
+              </a:rPr>
+              <a:t>個入荷）</a:t>
+            </a:r>
+            <a:endParaRPr b="0" lang="en-US" sz="2000" spc="-1" strike="noStrike">
+              <a:solidFill>
+                <a:srgbClr val="000000"/>
+              </a:solidFill>
+              <a:latin typeface="Arial"/>
+            </a:endParaRPr>
+          </a:p>
+        </p:txBody>
+      </p:sp>
     </p:spTree>
   </p:cSld>
   <mc:AlternateContent>
@@ -5894,7 +9272,7 @@
       </p:grpSpPr>
       <p:sp>
         <p:nvSpPr>
-          <p:cNvPr id="79" name="PlaceHolder 1"/>
+          <p:cNvPr id="112" name="PlaceHolder 1"/>
           <p:cNvSpPr>
             <a:spLocks noGrp="1"/>
           </p:cNvSpPr>
@@ -5905,7 +9283,7 @@
         <p:spPr>
           <a:xfrm>
             <a:off x="504000" y="226080"/>
-            <a:ext cx="9071640" cy="946440"/>
+            <a:ext cx="9070920" cy="945720"/>
           </a:xfrm>
           <a:prstGeom prst="rect">
             <a:avLst/>
@@ -5925,471 +9303,13 @@
           </a:bodyPr>
           <a:p>
             <a:pPr indent="0" algn="ctr">
-              <a:buNone/>
-            </a:pPr>
-            <a:r>
-              <a:rPr b="0" lang="ja-JP" sz="4400" spc="-1" strike="noStrike">
-                <a:solidFill>
-                  <a:srgbClr val="000000"/>
-                </a:solidFill>
-                <a:latin typeface="Arial"/>
-              </a:rPr>
-              <a:t>データベース</a:t>
-            </a:r>
-            <a:r>
-              <a:rPr b="0" lang="en-US" sz="4400" spc="-1" strike="noStrike">
-                <a:solidFill>
-                  <a:srgbClr val="000000"/>
-                </a:solidFill>
-                <a:latin typeface="Arial"/>
-              </a:rPr>
-              <a:t>-</a:t>
-            </a:r>
-            <a:r>
-              <a:rPr b="0" lang="ja-JP" sz="4400" spc="-1" strike="noStrike">
-                <a:solidFill>
-                  <a:srgbClr val="000000"/>
-                </a:solidFill>
-                <a:latin typeface="Arial"/>
-              </a:rPr>
-              <a:t>テーブル</a:t>
-            </a:r>
-            <a:endParaRPr b="0" lang="en-US" sz="4400" spc="-1" strike="noStrike">
-              <a:solidFill>
-                <a:srgbClr val="000000"/>
-              </a:solidFill>
-              <a:latin typeface="Arial"/>
-            </a:endParaRPr>
-          </a:p>
-        </p:txBody>
-      </p:sp>
-      <p:sp>
-        <p:nvSpPr>
-          <p:cNvPr id="80" name=""/>
-          <p:cNvSpPr txBox="1"/>
-          <p:nvPr/>
-        </p:nvSpPr>
-        <p:spPr>
-          <a:xfrm>
-            <a:off x="540000" y="1440000"/>
-            <a:ext cx="9071640" cy="3780000"/>
-          </a:xfrm>
-          <a:prstGeom prst="rect">
-            <a:avLst/>
-          </a:prstGeom>
-          <a:noFill/>
-          <a:ln w="0">
-            <a:noFill/>
-          </a:ln>
-        </p:spPr>
-        <p:txBody>
-          <a:bodyPr lIns="0" rIns="0" tIns="0" bIns="0" anchor="t">
-            <a:normAutofit fontScale="97000"/>
-          </a:bodyPr>
-          <a:p>
-            <a:pPr marL="419040" indent="-314280">
               <a:lnSpc>
                 <a:spcPct val="100000"/>
               </a:lnSpc>
-              <a:spcBef>
-                <a:spcPts val="1417"/>
-              </a:spcBef>
-              <a:buClr>
-                <a:srgbClr val="000000"/>
-              </a:buClr>
-              <a:buSzPct val="45000"/>
-              <a:buFont typeface="Wingdings" charset="2"/>
-              <a:buChar char=""/>
-            </a:pPr>
-            <a:r>
-              <a:rPr b="0" lang="ja-JP" sz="2000" spc="-1" strike="noStrike">
-                <a:solidFill>
-                  <a:srgbClr val="000000"/>
-                </a:solidFill>
-                <a:latin typeface="Arial"/>
-              </a:rPr>
-              <a:t>ユーザーマスター</a:t>
-            </a:r>
-            <a:endParaRPr b="0" lang="en-US" sz="2000" spc="-1" strike="noStrike">
-              <a:solidFill>
-                <a:srgbClr val="000000"/>
-              </a:solidFill>
-              <a:latin typeface="Arial"/>
-            </a:endParaRPr>
-          </a:p>
-          <a:p>
-            <a:pPr marL="419040" indent="-314280">
-              <a:lnSpc>
-                <a:spcPct val="100000"/>
-              </a:lnSpc>
-              <a:spcBef>
-                <a:spcPts val="1417"/>
-              </a:spcBef>
-              <a:buClr>
-                <a:srgbClr val="000000"/>
-              </a:buClr>
-              <a:buSzPct val="45000"/>
-              <a:buFont typeface="Wingdings" charset="2"/>
-              <a:buChar char=""/>
-            </a:pPr>
-            <a:r>
-              <a:rPr b="0" lang="ja-JP" sz="2000" spc="-1" strike="noStrike">
-                <a:solidFill>
-                  <a:srgbClr val="000000"/>
-                </a:solidFill>
-                <a:latin typeface="Arial"/>
-              </a:rPr>
-              <a:t>製品マスター</a:t>
-            </a:r>
-            <a:endParaRPr b="0" lang="en-US" sz="2000" spc="-1" strike="noStrike">
-              <a:solidFill>
-                <a:srgbClr val="000000"/>
-              </a:solidFill>
-              <a:latin typeface="Arial"/>
-            </a:endParaRPr>
-          </a:p>
-          <a:p>
-            <a:pPr marL="419040" indent="-314280">
-              <a:lnSpc>
-                <a:spcPct val="100000"/>
-              </a:lnSpc>
-              <a:spcBef>
-                <a:spcPts val="1417"/>
-              </a:spcBef>
-              <a:buClr>
-                <a:srgbClr val="000000"/>
-              </a:buClr>
-              <a:buSzPct val="45000"/>
-              <a:buFont typeface="Wingdings" charset="2"/>
-              <a:buChar char=""/>
-            </a:pPr>
-            <a:r>
-              <a:rPr b="0" lang="ja-JP" sz="2000" spc="-1" strike="noStrike">
-                <a:solidFill>
-                  <a:srgbClr val="000000"/>
-                </a:solidFill>
-                <a:latin typeface="Arial"/>
-              </a:rPr>
-              <a:t>メーカーマスター（製造会社）</a:t>
-            </a:r>
-            <a:endParaRPr b="0" lang="en-US" sz="2000" spc="-1" strike="noStrike">
-              <a:solidFill>
-                <a:srgbClr val="000000"/>
-              </a:solidFill>
-              <a:latin typeface="Arial"/>
-            </a:endParaRPr>
-          </a:p>
-          <a:p>
-            <a:pPr marL="419040" indent="-314280">
-              <a:lnSpc>
-                <a:spcPct val="100000"/>
-              </a:lnSpc>
-              <a:spcBef>
-                <a:spcPts val="1417"/>
-              </a:spcBef>
-              <a:buClr>
-                <a:srgbClr val="000000"/>
-              </a:buClr>
-              <a:buSzPct val="45000"/>
-              <a:buFont typeface="Wingdings" charset="2"/>
-              <a:buChar char=""/>
-            </a:pPr>
-            <a:r>
-              <a:rPr b="0" lang="ja-JP" sz="2000" spc="-1" strike="noStrike">
-                <a:solidFill>
-                  <a:srgbClr val="000000"/>
-                </a:solidFill>
-                <a:latin typeface="Arial"/>
-              </a:rPr>
-              <a:t>ジャンルマスター（飛行機、ロボット…）</a:t>
-            </a:r>
-            <a:endParaRPr b="0" lang="en-US" sz="2000" spc="-1" strike="noStrike">
-              <a:solidFill>
-                <a:srgbClr val="000000"/>
-              </a:solidFill>
-              <a:latin typeface="Arial"/>
-            </a:endParaRPr>
-          </a:p>
-          <a:p>
-            <a:pPr marL="419040" indent="-314280">
-              <a:lnSpc>
-                <a:spcPct val="100000"/>
-              </a:lnSpc>
-              <a:spcBef>
-                <a:spcPts val="1417"/>
-              </a:spcBef>
-              <a:buClr>
-                <a:srgbClr val="000000"/>
-              </a:buClr>
-              <a:buSzPct val="45000"/>
-              <a:buFont typeface="Wingdings" charset="2"/>
-              <a:buChar char=""/>
-            </a:pPr>
-            <a:r>
-              <a:rPr b="0" lang="ja-JP" sz="2000" spc="-1" strike="noStrike">
-                <a:solidFill>
-                  <a:srgbClr val="000000"/>
-                </a:solidFill>
-                <a:latin typeface="Arial"/>
-              </a:rPr>
-              <a:t>スケールマスター（</a:t>
-            </a:r>
-            <a:r>
-              <a:rPr b="0" lang="en-US" sz="2000" spc="-1" strike="noStrike">
-                <a:solidFill>
-                  <a:srgbClr val="000000"/>
-                </a:solidFill>
-                <a:latin typeface="Arial"/>
-              </a:rPr>
-              <a:t>1/100</a:t>
-            </a:r>
-            <a:r>
-              <a:rPr b="0" lang="ja-JP" sz="2000" spc="-1" strike="noStrike">
-                <a:solidFill>
-                  <a:srgbClr val="000000"/>
-                </a:solidFill>
-                <a:latin typeface="Arial"/>
-              </a:rPr>
-              <a:t>、</a:t>
-            </a:r>
-            <a:r>
-              <a:rPr b="0" lang="en-US" sz="2000" spc="-1" strike="noStrike">
-                <a:solidFill>
-                  <a:srgbClr val="000000"/>
-                </a:solidFill>
-                <a:latin typeface="Arial"/>
-              </a:rPr>
-              <a:t>1/200...</a:t>
-            </a:r>
-            <a:r>
-              <a:rPr b="0" lang="ja-JP" sz="2000" spc="-1" strike="noStrike">
-                <a:solidFill>
-                  <a:srgbClr val="000000"/>
-                </a:solidFill>
-                <a:latin typeface="Arial"/>
-              </a:rPr>
-              <a:t>）</a:t>
-            </a:r>
-            <a:endParaRPr b="0" lang="en-US" sz="2000" spc="-1" strike="noStrike">
-              <a:solidFill>
-                <a:srgbClr val="000000"/>
-              </a:solidFill>
-              <a:latin typeface="Arial"/>
-            </a:endParaRPr>
-          </a:p>
-          <a:p>
-            <a:pPr marL="419040" indent="-314280">
-              <a:lnSpc>
-                <a:spcPct val="100000"/>
-              </a:lnSpc>
-              <a:spcBef>
-                <a:spcPts val="1417"/>
-              </a:spcBef>
-              <a:buClr>
-                <a:srgbClr val="000000"/>
-              </a:buClr>
-              <a:buSzPct val="45000"/>
-              <a:buFont typeface="Wingdings" charset="2"/>
-              <a:buChar char=""/>
-            </a:pPr>
-            <a:r>
-              <a:rPr b="0" lang="ja-JP" sz="2000" spc="-1" strike="noStrike">
-                <a:solidFill>
-                  <a:srgbClr val="000000"/>
-                </a:solidFill>
-                <a:latin typeface="Arial"/>
-              </a:rPr>
-              <a:t>エリアマスター（部署名、店舗名）</a:t>
-            </a:r>
-            <a:endParaRPr b="0" lang="en-US" sz="2000" spc="-1" strike="noStrike">
-              <a:solidFill>
-                <a:srgbClr val="000000"/>
-              </a:solidFill>
-              <a:latin typeface="Arial"/>
-            </a:endParaRPr>
-          </a:p>
-          <a:p>
-            <a:pPr marL="419040" indent="-314280">
-              <a:lnSpc>
-                <a:spcPct val="100000"/>
-              </a:lnSpc>
-              <a:spcBef>
-                <a:spcPts val="1417"/>
-              </a:spcBef>
-              <a:buClr>
-                <a:srgbClr val="000000"/>
-              </a:buClr>
-              <a:buSzPct val="45000"/>
-              <a:buFont typeface="Wingdings" charset="2"/>
-              <a:buChar char=""/>
-            </a:pPr>
-            <a:r>
-              <a:rPr b="0" lang="ja-JP" sz="2000" spc="-1" strike="noStrike">
-                <a:solidFill>
-                  <a:srgbClr val="000000"/>
-                </a:solidFill>
-                <a:latin typeface="Arial"/>
-              </a:rPr>
-              <a:t>在庫データ（○〇店には</a:t>
-            </a:r>
-            <a:r>
-              <a:rPr b="0" lang="en-US" sz="2000" spc="-1" strike="noStrike">
-                <a:solidFill>
-                  <a:srgbClr val="000000"/>
-                </a:solidFill>
-                <a:latin typeface="Arial"/>
-              </a:rPr>
-              <a:t>3</a:t>
-            </a:r>
-            <a:r>
-              <a:rPr b="0" lang="ja-JP" sz="2000" spc="-1" strike="noStrike">
-                <a:solidFill>
-                  <a:srgbClr val="000000"/>
-                </a:solidFill>
-                <a:latin typeface="Arial"/>
-              </a:rPr>
-              <a:t>個）</a:t>
-            </a:r>
-            <a:endParaRPr b="0" lang="en-US" sz="2000" spc="-1" strike="noStrike">
-              <a:solidFill>
-                <a:srgbClr val="000000"/>
-              </a:solidFill>
-              <a:latin typeface="Arial"/>
-            </a:endParaRPr>
-          </a:p>
-          <a:p>
-            <a:pPr marL="419040" indent="-314280">
-              <a:lnSpc>
-                <a:spcPct val="100000"/>
-              </a:lnSpc>
-              <a:spcBef>
-                <a:spcPts val="1417"/>
-              </a:spcBef>
-              <a:buClr>
-                <a:srgbClr val="000000"/>
-              </a:buClr>
-              <a:buSzPct val="45000"/>
-              <a:buFont typeface="Wingdings" charset="2"/>
-              <a:buChar char=""/>
-            </a:pPr>
-            <a:r>
-              <a:rPr b="0" lang="ja-JP" sz="2000" spc="-1" strike="noStrike">
-                <a:solidFill>
-                  <a:srgbClr val="000000"/>
-                </a:solidFill>
-                <a:latin typeface="Arial"/>
-              </a:rPr>
-              <a:t>入出庫データ（</a:t>
-            </a:r>
-            <a:r>
-              <a:rPr b="0" lang="en-US" sz="2000" spc="-1" strike="noStrike">
-                <a:solidFill>
-                  <a:srgbClr val="000000"/>
-                </a:solidFill>
-                <a:latin typeface="Arial"/>
-              </a:rPr>
-              <a:t>1/15</a:t>
-            </a:r>
-            <a:r>
-              <a:rPr b="0" lang="ja-JP" sz="2000" spc="-1" strike="noStrike">
-                <a:solidFill>
-                  <a:srgbClr val="000000"/>
-                </a:solidFill>
-                <a:latin typeface="Arial"/>
-              </a:rPr>
-              <a:t>に倉庫に</a:t>
-            </a:r>
-            <a:r>
-              <a:rPr b="0" lang="en-US" sz="2000" spc="-1" strike="noStrike">
-                <a:solidFill>
-                  <a:srgbClr val="000000"/>
-                </a:solidFill>
-                <a:latin typeface="Arial"/>
-              </a:rPr>
-              <a:t>5</a:t>
-            </a:r>
-            <a:r>
-              <a:rPr b="0" lang="ja-JP" sz="2000" spc="-1" strike="noStrike">
-                <a:solidFill>
-                  <a:srgbClr val="000000"/>
-                </a:solidFill>
-                <a:latin typeface="Arial"/>
-              </a:rPr>
-              <a:t>個入荷）</a:t>
-            </a:r>
-            <a:endParaRPr b="0" lang="en-US" sz="2000" spc="-1" strike="noStrike">
-              <a:solidFill>
-                <a:srgbClr val="000000"/>
-              </a:solidFill>
-              <a:latin typeface="Arial"/>
-            </a:endParaRPr>
-          </a:p>
-        </p:txBody>
-      </p:sp>
-    </p:spTree>
-  </p:cSld>
-  <mc:AlternateContent>
-    <mc:Choice Requires="p14">
-      <p:transition spd="slow" p14:dur="2000"/>
-    </mc:Choice>
-    <mc:Fallback>
-      <p:transition spd="slow"/>
-    </mc:Fallback>
-  </mc:AlternateContent>
-</p:sld>
-</file>
-
-<file path=ppt/slides/slide8.xml><?xml version="1.0" encoding="utf-8"?>
-<p:sld xmlns:a="http://schemas.openxmlformats.org/drawingml/2006/main" xmlns:p="http://schemas.openxmlformats.org/presentationml/2006/main" xmlns:r="http://schemas.openxmlformats.org/officeDocument/2006/relationships" xmlns:p14="http://schemas.microsoft.com/office/powerpoint/2010/main" xmlns:p15="http://schemas.microsoft.com/office/powerpoint/2012/main" xmlns:mc="http://schemas.openxmlformats.org/markup-compatibility/2006">
-  <p:cSld>
-    <p:spTree>
-      <p:nvGrpSpPr>
-        <p:cNvPr id="1" name=""/>
-        <p:cNvGrpSpPr/>
-        <p:nvPr/>
-      </p:nvGrpSpPr>
-      <p:grpSpPr>
-        <a:xfrm>
-          <a:off x="0" y="0"/>
-          <a:ext cx="0" cy="0"/>
-          <a:chOff x="0" y="0"/>
-          <a:chExt cx="0" cy="0"/>
-        </a:xfrm>
-      </p:grpSpPr>
-      <p:sp>
-        <p:nvSpPr>
-          <p:cNvPr id="81" name="PlaceHolder 1"/>
-          <p:cNvSpPr>
-            <a:spLocks noGrp="1"/>
-          </p:cNvSpPr>
-          <p:nvPr>
-            <p:ph type="title"/>
-          </p:nvPr>
-        </p:nvSpPr>
-        <p:spPr>
-          <a:xfrm>
-            <a:off x="504000" y="226080"/>
-            <a:ext cx="9071640" cy="946440"/>
-          </a:xfrm>
-          <a:prstGeom prst="rect">
-            <a:avLst/>
-          </a:prstGeom>
-          <a:solidFill>
-            <a:srgbClr val="dee6ef"/>
-          </a:solidFill>
-          <a:ln w="0">
-            <a:solidFill>
-              <a:srgbClr val="3465a4"/>
-            </a:solidFill>
-          </a:ln>
-        </p:spPr>
-        <p:txBody>
-          <a:bodyPr lIns="0" rIns="0" tIns="0" bIns="0" anchor="ctr">
-            <a:noAutofit/>
-          </a:bodyPr>
-          <a:p>
-            <a:pPr indent="0" algn="ctr">
               <a:buNone/>
+              <a:tabLst>
+                <a:tab algn="l" pos="0"/>
+              </a:tabLst>
             </a:pPr>
             <a:r>
               <a:rPr b="0" lang="ja-JP" sz="4400" spc="-1" strike="noStrike">
@@ -6411,14 +9331,14 @@
       </p:sp>
       <p:sp>
         <p:nvSpPr>
-          <p:cNvPr id="82" name=""/>
-          <p:cNvSpPr txBox="1"/>
+          <p:cNvPr id="113" name=""/>
+          <p:cNvSpPr/>
           <p:nvPr/>
         </p:nvSpPr>
         <p:spPr>
           <a:xfrm>
             <a:off x="540000" y="1440000"/>
-            <a:ext cx="9071640" cy="3780000"/>
+            <a:ext cx="9070920" cy="3779280"/>
           </a:xfrm>
           <a:prstGeom prst="rect">
             <a:avLst/>
@@ -6428,6 +9348,12 @@
             <a:noFill/>
           </a:ln>
         </p:spPr>
+        <p:style>
+          <a:lnRef idx="0"/>
+          <a:fillRef idx="0"/>
+          <a:effectRef idx="0"/>
+          <a:fontRef idx="minor"/>
+        </p:style>
         <p:txBody>
           <a:bodyPr lIns="0" rIns="0" tIns="0" bIns="0" anchor="t">
             <a:normAutofit/>
@@ -6453,6 +9379,7 @@
                   <a:srgbClr val="000000"/>
                 </a:solidFill>
                 <a:latin typeface="Arial"/>
+                <a:ea typeface="DejaVu Sans"/>
               </a:rPr>
               <a:t>バリデーションで、エラーメッセージの指定までできなかった</a:t>
             </a:r>
@@ -6484,8 +9411,9 @@
                   <a:srgbClr val="000000"/>
                 </a:solidFill>
                 <a:latin typeface="Arial"/>
-              </a:rPr>
-              <a:t>無駄なコード、変数がたくさん残っている。下手に消すとシステムが動かなくなりそうなのでそのままになっている…</a:t>
+                <a:ea typeface="DejaVu Sans"/>
+              </a:rPr>
+              <a:t>無駄なコード、変数や余計なコメントがたくさん残っている。下手に消すとシステムが動かなくなりそうなのでそのままになっている…</a:t>
             </a:r>
             <a:endParaRPr b="0" lang="en-US" sz="2000" spc="-1" strike="noStrike">
               <a:solidFill>
@@ -6515,6 +9443,7 @@
                   <a:srgbClr val="000000"/>
                 </a:solidFill>
                 <a:latin typeface="Arial"/>
+                <a:ea typeface="DejaVu Sans"/>
               </a:rPr>
               <a:t>エラー対処、コードの書き直しで、</a:t>
             </a:r>
@@ -6524,6 +9453,7 @@
                   <a:srgbClr val="000000"/>
                 </a:solidFill>
                 <a:latin typeface="Arial"/>
+                <a:ea typeface="DejaVu Sans"/>
               </a:rPr>
               <a:t>ChatGPT</a:t>
             </a:r>
@@ -6533,6 +9463,7 @@
                   <a:srgbClr val="000000"/>
                 </a:solidFill>
                 <a:latin typeface="Arial"/>
+                <a:ea typeface="DejaVu Sans"/>
               </a:rPr>
               <a:t>に頼りっぱなしになった。注文の仕方のコツさえわかれば、とても便利なものになりそう。</a:t>
             </a:r>
@@ -6563,10 +9494,213 @@
   <a:themeElements>
     <a:clrScheme name="Office">
       <a:dk1>
-        <a:sysClr val="windowText" lastClr="000000"/>
+        <a:srgbClr val="000000"/>
       </a:dk1>
       <a:lt1>
-        <a:sysClr val="window" lastClr="FFFFFF"/>
+        <a:srgbClr val="ffffff"/>
+      </a:lt1>
+      <a:dk2>
+        <a:srgbClr val="1f497d"/>
+      </a:dk2>
+      <a:lt2>
+        <a:srgbClr val="eeece1"/>
+      </a:lt2>
+      <a:accent1>
+        <a:srgbClr val="4f81bd"/>
+      </a:accent1>
+      <a:accent2>
+        <a:srgbClr val="c0504d"/>
+      </a:accent2>
+      <a:accent3>
+        <a:srgbClr val="9bbb59"/>
+      </a:accent3>
+      <a:accent4>
+        <a:srgbClr val="8064a2"/>
+      </a:accent4>
+      <a:accent5>
+        <a:srgbClr val="4bacc6"/>
+      </a:accent5>
+      <a:accent6>
+        <a:srgbClr val="f79646"/>
+      </a:accent6>
+      <a:hlink>
+        <a:srgbClr val="0000ff"/>
+      </a:hlink>
+      <a:folHlink>
+        <a:srgbClr val="800080"/>
+      </a:folHlink>
+    </a:clrScheme>
+    <a:fontScheme name="Office">
+      <a:majorFont>
+        <a:latin typeface="Arial"/>
+        <a:ea typeface="DejaVu Sans"/>
+        <a:cs typeface="DejaVu Sans"/>
+      </a:majorFont>
+      <a:minorFont>
+        <a:latin typeface="Arial"/>
+        <a:ea typeface="DejaVu Sans"/>
+        <a:cs typeface="DejaVu Sans"/>
+      </a:minorFont>
+    </a:fontScheme>
+    <a:fmtScheme name="Office">
+      <a:fillStyleLst>
+        <a:solidFill>
+          <a:schemeClr val="phClr"/>
+        </a:solidFill>
+        <a:gradFill rotWithShape="1">
+          <a:gsLst>
+            <a:gs pos="0">
+              <a:schemeClr val="phClr">
+                <a:tint val="50000"/>
+                <a:satMod val="300000"/>
+              </a:schemeClr>
+            </a:gs>
+            <a:gs pos="35000">
+              <a:schemeClr val="phClr">
+                <a:tint val="37000"/>
+                <a:satMod val="300000"/>
+              </a:schemeClr>
+            </a:gs>
+            <a:gs pos="100000">
+              <a:schemeClr val="phClr">
+                <a:tint val="15000"/>
+                <a:satMod val="350000"/>
+              </a:schemeClr>
+            </a:gs>
+          </a:gsLst>
+          <a:lin ang="16200000" scaled="1"/>
+        </a:gradFill>
+        <a:gradFill rotWithShape="1">
+          <a:gsLst>
+            <a:gs pos="0">
+              <a:schemeClr val="phClr">
+                <a:shade val="51000"/>
+                <a:satMod val="130000"/>
+              </a:schemeClr>
+            </a:gs>
+            <a:gs pos="80000">
+              <a:schemeClr val="phClr">
+                <a:shade val="93000"/>
+                <a:satMod val="130000"/>
+              </a:schemeClr>
+            </a:gs>
+            <a:gs pos="100000">
+              <a:schemeClr val="phClr">
+                <a:shade val="94000"/>
+                <a:satMod val="135000"/>
+              </a:schemeClr>
+            </a:gs>
+          </a:gsLst>
+          <a:lin ang="16200000" scaled="0"/>
+        </a:gradFill>
+      </a:fillStyleLst>
+      <a:lnStyleLst>
+        <a:ln w="6350" cap="flat" cmpd="sng" algn="ctr">
+          <a:solidFill>
+            <a:schemeClr val="phClr">
+              <a:shade val="95000"/>
+              <a:satMod val="105000"/>
+            </a:schemeClr>
+          </a:solidFill>
+          <a:prstDash val="solid"/>
+          <a:miter/>
+        </a:ln>
+        <a:ln w="12700" cap="flat" cmpd="sng" algn="ctr">
+          <a:solidFill>
+            <a:schemeClr val="phClr"/>
+          </a:solidFill>
+          <a:prstDash val="solid"/>
+          <a:miter/>
+        </a:ln>
+        <a:ln w="19050" cap="flat" cmpd="sng" algn="ctr">
+          <a:solidFill>
+            <a:schemeClr val="phClr"/>
+          </a:solidFill>
+          <a:prstDash val="solid"/>
+          <a:miter/>
+        </a:ln>
+      </a:lnStyleLst>
+      <a:effectStyleLst>
+        <a:effectStyle>
+          <a:effectLst/>
+        </a:effectStyle>
+        <a:effectStyle>
+          <a:effectLst/>
+        </a:effectStyle>
+        <a:effectStyle>
+          <a:effectLst>
+            <a:outerShdw blurRad="40000" dist="23000" dir="5400000" rotWithShape="0">
+              <a:srgbClr val="000000">
+                <a:alpha val="35000"/>
+              </a:srgbClr>
+            </a:outerShdw>
+          </a:effectLst>
+        </a:effectStyle>
+      </a:effectStyleLst>
+      <a:bgFillStyleLst>
+        <a:solidFill>
+          <a:schemeClr val="phClr"/>
+        </a:solidFill>
+        <a:gradFill rotWithShape="1">
+          <a:gsLst>
+            <a:gs pos="0">
+              <a:schemeClr val="phClr">
+                <a:tint val="40000"/>
+                <a:satMod val="350000"/>
+              </a:schemeClr>
+            </a:gs>
+            <a:gs pos="40000">
+              <a:schemeClr val="phClr">
+                <a:tint val="45000"/>
+                <a:shade val="99000"/>
+                <a:satMod val="350000"/>
+              </a:schemeClr>
+            </a:gs>
+            <a:gs pos="100000">
+              <a:schemeClr val="phClr">
+                <a:shade val="20000"/>
+                <a:satMod val="255000"/>
+              </a:schemeClr>
+            </a:gs>
+          </a:gsLst>
+          <a:path path="circle">
+            <a:fillToRect l="50000" t="-80000" r="50000" b="180000"/>
+          </a:path>
+        </a:gradFill>
+        <a:gradFill rotWithShape="1">
+          <a:gsLst>
+            <a:gs pos="0">
+              <a:schemeClr val="phClr">
+                <a:tint val="80000"/>
+                <a:satMod val="300000"/>
+              </a:schemeClr>
+            </a:gs>
+            <a:gs pos="100000">
+              <a:schemeClr val="phClr">
+                <a:shade val="30000"/>
+                <a:satMod val="200000"/>
+              </a:schemeClr>
+            </a:gs>
+          </a:gsLst>
+          <a:path path="circle">
+            <a:fillToRect l="50000" t="50000" r="50000" b="50000"/>
+          </a:path>
+        </a:gradFill>
+      </a:bgFillStyleLst>
+    </a:fmtScheme>
+  </a:themeElements>
+</a:theme>
+</file>
+
+<file path=ppt/theme/theme2.xml><?xml version="1.0" encoding="utf-8"?>
+<a:theme xmlns:a="http://schemas.openxmlformats.org/drawingml/2006/main" name="Office Theme">
+  <a:themeElements>
+    <a:clrScheme name="Office">
+      <a:dk1>
+        <a:srgbClr val="000000"/>
+      </a:dk1>
+      <a:lt1>
+        <a:srgbClr val="ffffff"/>
       </a:lt1>
       <a:dk2>
         <a:srgbClr val="1f497d"/>
